--- a/content/00/Course-Intro.pptx
+++ b/content/00/Course-Intro.pptx
@@ -5,7 +5,7 @@
     <p:sldMasterId id="2147483660" r:id="rId1"/>
   </p:sldMasterIdLst>
   <p:notesMasterIdLst>
-    <p:notesMasterId r:id="rId42"/>
+    <p:notesMasterId r:id="rId38"/>
   </p:notesMasterIdLst>
   <p:sldIdLst>
     <p:sldId id="314" r:id="rId2"/>
@@ -27,27 +27,23 @@
     <p:sldId id="367" r:id="rId18"/>
     <p:sldId id="373" r:id="rId19"/>
     <p:sldId id="351" r:id="rId20"/>
-    <p:sldId id="355" r:id="rId21"/>
-    <p:sldId id="354" r:id="rId22"/>
-    <p:sldId id="358" r:id="rId23"/>
-    <p:sldId id="356" r:id="rId24"/>
-    <p:sldId id="360" r:id="rId25"/>
-    <p:sldId id="361" r:id="rId26"/>
-    <p:sldId id="362" r:id="rId27"/>
-    <p:sldId id="359" r:id="rId28"/>
-    <p:sldId id="364" r:id="rId29"/>
-    <p:sldId id="324" r:id="rId30"/>
-    <p:sldId id="370" r:id="rId31"/>
-    <p:sldId id="381" r:id="rId32"/>
-    <p:sldId id="337" r:id="rId33"/>
-    <p:sldId id="404" r:id="rId34"/>
-    <p:sldId id="405" r:id="rId35"/>
-    <p:sldId id="325" r:id="rId36"/>
-    <p:sldId id="402" r:id="rId37"/>
-    <p:sldId id="327" r:id="rId38"/>
-    <p:sldId id="401" r:id="rId39"/>
-    <p:sldId id="403" r:id="rId40"/>
-    <p:sldId id="336" r:id="rId41"/>
+    <p:sldId id="358" r:id="rId21"/>
+    <p:sldId id="362" r:id="rId22"/>
+    <p:sldId id="364" r:id="rId23"/>
+    <p:sldId id="324" r:id="rId24"/>
+    <p:sldId id="404" r:id="rId25"/>
+    <p:sldId id="381" r:id="rId26"/>
+    <p:sldId id="370" r:id="rId27"/>
+    <p:sldId id="407" r:id="rId28"/>
+    <p:sldId id="337" r:id="rId29"/>
+    <p:sldId id="409" r:id="rId30"/>
+    <p:sldId id="405" r:id="rId31"/>
+    <p:sldId id="325" r:id="rId32"/>
+    <p:sldId id="402" r:id="rId33"/>
+    <p:sldId id="327" r:id="rId34"/>
+    <p:sldId id="401" r:id="rId35"/>
+    <p:sldId id="403" r:id="rId36"/>
+    <p:sldId id="336" r:id="rId37"/>
   </p:sldIdLst>
   <p:sldSz cx="12192000" cy="6858000"/>
   <p:notesSz cx="6858000" cy="9144000"/>
@@ -1175,13 +1171,6 @@
         </dgm:presLayoutVars>
       </dgm:prSet>
       <dgm:spPr/>
-      <dgm:t>
-        <a:bodyPr/>
-        <a:lstStyle/>
-        <a:p>
-          <a:endParaRPr lang="en-US"/>
-        </a:p>
-      </dgm:t>
     </dgm:pt>
     <dgm:pt modelId="{BDB54A61-907E-4CC5-91D5-2CBCF7AB2CBC}" type="pres">
       <dgm:prSet presAssocID="{A3E6F1AB-1163-4EC2-85B2-4CCA23AE7EEF}" presName="thickLine" presStyleLbl="alignNode1" presStyleIdx="0" presStyleCnt="6"/>
@@ -1194,13 +1183,6 @@
     <dgm:pt modelId="{E5CF3F54-992D-4226-B5F6-B8C6B6D934F9}" type="pres">
       <dgm:prSet presAssocID="{A3E6F1AB-1163-4EC2-85B2-4CCA23AE7EEF}" presName="tx1" presStyleLbl="revTx" presStyleIdx="0" presStyleCnt="6"/>
       <dgm:spPr/>
-      <dgm:t>
-        <a:bodyPr/>
-        <a:lstStyle/>
-        <a:p>
-          <a:endParaRPr lang="en-US"/>
-        </a:p>
-      </dgm:t>
     </dgm:pt>
     <dgm:pt modelId="{827DC859-3264-4DD3-A2A3-A6BC314C31C9}" type="pres">
       <dgm:prSet presAssocID="{A3E6F1AB-1163-4EC2-85B2-4CCA23AE7EEF}" presName="vert1" presStyleCnt="0"/>
@@ -1217,13 +1199,6 @@
     <dgm:pt modelId="{BAFA8EAE-DDF8-4010-8495-AA826E0AC0EE}" type="pres">
       <dgm:prSet presAssocID="{DFC61C96-6EDA-4363-9CC8-2E32591E7923}" presName="tx1" presStyleLbl="revTx" presStyleIdx="1" presStyleCnt="6"/>
       <dgm:spPr/>
-      <dgm:t>
-        <a:bodyPr/>
-        <a:lstStyle/>
-        <a:p>
-          <a:endParaRPr lang="en-US"/>
-        </a:p>
-      </dgm:t>
     </dgm:pt>
     <dgm:pt modelId="{621AC2FF-208E-464E-92D5-0FAC15D64500}" type="pres">
       <dgm:prSet presAssocID="{DFC61C96-6EDA-4363-9CC8-2E32591E7923}" presName="vert1" presStyleCnt="0"/>
@@ -1240,13 +1215,6 @@
     <dgm:pt modelId="{4E548656-0623-42CD-BDB4-114D552E8EF7}" type="pres">
       <dgm:prSet presAssocID="{F634C218-C19E-4FDE-A3C0-03860703CD0D}" presName="tx1" presStyleLbl="revTx" presStyleIdx="2" presStyleCnt="6"/>
       <dgm:spPr/>
-      <dgm:t>
-        <a:bodyPr/>
-        <a:lstStyle/>
-        <a:p>
-          <a:endParaRPr lang="en-US"/>
-        </a:p>
-      </dgm:t>
     </dgm:pt>
     <dgm:pt modelId="{D25EC63E-B9B3-4E45-9B07-17DDEC5671AC}" type="pres">
       <dgm:prSet presAssocID="{F634C218-C19E-4FDE-A3C0-03860703CD0D}" presName="vert1" presStyleCnt="0"/>
@@ -1263,13 +1231,6 @@
     <dgm:pt modelId="{D87D9719-3DBB-4928-A321-B6185BC94A39}" type="pres">
       <dgm:prSet presAssocID="{7E48400E-346A-4A59-8FD3-0BCEC938A5B1}" presName="tx1" presStyleLbl="revTx" presStyleIdx="3" presStyleCnt="6"/>
       <dgm:spPr/>
-      <dgm:t>
-        <a:bodyPr/>
-        <a:lstStyle/>
-        <a:p>
-          <a:endParaRPr lang="en-US"/>
-        </a:p>
-      </dgm:t>
     </dgm:pt>
     <dgm:pt modelId="{0FAE0BED-570C-49EF-86A5-AA78AAF67511}" type="pres">
       <dgm:prSet presAssocID="{7E48400E-346A-4A59-8FD3-0BCEC938A5B1}" presName="vert1" presStyleCnt="0"/>
@@ -1286,13 +1247,6 @@
     <dgm:pt modelId="{A8D37AEF-CFEC-44D0-B201-A5E2B6B96668}" type="pres">
       <dgm:prSet presAssocID="{559C488D-4EF5-44D4-BBB2-AB8C601841E2}" presName="tx1" presStyleLbl="revTx" presStyleIdx="4" presStyleCnt="6"/>
       <dgm:spPr/>
-      <dgm:t>
-        <a:bodyPr/>
-        <a:lstStyle/>
-        <a:p>
-          <a:endParaRPr lang="en-US"/>
-        </a:p>
-      </dgm:t>
     </dgm:pt>
     <dgm:pt modelId="{1F9485DD-B2CB-4F26-925C-313A53A365C0}" type="pres">
       <dgm:prSet presAssocID="{559C488D-4EF5-44D4-BBB2-AB8C601841E2}" presName="vert1" presStyleCnt="0"/>
@@ -1309,13 +1263,6 @@
     <dgm:pt modelId="{77655FBE-61BF-489B-82FD-D98A62349D44}" type="pres">
       <dgm:prSet presAssocID="{833AAC60-B3E2-4703-AF30-9F75A9916279}" presName="tx1" presStyleLbl="revTx" presStyleIdx="5" presStyleCnt="6"/>
       <dgm:spPr/>
-      <dgm:t>
-        <a:bodyPr/>
-        <a:lstStyle/>
-        <a:p>
-          <a:endParaRPr lang="en-US"/>
-        </a:p>
-      </dgm:t>
     </dgm:pt>
     <dgm:pt modelId="{E7FD3095-BFAF-4864-9A16-80BF761FD530}" type="pres">
       <dgm:prSet presAssocID="{833AAC60-B3E2-4703-AF30-9F75A9916279}" presName="vert1" presStyleCnt="0"/>
@@ -1323,19 +1270,19 @@
     </dgm:pt>
   </dgm:ptLst>
   <dgm:cxnLst>
+    <dgm:cxn modelId="{FFD17F62-40D8-4DA0-9BEB-BD1CB2AA777E}" srcId="{480EAB36-8C41-4600-B244-B76D954125E9}" destId="{833AAC60-B3E2-4703-AF30-9F75A9916279}" srcOrd="5" destOrd="0" parTransId="{3A459773-4482-440F-995C-A6F85D322BD0}" sibTransId="{0D2FD294-9108-40AB-AD1F-97B687353E5D}"/>
     <dgm:cxn modelId="{74947745-3996-4B8F-A8CE-61426B440B97}" type="presOf" srcId="{480EAB36-8C41-4600-B244-B76D954125E9}" destId="{218A2A55-981C-43AD-9C53-14627259D2FA}" srcOrd="0" destOrd="0" presId="urn:microsoft.com/office/officeart/2008/layout/LinedList"/>
-    <dgm:cxn modelId="{B6D1AA9D-F650-460D-BE36-744A671A2C0C}" type="presOf" srcId="{DFC61C96-6EDA-4363-9CC8-2E32591E7923}" destId="{BAFA8EAE-DDF8-4010-8495-AA826E0AC0EE}" srcOrd="0" destOrd="0" presId="urn:microsoft.com/office/officeart/2008/layout/LinedList"/>
-    <dgm:cxn modelId="{FFD17F62-40D8-4DA0-9BEB-BD1CB2AA777E}" srcId="{480EAB36-8C41-4600-B244-B76D954125E9}" destId="{833AAC60-B3E2-4703-AF30-9F75A9916279}" srcOrd="5" destOrd="0" parTransId="{3A459773-4482-440F-995C-A6F85D322BD0}" sibTransId="{0D2FD294-9108-40AB-AD1F-97B687353E5D}"/>
-    <dgm:cxn modelId="{7C3578B0-3959-4702-AE98-2DF86F572B78}" type="presOf" srcId="{7E48400E-346A-4A59-8FD3-0BCEC938A5B1}" destId="{D87D9719-3DBB-4928-A321-B6185BC94A39}" srcOrd="0" destOrd="0" presId="urn:microsoft.com/office/officeart/2008/layout/LinedList"/>
-    <dgm:cxn modelId="{71F764DF-99A0-4324-917F-76AE3D6DEF08}" type="presOf" srcId="{F634C218-C19E-4FDE-A3C0-03860703CD0D}" destId="{4E548656-0623-42CD-BDB4-114D552E8EF7}" srcOrd="0" destOrd="0" presId="urn:microsoft.com/office/officeart/2008/layout/LinedList"/>
+    <dgm:cxn modelId="{B9702D4F-D913-49AA-A38F-7B17D9A7DD7A}" type="presOf" srcId="{A3E6F1AB-1163-4EC2-85B2-4CCA23AE7EEF}" destId="{E5CF3F54-992D-4226-B5F6-B8C6B6D934F9}" srcOrd="0" destOrd="0" presId="urn:microsoft.com/office/officeart/2008/layout/LinedList"/>
+    <dgm:cxn modelId="{E7D4D654-2137-42A1-8A2B-60D2F395D7E2}" srcId="{480EAB36-8C41-4600-B244-B76D954125E9}" destId="{DFC61C96-6EDA-4363-9CC8-2E32591E7923}" srcOrd="1" destOrd="0" parTransId="{67653C9D-8005-4805-9E15-0CFFE6B32141}" sibTransId="{49803455-F5C7-4271-8A86-14B7672E05F9}"/>
     <dgm:cxn modelId="{D663BA77-3188-4513-8C54-5782A1DABACD}" type="presOf" srcId="{833AAC60-B3E2-4703-AF30-9F75A9916279}" destId="{77655FBE-61BF-489B-82FD-D98A62349D44}" srcOrd="0" destOrd="0" presId="urn:microsoft.com/office/officeart/2008/layout/LinedList"/>
-    <dgm:cxn modelId="{EC965DA8-BB3C-4040-95A2-4ED3E06ECF8C}" srcId="{480EAB36-8C41-4600-B244-B76D954125E9}" destId="{A3E6F1AB-1163-4EC2-85B2-4CCA23AE7EEF}" srcOrd="0" destOrd="0" parTransId="{390C9A68-B5CA-4E52-A902-33391804F3BD}" sibTransId="{9B637937-3B35-499A-A0B5-321C0CFC0C8F}"/>
-    <dgm:cxn modelId="{7DAF60DE-5CF1-4A9B-A179-90348656AA6E}" srcId="{480EAB36-8C41-4600-B244-B76D954125E9}" destId="{F634C218-C19E-4FDE-A3C0-03860703CD0D}" srcOrd="2" destOrd="0" parTransId="{BD76D5A5-873E-4F10-93AF-7EFB8C356287}" sibTransId="{E7AF6539-D166-4039-B771-0A3D618487CB}"/>
-    <dgm:cxn modelId="{E7D4D654-2137-42A1-8A2B-60D2F395D7E2}" srcId="{480EAB36-8C41-4600-B244-B76D954125E9}" destId="{DFC61C96-6EDA-4363-9CC8-2E32591E7923}" srcOrd="1" destOrd="0" parTransId="{67653C9D-8005-4805-9E15-0CFFE6B32141}" sibTransId="{49803455-F5C7-4271-8A86-14B7672E05F9}"/>
-    <dgm:cxn modelId="{B9702D4F-D913-49AA-A38F-7B17D9A7DD7A}" type="presOf" srcId="{A3E6F1AB-1163-4EC2-85B2-4CCA23AE7EEF}" destId="{E5CF3F54-992D-4226-B5F6-B8C6B6D934F9}" srcOrd="0" destOrd="0" presId="urn:microsoft.com/office/officeart/2008/layout/LinedList"/>
     <dgm:cxn modelId="{1A853B82-07E2-4CFF-9530-E97F0A91B86F}" srcId="{480EAB36-8C41-4600-B244-B76D954125E9}" destId="{559C488D-4EF5-44D4-BBB2-AB8C601841E2}" srcOrd="4" destOrd="0" parTransId="{47D0441F-1B10-4455-AEC6-C66EA70B2F04}" sibTransId="{08C01AB6-9139-485E-B091-D485FBB5053B}"/>
     <dgm:cxn modelId="{35419194-76FE-47F1-8F59-0F5B92870C75}" type="presOf" srcId="{559C488D-4EF5-44D4-BBB2-AB8C601841E2}" destId="{A8D37AEF-CFEC-44D0-B201-A5E2B6B96668}" srcOrd="0" destOrd="0" presId="urn:microsoft.com/office/officeart/2008/layout/LinedList"/>
     <dgm:cxn modelId="{C62CEA9A-D0ED-4F86-A504-E6AD3CF77FD0}" srcId="{480EAB36-8C41-4600-B244-B76D954125E9}" destId="{7E48400E-346A-4A59-8FD3-0BCEC938A5B1}" srcOrd="3" destOrd="0" parTransId="{8B178E6D-7052-47C6-A0F9-9B2505511AD8}" sibTransId="{F9F7F558-5581-4B9E-AAA3-B4C02E3AB1B0}"/>
+    <dgm:cxn modelId="{B6D1AA9D-F650-460D-BE36-744A671A2C0C}" type="presOf" srcId="{DFC61C96-6EDA-4363-9CC8-2E32591E7923}" destId="{BAFA8EAE-DDF8-4010-8495-AA826E0AC0EE}" srcOrd="0" destOrd="0" presId="urn:microsoft.com/office/officeart/2008/layout/LinedList"/>
+    <dgm:cxn modelId="{EC965DA8-BB3C-4040-95A2-4ED3E06ECF8C}" srcId="{480EAB36-8C41-4600-B244-B76D954125E9}" destId="{A3E6F1AB-1163-4EC2-85B2-4CCA23AE7EEF}" srcOrd="0" destOrd="0" parTransId="{390C9A68-B5CA-4E52-A902-33391804F3BD}" sibTransId="{9B637937-3B35-499A-A0B5-321C0CFC0C8F}"/>
+    <dgm:cxn modelId="{7C3578B0-3959-4702-AE98-2DF86F572B78}" type="presOf" srcId="{7E48400E-346A-4A59-8FD3-0BCEC938A5B1}" destId="{D87D9719-3DBB-4928-A321-B6185BC94A39}" srcOrd="0" destOrd="0" presId="urn:microsoft.com/office/officeart/2008/layout/LinedList"/>
+    <dgm:cxn modelId="{7DAF60DE-5CF1-4A9B-A179-90348656AA6E}" srcId="{480EAB36-8C41-4600-B244-B76D954125E9}" destId="{F634C218-C19E-4FDE-A3C0-03860703CD0D}" srcOrd="2" destOrd="0" parTransId="{BD76D5A5-873E-4F10-93AF-7EFB8C356287}" sibTransId="{E7AF6539-D166-4039-B771-0A3D618487CB}"/>
+    <dgm:cxn modelId="{71F764DF-99A0-4324-917F-76AE3D6DEF08}" type="presOf" srcId="{F634C218-C19E-4FDE-A3C0-03860703CD0D}" destId="{4E548656-0623-42CD-BDB4-114D552E8EF7}" srcOrd="0" destOrd="0" presId="urn:microsoft.com/office/officeart/2008/layout/LinedList"/>
     <dgm:cxn modelId="{CA156352-585D-4634-83E9-C19DDD8E95B3}" type="presParOf" srcId="{218A2A55-981C-43AD-9C53-14627259D2FA}" destId="{BDB54A61-907E-4CC5-91D5-2CBCF7AB2CBC}" srcOrd="0" destOrd="0" presId="urn:microsoft.com/office/officeart/2008/layout/LinedList"/>
     <dgm:cxn modelId="{5E120041-D406-4484-88FD-A94BCAE158A8}" type="presParOf" srcId="{218A2A55-981C-43AD-9C53-14627259D2FA}" destId="{99504EFC-3E40-4925-B4AA-B2EE56920D44}" srcOrd="1" destOrd="0" presId="urn:microsoft.com/office/officeart/2008/layout/LinedList"/>
     <dgm:cxn modelId="{FDC1E9A5-D25B-492B-965F-0187B98095EB}" type="presParOf" srcId="{99504EFC-3E40-4925-B4AA-B2EE56920D44}" destId="{E5CF3F54-992D-4226-B5F6-B8C6B6D934F9}" srcOrd="0" destOrd="0" presId="urn:microsoft.com/office/officeart/2008/layout/LinedList"/>
@@ -1496,7 +1443,7 @@
         </a:bodyPr>
         <a:lstStyle/>
         <a:p>
-          <a:pPr lvl="0" algn="l" defTabSz="1377950">
+          <a:pPr marL="0" lvl="0" indent="0" algn="l" defTabSz="1377950">
             <a:lnSpc>
               <a:spcPct val="90000"/>
             </a:lnSpc>
@@ -1506,6 +1453,7 @@
             <a:spcAft>
               <a:spcPct val="35000"/>
             </a:spcAft>
+            <a:buNone/>
           </a:pPr>
           <a:r>
             <a:rPr lang="en-US" sz="3100" kern="1200"/>
@@ -1635,7 +1583,7 @@
         </a:bodyPr>
         <a:lstStyle/>
         <a:p>
-          <a:pPr lvl="0" algn="l" defTabSz="1377950">
+          <a:pPr marL="0" lvl="0" indent="0" algn="l" defTabSz="1377950">
             <a:lnSpc>
               <a:spcPct val="90000"/>
             </a:lnSpc>
@@ -1645,6 +1593,7 @@
             <a:spcAft>
               <a:spcPct val="35000"/>
             </a:spcAft>
+            <a:buNone/>
           </a:pPr>
           <a:r>
             <a:rPr lang="en-US" sz="3100" kern="1200"/>
@@ -1774,7 +1723,7 @@
         </a:bodyPr>
         <a:lstStyle/>
         <a:p>
-          <a:pPr lvl="0" algn="l" defTabSz="1377950">
+          <a:pPr marL="0" lvl="0" indent="0" algn="l" defTabSz="1377950">
             <a:lnSpc>
               <a:spcPct val="90000"/>
             </a:lnSpc>
@@ -1784,6 +1733,7 @@
             <a:spcAft>
               <a:spcPct val="35000"/>
             </a:spcAft>
+            <a:buNone/>
           </a:pPr>
           <a:r>
             <a:rPr lang="en-US" sz="3100" kern="1200"/>
@@ -1913,7 +1863,7 @@
         </a:bodyPr>
         <a:lstStyle/>
         <a:p>
-          <a:pPr lvl="0" algn="l" defTabSz="1377950">
+          <a:pPr marL="0" lvl="0" indent="0" algn="l" defTabSz="1377950">
             <a:lnSpc>
               <a:spcPct val="90000"/>
             </a:lnSpc>
@@ -1923,6 +1873,7 @@
             <a:spcAft>
               <a:spcPct val="35000"/>
             </a:spcAft>
+            <a:buNone/>
           </a:pPr>
           <a:r>
             <a:rPr lang="en-US" sz="3100" kern="1200"/>
@@ -2052,7 +2003,7 @@
         </a:bodyPr>
         <a:lstStyle/>
         <a:p>
-          <a:pPr lvl="0" algn="l" defTabSz="1377950">
+          <a:pPr marL="0" lvl="0" indent="0" algn="l" defTabSz="1377950">
             <a:lnSpc>
               <a:spcPct val="90000"/>
             </a:lnSpc>
@@ -2062,6 +2013,7 @@
             <a:spcAft>
               <a:spcPct val="35000"/>
             </a:spcAft>
+            <a:buNone/>
           </a:pPr>
           <a:r>
             <a:rPr lang="en-US" sz="3100" kern="1200"/>
@@ -2191,7 +2143,7 @@
         </a:bodyPr>
         <a:lstStyle/>
         <a:p>
-          <a:pPr lvl="0" algn="l" defTabSz="1377950">
+          <a:pPr marL="0" lvl="0" indent="0" algn="l" defTabSz="1377950">
             <a:lnSpc>
               <a:spcPct val="90000"/>
             </a:lnSpc>
@@ -2201,6 +2153,7 @@
             <a:spcAft>
               <a:spcPct val="35000"/>
             </a:spcAft>
+            <a:buNone/>
           </a:pPr>
           <a:r>
             <a:rPr lang="en-US" sz="3100" kern="1200"/>
@@ -3825,7 +3778,7 @@
           <a:p>
             <a:fld id="{F7FC3C48-EC6B-46B4-B971-882E8F77D68D}" type="datetimeFigureOut">
               <a:rPr lang="en-US" smtClean="0"/>
-              <a:t>1/14/2019</a:t>
+              <a:t>8/25/2019</a:t>
             </a:fld>
             <a:endParaRPr lang="en-US"/>
           </a:p>
@@ -4223,7 +4176,7 @@
           <a:p>
             <a:fld id="{87240100-AA8B-4468-9FD2-4271F6346A92}" type="datetimeFigureOut">
               <a:rPr lang="en-US" smtClean="0"/>
-              <a:t>1/14/2019</a:t>
+              <a:t>8/25/2019</a:t>
             </a:fld>
             <a:endParaRPr lang="en-US"/>
           </a:p>
@@ -4393,7 +4346,7 @@
           <a:p>
             <a:fld id="{87240100-AA8B-4468-9FD2-4271F6346A92}" type="datetimeFigureOut">
               <a:rPr lang="en-US" smtClean="0"/>
-              <a:t>1/14/2019</a:t>
+              <a:t>8/25/2019</a:t>
             </a:fld>
             <a:endParaRPr lang="en-US"/>
           </a:p>
@@ -4573,7 +4526,7 @@
           <a:p>
             <a:fld id="{87240100-AA8B-4468-9FD2-4271F6346A92}" type="datetimeFigureOut">
               <a:rPr lang="en-US" smtClean="0"/>
-              <a:t>1/14/2019</a:t>
+              <a:t>8/25/2019</a:t>
             </a:fld>
             <a:endParaRPr lang="en-US"/>
           </a:p>
@@ -4743,7 +4696,7 @@
           <a:p>
             <a:fld id="{87240100-AA8B-4468-9FD2-4271F6346A92}" type="datetimeFigureOut">
               <a:rPr lang="en-US" smtClean="0"/>
-              <a:t>1/14/2019</a:t>
+              <a:t>8/25/2019</a:t>
             </a:fld>
             <a:endParaRPr lang="en-US"/>
           </a:p>
@@ -4989,7 +4942,7 @@
           <a:p>
             <a:fld id="{87240100-AA8B-4468-9FD2-4271F6346A92}" type="datetimeFigureOut">
               <a:rPr lang="en-US" smtClean="0"/>
-              <a:t>1/14/2019</a:t>
+              <a:t>8/25/2019</a:t>
             </a:fld>
             <a:endParaRPr lang="en-US"/>
           </a:p>
@@ -5221,7 +5174,7 @@
           <a:p>
             <a:fld id="{87240100-AA8B-4468-9FD2-4271F6346A92}" type="datetimeFigureOut">
               <a:rPr lang="en-US" smtClean="0"/>
-              <a:t>1/14/2019</a:t>
+              <a:t>8/25/2019</a:t>
             </a:fld>
             <a:endParaRPr lang="en-US"/>
           </a:p>
@@ -5588,7 +5541,7 @@
           <a:p>
             <a:fld id="{87240100-AA8B-4468-9FD2-4271F6346A92}" type="datetimeFigureOut">
               <a:rPr lang="en-US" smtClean="0"/>
-              <a:t>1/14/2019</a:t>
+              <a:t>8/25/2019</a:t>
             </a:fld>
             <a:endParaRPr lang="en-US"/>
           </a:p>
@@ -5706,7 +5659,7 @@
           <a:p>
             <a:fld id="{87240100-AA8B-4468-9FD2-4271F6346A92}" type="datetimeFigureOut">
               <a:rPr lang="en-US" smtClean="0"/>
-              <a:t>1/14/2019</a:t>
+              <a:t>8/25/2019</a:t>
             </a:fld>
             <a:endParaRPr lang="en-US"/>
           </a:p>
@@ -5801,7 +5754,7 @@
           <a:p>
             <a:fld id="{87240100-AA8B-4468-9FD2-4271F6346A92}" type="datetimeFigureOut">
               <a:rPr lang="en-US" smtClean="0"/>
-              <a:t>1/14/2019</a:t>
+              <a:t>8/25/2019</a:t>
             </a:fld>
             <a:endParaRPr lang="en-US"/>
           </a:p>
@@ -6078,7 +6031,7 @@
           <a:p>
             <a:fld id="{87240100-AA8B-4468-9FD2-4271F6346A92}" type="datetimeFigureOut">
               <a:rPr lang="en-US" smtClean="0"/>
-              <a:t>1/14/2019</a:t>
+              <a:t>8/25/2019</a:t>
             </a:fld>
             <a:endParaRPr lang="en-US"/>
           </a:p>
@@ -6335,7 +6288,7 @@
           <a:p>
             <a:fld id="{87240100-AA8B-4468-9FD2-4271F6346A92}" type="datetimeFigureOut">
               <a:rPr lang="en-US" smtClean="0"/>
-              <a:t>1/14/2019</a:t>
+              <a:t>8/25/2019</a:t>
             </a:fld>
             <a:endParaRPr lang="en-US"/>
           </a:p>
@@ -6548,7 +6501,7 @@
           <a:p>
             <a:fld id="{87240100-AA8B-4468-9FD2-4271F6346A92}" type="datetimeFigureOut">
               <a:rPr lang="en-US" smtClean="0"/>
-              <a:t>1/14/2019</a:t>
+              <a:t>8/25/2019</a:t>
             </a:fld>
             <a:endParaRPr lang="en-US"/>
           </a:p>
@@ -6969,7 +6922,7 @@
                 <a16:creationId xmlns:a16="http://schemas.microsoft.com/office/drawing/2014/main" id="{0482A7D0-DB09-4EBA-8D52-E6A5934B668D}"/>
               </a:ext>
               <a:ext uri="{C183D7F6-B498-43B3-948B-1728B52AA6E4}">
-                <adec:decorative xmlns:adec="http://schemas.microsoft.com/office/drawing/2017/decorative" xmlns="" val="1"/>
+                <adec:decorative xmlns:adec="http://schemas.microsoft.com/office/drawing/2017/decorative" val="1"/>
               </a:ext>
             </a:extLst>
           </p:cNvPr>
@@ -7058,7 +7011,7 @@
                 <a16:creationId xmlns:a16="http://schemas.microsoft.com/office/drawing/2014/main" id="{1A3688C8-DFCE-4CCD-BCF0-5FB239E5072D}"/>
               </a:ext>
               <a:ext uri="{C183D7F6-B498-43B3-948B-1728B52AA6E4}">
-                <adec:decorative xmlns:adec="http://schemas.microsoft.com/office/drawing/2017/decorative" xmlns="" val="1"/>
+                <adec:decorative xmlns:adec="http://schemas.microsoft.com/office/drawing/2017/decorative" val="1"/>
               </a:ext>
             </a:extLst>
           </p:cNvPr>
@@ -7276,28 +7229,6 @@
           <a:p>
             <a:pPr algn="l"/>
             <a:r>
-              <a:rPr lang="en-US" sz="3500" dirty="0" smtClean="0">
-                <a:solidFill>
-                  <a:schemeClr val="tx1">
-                    <a:lumMod val="85000"/>
-                    <a:lumOff val="15000"/>
-                  </a:schemeClr>
-                </a:solidFill>
-              </a:rPr>
-              <a:t>Spring 2019</a:t>
-            </a:r>
-            <a:endParaRPr lang="en-US" sz="3500" dirty="0">
-              <a:solidFill>
-                <a:schemeClr val="tx1">
-                  <a:lumMod val="85000"/>
-                  <a:lumOff val="15000"/>
-                </a:schemeClr>
-              </a:solidFill>
-            </a:endParaRPr>
-          </a:p>
-          <a:p>
-            <a:pPr algn="l"/>
-            <a:r>
               <a:rPr lang="en-US" sz="3500" dirty="0">
                 <a:solidFill>
                   <a:schemeClr val="tx1">
@@ -7306,10 +7237,13 @@
                   </a:schemeClr>
                 </a:solidFill>
               </a:rPr>
-              <a:t>Mondays </a:t>
-            </a:r>
-            <a:r>
-              <a:rPr lang="en-US" sz="3500" dirty="0" smtClean="0">
+              <a:t>Fall 2019</a:t>
+            </a:r>
+          </a:p>
+          <a:p>
+            <a:pPr algn="l"/>
+            <a:r>
+              <a:rPr lang="en-US" sz="3500" dirty="0">
                 <a:solidFill>
                   <a:schemeClr val="tx1">
                     <a:lumMod val="85000"/>
@@ -7317,10 +7251,10 @@
                   </a:schemeClr>
                 </a:solidFill>
               </a:rPr>
-              <a:t>3:45-5:05 </a:t>
+              <a:t>Mondays 3:45-5:05 </a:t>
             </a:r>
             <a:br>
-              <a:rPr lang="en-US" sz="3500" dirty="0" smtClean="0">
+              <a:rPr lang="en-US" sz="3500" dirty="0">
                 <a:solidFill>
                   <a:schemeClr val="tx1">
                     <a:lumMod val="85000"/>
@@ -7330,17 +7264,6 @@
               </a:rPr>
             </a:br>
             <a:r>
-              <a:rPr lang="en-US" sz="3500" dirty="0" smtClean="0">
-                <a:solidFill>
-                  <a:schemeClr val="tx1">
-                    <a:lumMod val="85000"/>
-                    <a:lumOff val="15000"/>
-                  </a:schemeClr>
-                </a:solidFill>
-              </a:rPr>
-              <a:t>Prof</a:t>
-            </a:r>
-            <a:r>
               <a:rPr lang="en-US" sz="3500" dirty="0">
                 <a:solidFill>
                   <a:schemeClr val="tx1">
@@ -7349,7 +7272,7 @@
                   </a:schemeClr>
                 </a:solidFill>
               </a:rPr>
-              <a:t>. Michael Fudge</a:t>
+              <a:t>Prof. Michael Fudge</a:t>
             </a:r>
           </a:p>
           <a:p>
@@ -7387,7 +7310,7 @@
                 <a16:creationId xmlns:a16="http://schemas.microsoft.com/office/drawing/2014/main" id="{D598FBE3-48D2-40A2-B7E6-F485834C8213}"/>
               </a:ext>
               <a:ext uri="{C183D7F6-B498-43B3-948B-1728B52AA6E4}">
-                <adec:decorative xmlns:adec="http://schemas.microsoft.com/office/drawing/2017/decorative" xmlns="" val="1"/>
+                <adec:decorative xmlns:adec="http://schemas.microsoft.com/office/drawing/2017/decorative" val="1"/>
               </a:ext>
             </a:extLst>
           </p:cNvPr>
@@ -7442,7 +7365,7 @@
                 <a16:creationId xmlns:a16="http://schemas.microsoft.com/office/drawing/2014/main" id="{8482FDCF-45F3-40F1-8751-19B7AFB3CFCE}"/>
               </a:ext>
               <a:ext uri="{C183D7F6-B498-43B3-948B-1728B52AA6E4}">
-                <adec:decorative xmlns:adec="http://schemas.microsoft.com/office/drawing/2017/decorative" xmlns="" val="1"/>
+                <adec:decorative xmlns:adec="http://schemas.microsoft.com/office/drawing/2017/decorative" val="1"/>
               </a:ext>
             </a:extLst>
           </p:cNvPr>
@@ -7538,13 +7461,6 @@
   <p:clrMapOvr>
     <a:masterClrMapping/>
   </p:clrMapOvr>
-  <p:timing>
-    <p:tnLst>
-      <p:par>
-        <p:cTn id="1" dur="indefinite" restart="never" nodeType="tmRoot"/>
-      </p:par>
-    </p:tnLst>
-  </p:timing>
 </p:sld>
 </file>
 
@@ -7647,13 +7563,6 @@
   <p:clrMapOvr>
     <a:masterClrMapping/>
   </p:clrMapOvr>
-  <p:timing>
-    <p:tnLst>
-      <p:par>
-        <p:cTn id="1" dur="indefinite" restart="never" nodeType="tmRoot"/>
-      </p:par>
-    </p:tnLst>
-  </p:timing>
 </p:sld>
 </file>
 
@@ -7756,13 +7665,6 @@
   <p:clrMapOvr>
     <a:masterClrMapping/>
   </p:clrMapOvr>
-  <p:timing>
-    <p:tnLst>
-      <p:par>
-        <p:cTn id="1" dur="indefinite" restart="never" nodeType="tmRoot"/>
-      </p:par>
-    </p:tnLst>
-  </p:timing>
 </p:sld>
 </file>
 
@@ -7864,13 +7766,6 @@
   <p:clrMapOvr>
     <a:masterClrMapping/>
   </p:clrMapOvr>
-  <p:timing>
-    <p:tnLst>
-      <p:par>
-        <p:cTn id="1" dur="indefinite" restart="never" nodeType="tmRoot"/>
-      </p:par>
-    </p:tnLst>
-  </p:timing>
 </p:sld>
 </file>
 
@@ -7973,13 +7868,6 @@
   <p:clrMapOvr>
     <a:masterClrMapping/>
   </p:clrMapOvr>
-  <p:timing>
-    <p:tnLst>
-      <p:par>
-        <p:cTn id="1" dur="indefinite" restart="never" nodeType="tmRoot"/>
-      </p:par>
-    </p:tnLst>
-  </p:timing>
 </p:sld>
 </file>
 
@@ -8100,13 +7988,6 @@
   <p:clrMapOvr>
     <a:masterClrMapping/>
   </p:clrMapOvr>
-  <p:timing>
-    <p:tnLst>
-      <p:par>
-        <p:cTn id="1" dur="indefinite" restart="never" nodeType="tmRoot"/>
-      </p:par>
-    </p:tnLst>
-  </p:timing>
 </p:sld>
 </file>
 
@@ -8314,13 +8195,6 @@
   <p:clrMapOvr>
     <a:masterClrMapping/>
   </p:clrMapOvr>
-  <p:timing>
-    <p:tnLst>
-      <p:par>
-        <p:cTn id="1" dur="indefinite" restart="never" nodeType="tmRoot"/>
-      </p:par>
-    </p:tnLst>
-  </p:timing>
 </p:sld>
 </file>
 
@@ -8357,7 +8231,7 @@
                 <a16:creationId xmlns:a16="http://schemas.microsoft.com/office/drawing/2014/main" id="{FEF4E260-B79D-41D8-90EB-C84807CD77EC}"/>
               </a:ext>
               <a:ext uri="{C183D7F6-B498-43B3-948B-1728B52AA6E4}">
-                <adec:decorative xmlns:adec="http://schemas.microsoft.com/office/drawing/2017/decorative" xmlns="" val="1"/>
+                <adec:decorative xmlns:adec="http://schemas.microsoft.com/office/drawing/2017/decorative" val="1"/>
               </a:ext>
             </a:extLst>
           </p:cNvPr>
@@ -8471,7 +8345,7 @@
           <a:p>
             <a:pPr algn="r"/>
             <a:r>
-              <a:rPr lang="en-US" kern="1200">
+              <a:rPr lang="en-US" kern="1200" dirty="0">
                 <a:solidFill>
                   <a:srgbClr val="FFFFFF"/>
                 </a:solidFill>
@@ -8480,10 +8354,10 @@
                 <a:cs typeface="+mn-cs"/>
                 <a:hlinkClick r:id="rId2"/>
               </a:rPr>
-              <a:t>http://ist256.syr.edu/syllabus/</a:t>
-            </a:r>
-            <a:r>
-              <a:rPr lang="en-US" kern="1200">
+              <a:t>http://ist256.github.io/syllabus/</a:t>
+            </a:r>
+            <a:r>
+              <a:rPr lang="en-US" kern="1200" dirty="0">
                 <a:solidFill>
                   <a:srgbClr val="FFFFFF"/>
                 </a:solidFill>
@@ -8504,7 +8378,7 @@
                 <a16:creationId xmlns:a16="http://schemas.microsoft.com/office/drawing/2014/main" id="{0686AD50-C6DC-4D98-A467-9AC1F3C2D8D0}"/>
               </a:ext>
               <a:ext uri="{C183D7F6-B498-43B3-948B-1728B52AA6E4}">
-                <adec:decorative xmlns:adec="http://schemas.microsoft.com/office/drawing/2017/decorative" xmlns="" val="1"/>
+                <adec:decorative xmlns:adec="http://schemas.microsoft.com/office/drawing/2017/decorative" val="1"/>
               </a:ext>
             </a:extLst>
           </p:cNvPr>
@@ -8558,7 +8432,7 @@
                 <a16:creationId xmlns:a16="http://schemas.microsoft.com/office/drawing/2014/main" id="{241208F6-8B1C-4098-9388-150BC8E447B2}"/>
               </a:ext>
               <a:ext uri="{C183D7F6-B498-43B3-948B-1728B52AA6E4}">
-                <adec:decorative xmlns:adec="http://schemas.microsoft.com/office/drawing/2017/decorative" xmlns="" val="1"/>
+                <adec:decorative xmlns:adec="http://schemas.microsoft.com/office/drawing/2017/decorative" val="1"/>
               </a:ext>
             </a:extLst>
           </p:cNvPr>
@@ -8625,13 +8499,6 @@
   <p:clrMapOvr>
     <a:masterClrMapping/>
   </p:clrMapOvr>
-  <p:timing>
-    <p:tnLst>
-      <p:par>
-        <p:cTn id="1" dur="indefinite" restart="never" nodeType="tmRoot"/>
-      </p:par>
-    </p:tnLst>
-  </p:timing>
 </p:sld>
 </file>
 
@@ -8719,14 +8586,25 @@
             </a:r>
           </a:p>
           <a:p>
-            <a:r>
-              <a:rPr lang="en-US" sz="4000" dirty="0">
+            <a:pPr lvl="1"/>
+            <a:r>
+              <a:rPr lang="en-US" sz="3600" dirty="0">
                 <a:hlinkClick r:id="rId2"/>
               </a:rPr>
-              <a:t>http://ist256.syr.edu/syllabus/#textbooks</a:t>
-            </a:r>
-            <a:r>
-              <a:rPr lang="en-US" sz="4000" dirty="0"/>
+              <a:t>https://zyBooks.zyante.com</a:t>
+            </a:r>
+            <a:endParaRPr lang="en-US" sz="3600" dirty="0"/>
+          </a:p>
+          <a:p>
+            <a:pPr lvl="1"/>
+            <a:r>
+              <a:rPr lang="en-US" sz="3600" dirty="0">
+                <a:hlinkClick r:id="rId3"/>
+              </a:rPr>
+              <a:t>https://www.py4e.com/book</a:t>
+            </a:r>
+            <a:r>
+              <a:rPr lang="en-US" sz="3600" dirty="0"/>
               <a:t> </a:t>
             </a:r>
           </a:p>
@@ -8742,13 +8620,6 @@
   <p:clrMapOvr>
     <a:masterClrMapping/>
   </p:clrMapOvr>
-  <p:timing>
-    <p:tnLst>
-      <p:par>
-        <p:cTn id="1" dur="indefinite" restart="never" nodeType="tmRoot"/>
-      </p:par>
-    </p:tnLst>
-  </p:timing>
 </p:sld>
 </file>
 
@@ -8979,13 +8850,6 @@
   <p:clrMapOvr>
     <a:masterClrMapping/>
   </p:clrMapOvr>
-  <p:timing>
-    <p:tnLst>
-      <p:par>
-        <p:cTn id="1" dur="indefinite" restart="never" nodeType="tmRoot"/>
-      </p:par>
-    </p:tnLst>
-  </p:timing>
 </p:sld>
 </file>
 
@@ -9061,11 +8925,42 @@
               <a:rPr lang="en-US" sz="3600" dirty="0">
                 <a:hlinkClick r:id="rId2"/>
               </a:rPr>
-              <a:t>http://ist256.syr.edu/syllabus/#methods-of-evaluation</a:t>
+              <a:t>http://ist256.github.io/syllabus/#methods-of-evaluation</a:t>
             </a:r>
             <a:r>
               <a:rPr lang="en-US" sz="3600" dirty="0"/>
               <a:t> </a:t>
+            </a:r>
+          </a:p>
+          <a:p>
+            <a:r>
+              <a:rPr lang="en-US" sz="3600" dirty="0"/>
+              <a:t>Exams</a:t>
+            </a:r>
+          </a:p>
+          <a:p>
+            <a:r>
+              <a:rPr lang="en-US" sz="3600" dirty="0"/>
+              <a:t>Project</a:t>
+            </a:r>
+          </a:p>
+          <a:p>
+            <a:r>
+              <a:rPr lang="en-US" sz="3600" dirty="0" err="1"/>
+              <a:t>ZyBook</a:t>
+            </a:r>
+            <a:endParaRPr lang="en-US" sz="3600" dirty="0"/>
+          </a:p>
+          <a:p>
+            <a:r>
+              <a:rPr lang="en-US" sz="3600" dirty="0"/>
+              <a:t>Labs</a:t>
+            </a:r>
+          </a:p>
+          <a:p>
+            <a:r>
+              <a:rPr lang="en-US" sz="3600" dirty="0"/>
+              <a:t>Homework</a:t>
             </a:r>
           </a:p>
         </p:txBody>
@@ -9080,13 +8975,6 @@
   <p:clrMapOvr>
     <a:masterClrMapping/>
   </p:clrMapOvr>
-  <p:timing>
-    <p:tnLst>
-      <p:par>
-        <p:cTn id="1" dur="indefinite" restart="never" nodeType="tmRoot"/>
-      </p:par>
-    </p:tnLst>
-  </p:timing>
 </p:sld>
 </file>
 
@@ -9123,7 +9011,7 @@
                 <a16:creationId xmlns:a16="http://schemas.microsoft.com/office/drawing/2014/main" id="{42285737-90EE-47DC-AC80-8AE156B11969}"/>
               </a:ext>
               <a:ext uri="{C183D7F6-B498-43B3-948B-1728B52AA6E4}">
-                <adec:decorative xmlns:adec="http://schemas.microsoft.com/office/drawing/2017/decorative" xmlns="" val="1"/>
+                <adec:decorative xmlns:adec="http://schemas.microsoft.com/office/drawing/2017/decorative" val="1"/>
               </a:ext>
             </a:extLst>
           </p:cNvPr>
@@ -9303,7 +9191,7 @@
                 <a16:creationId xmlns:a16="http://schemas.microsoft.com/office/drawing/2014/main" id="{B57BDC17-F1B3-455F-BBF1-680AA1F25C06}"/>
               </a:ext>
               <a:ext uri="{C183D7F6-B498-43B3-948B-1728B52AA6E4}">
-                <adec:decorative xmlns:adec="http://schemas.microsoft.com/office/drawing/2017/decorative" xmlns="" val="1"/>
+                <adec:decorative xmlns:adec="http://schemas.microsoft.com/office/drawing/2017/decorative" val="1"/>
               </a:ext>
             </a:extLst>
           </p:cNvPr>
@@ -9334,7 +9222,7 @@
                   <a16:creationId xmlns:a16="http://schemas.microsoft.com/office/drawing/2014/main" id="{64E2FA9A-FEF7-4501-B0EB-5E45EDD2177A}"/>
                 </a:ext>
                 <a:ext uri="{C183D7F6-B498-43B3-948B-1728B52AA6E4}">
-                  <adec:decorative xmlns:adec="http://schemas.microsoft.com/office/drawing/2017/decorative" xmlns="" val="1"/>
+                  <adec:decorative xmlns:adec="http://schemas.microsoft.com/office/drawing/2017/decorative" val="1"/>
                 </a:ext>
               </a:extLst>
             </p:cNvPr>
@@ -9395,7 +9283,7 @@
                   <a16:creationId xmlns:a16="http://schemas.microsoft.com/office/drawing/2014/main" id="{BC38192B-B4CB-47D4-A3B1-10010247F158}"/>
                 </a:ext>
                 <a:ext uri="{C183D7F6-B498-43B3-948B-1728B52AA6E4}">
-                  <adec:decorative xmlns:adec="http://schemas.microsoft.com/office/drawing/2017/decorative" xmlns="" val="1"/>
+                  <adec:decorative xmlns:adec="http://schemas.microsoft.com/office/drawing/2017/decorative" val="1"/>
                 </a:ext>
               </a:extLst>
             </p:cNvPr>
@@ -9456,7 +9344,7 @@
                   <a16:creationId xmlns:a16="http://schemas.microsoft.com/office/drawing/2014/main" id="{96330E33-E171-4B0F-82B5-AF7230399B5C}"/>
                 </a:ext>
                 <a:ext uri="{C183D7F6-B498-43B3-948B-1728B52AA6E4}">
-                  <adec:decorative xmlns:adec="http://schemas.microsoft.com/office/drawing/2017/decorative" xmlns="" val="1"/>
+                  <adec:decorative xmlns:adec="http://schemas.microsoft.com/office/drawing/2017/decorative" val="1"/>
                 </a:ext>
               </a:extLst>
             </p:cNvPr>
@@ -9514,7 +9402,7 @@
                   <a16:creationId xmlns:a16="http://schemas.microsoft.com/office/drawing/2014/main" id="{332B1723-69BF-42D7-B757-0FA059E15256}"/>
                 </a:ext>
                 <a:ext uri="{C183D7F6-B498-43B3-948B-1728B52AA6E4}">
-                  <adec:decorative xmlns:adec="http://schemas.microsoft.com/office/drawing/2017/decorative" xmlns="" val="1"/>
+                  <adec:decorative xmlns:adec="http://schemas.microsoft.com/office/drawing/2017/decorative" val="1"/>
                 </a:ext>
               </a:extLst>
             </p:cNvPr>
@@ -9574,7 +9462,7 @@
                   <a16:creationId xmlns:a16="http://schemas.microsoft.com/office/drawing/2014/main" id="{F115D62D-1E96-48D1-A78D-D370A0BFB9B5}"/>
                 </a:ext>
                 <a:ext uri="{C183D7F6-B498-43B3-948B-1728B52AA6E4}">
-                  <adec:decorative xmlns:adec="http://schemas.microsoft.com/office/drawing/2017/decorative" xmlns="" val="1"/>
+                  <adec:decorative xmlns:adec="http://schemas.microsoft.com/office/drawing/2017/decorative" val="1"/>
                 </a:ext>
               </a:extLst>
             </p:cNvPr>
@@ -9640,7 +9528,7 @@
                   <a16:creationId xmlns:a16="http://schemas.microsoft.com/office/drawing/2014/main" id="{91C2876A-169D-4822-A766-C00578C88B4B}"/>
                 </a:ext>
                 <a:ext uri="{C183D7F6-B498-43B3-948B-1728B52AA6E4}">
-                  <adec:decorative xmlns:adec="http://schemas.microsoft.com/office/drawing/2017/decorative" xmlns="" val="1"/>
+                  <adec:decorative xmlns:adec="http://schemas.microsoft.com/office/drawing/2017/decorative" val="1"/>
                 </a:ext>
               </a:extLst>
             </p:cNvPr>
@@ -9783,13 +9671,6 @@
   <p:clrMapOvr>
     <a:masterClrMapping/>
   </p:clrMapOvr>
-  <p:timing>
-    <p:tnLst>
-      <p:par>
-        <p:cTn id="1" dur="indefinite" restart="never" nodeType="tmRoot"/>
-      </p:par>
-    </p:tnLst>
-  </p:timing>
 </p:sld>
 </file>
 
@@ -9833,260 +9714,6 @@
                   <a:srgbClr val="00B0F0"/>
                 </a:solidFill>
               </a:rPr>
-              <a:t>Exams (E1, E2, E3)</a:t>
-            </a:r>
-          </a:p>
-        </p:txBody>
-      </p:sp>
-      <p:sp>
-        <p:nvSpPr>
-          <p:cNvPr id="2" name="Content Placeholder 1"/>
-          <p:cNvSpPr>
-            <a:spLocks noGrp="1"/>
-          </p:cNvSpPr>
-          <p:nvPr>
-            <p:ph idx="1"/>
-          </p:nvPr>
-        </p:nvSpPr>
-        <p:spPr>
-          <a:xfrm>
-            <a:off x="838200" y="1511559"/>
-            <a:ext cx="10515600" cy="4956974"/>
-          </a:xfrm>
-        </p:spPr>
-        <p:txBody>
-          <a:bodyPr>
-            <a:noAutofit/>
-          </a:bodyPr>
-          <a:lstStyle/>
-          <a:p>
-            <a:r>
-              <a:rPr lang="en-US" sz="3200" dirty="0"/>
-              <a:t>Three exams in the course. Your best two exam scores count towards your final grade.</a:t>
-            </a:r>
-          </a:p>
-          <a:p>
-            <a:r>
-              <a:rPr lang="en-US" sz="3200" dirty="0"/>
-              <a:t>Exams are delivered in class on the dates posted on the syllabus and class schedule. </a:t>
-            </a:r>
-          </a:p>
-          <a:p>
-            <a:r>
-              <a:rPr lang="en-US" sz="3200" dirty="0"/>
-              <a:t>Exams are 30 minutes in length, at the beginning of class recitation.</a:t>
-            </a:r>
-          </a:p>
-          <a:p>
-            <a:r>
-              <a:rPr lang="en-US" sz="3200" dirty="0"/>
-              <a:t>There are no re-issues or make-ups, but you may request in advance to take an exam at an alternate time at 50% penalty.</a:t>
-            </a:r>
-          </a:p>
-          <a:p>
-            <a:r>
-              <a:rPr lang="en-US" sz="3200" dirty="0"/>
-              <a:t>Exams are issues on paper as multiple choice questions.  </a:t>
-            </a:r>
-          </a:p>
-        </p:txBody>
-      </p:sp>
-    </p:spTree>
-    <p:extLst>
-      <p:ext uri="{BB962C8B-B14F-4D97-AF65-F5344CB8AC3E}">
-        <p14:creationId xmlns:p14="http://schemas.microsoft.com/office/powerpoint/2010/main" val="3542801839"/>
-      </p:ext>
-    </p:extLst>
-  </p:cSld>
-  <p:clrMapOvr>
-    <a:masterClrMapping/>
-  </p:clrMapOvr>
-  <p:timing>
-    <p:tnLst>
-      <p:par>
-        <p:cTn id="1" dur="indefinite" restart="never" nodeType="tmRoot"/>
-      </p:par>
-    </p:tnLst>
-  </p:timing>
-</p:sld>
-</file>
-
-<file path=ppt/slides/slide21.xml><?xml version="1.0" encoding="utf-8"?>
-<p:sld xmlns:a="http://schemas.openxmlformats.org/drawingml/2006/main" xmlns:r="http://schemas.openxmlformats.org/officeDocument/2006/relationships" xmlns:p="http://schemas.openxmlformats.org/presentationml/2006/main">
-  <p:cSld>
-    <p:spTree>
-      <p:nvGrpSpPr>
-        <p:cNvPr id="1" name=""/>
-        <p:cNvGrpSpPr/>
-        <p:nvPr/>
-      </p:nvGrpSpPr>
-      <p:grpSpPr>
-        <a:xfrm>
-          <a:off x="0" y="0"/>
-          <a:ext cx="0" cy="0"/>
-          <a:chOff x="0" y="0"/>
-          <a:chExt cx="0" cy="0"/>
-        </a:xfrm>
-      </p:grpSpPr>
-      <p:sp>
-        <p:nvSpPr>
-          <p:cNvPr id="4" name="Title 3"/>
-          <p:cNvSpPr>
-            <a:spLocks noGrp="1"/>
-          </p:cNvSpPr>
-          <p:nvPr>
-            <p:ph type="title"/>
-          </p:nvPr>
-        </p:nvSpPr>
-        <p:spPr/>
-        <p:txBody>
-          <a:bodyPr>
-            <a:normAutofit/>
-          </a:bodyPr>
-          <a:lstStyle/>
-          <a:p>
-            <a:r>
-              <a:rPr lang="en-US" sz="5400" dirty="0">
-                <a:solidFill>
-                  <a:srgbClr val="00B0F0"/>
-                </a:solidFill>
-              </a:rPr>
-              <a:t>Project (P1-P3)</a:t>
-            </a:r>
-          </a:p>
-        </p:txBody>
-      </p:sp>
-      <p:sp>
-        <p:nvSpPr>
-          <p:cNvPr id="2" name="Content Placeholder 1"/>
-          <p:cNvSpPr>
-            <a:spLocks noGrp="1"/>
-          </p:cNvSpPr>
-          <p:nvPr>
-            <p:ph idx="1"/>
-          </p:nvPr>
-        </p:nvSpPr>
-        <p:spPr>
-          <a:xfrm>
-            <a:off x="838200" y="1446245"/>
-            <a:ext cx="10515600" cy="5206482"/>
-          </a:xfrm>
-        </p:spPr>
-        <p:txBody>
-          <a:bodyPr>
-            <a:normAutofit/>
-          </a:bodyPr>
-          <a:lstStyle/>
-          <a:p>
-            <a:r>
-              <a:rPr lang="en-US" sz="3200" dirty="0"/>
-              <a:t>Your chance to show us what you've learned. </a:t>
-            </a:r>
-          </a:p>
-          <a:p>
-            <a:r>
-              <a:rPr lang="en-US" sz="3200" dirty="0"/>
-              <a:t>Do whatever you like, but run your idea by your instructors first. </a:t>
-            </a:r>
-          </a:p>
-          <a:p>
-            <a:r>
-              <a:rPr lang="en-US" sz="3200" dirty="0"/>
-              <a:t>Showcase it on Demo Day (posted on Syllabus).</a:t>
-            </a:r>
-          </a:p>
-          <a:p>
-            <a:r>
-              <a:rPr lang="en-US" sz="3200" dirty="0"/>
-              <a:t>You are expected to work in groups of 2-3 people. Each person on the team should contribute equally.</a:t>
-            </a:r>
-          </a:p>
-          <a:p>
-            <a:r>
-              <a:rPr lang="en-US" sz="3200" dirty="0"/>
-              <a:t>Create something useful.  Think big and follow your passion.</a:t>
-            </a:r>
-          </a:p>
-          <a:p>
-            <a:r>
-              <a:rPr lang="en-US" sz="3200" dirty="0"/>
-              <a:t>Delivered in three phases, details on website.</a:t>
-            </a:r>
-          </a:p>
-          <a:p>
-            <a:r>
-              <a:rPr lang="en-US" sz="3200" dirty="0">
-                <a:hlinkClick r:id="rId2"/>
-              </a:rPr>
-              <a:t>http://ist256.syr.edu/project/</a:t>
-            </a:r>
-            <a:r>
-              <a:rPr lang="en-US" sz="3200" dirty="0"/>
-              <a:t> </a:t>
-            </a:r>
-          </a:p>
-        </p:txBody>
-      </p:sp>
-    </p:spTree>
-    <p:extLst>
-      <p:ext uri="{BB962C8B-B14F-4D97-AF65-F5344CB8AC3E}">
-        <p14:creationId xmlns:p14="http://schemas.microsoft.com/office/powerpoint/2010/main" val="2632983835"/>
-      </p:ext>
-    </p:extLst>
-  </p:cSld>
-  <p:clrMapOvr>
-    <a:masterClrMapping/>
-  </p:clrMapOvr>
-  <p:timing>
-    <p:tnLst>
-      <p:par>
-        <p:cTn id="1" dur="indefinite" restart="never" nodeType="tmRoot"/>
-      </p:par>
-    </p:tnLst>
-  </p:timing>
-</p:sld>
-</file>
-
-<file path=ppt/slides/slide22.xml><?xml version="1.0" encoding="utf-8"?>
-<p:sld xmlns:a="http://schemas.openxmlformats.org/drawingml/2006/main" xmlns:r="http://schemas.openxmlformats.org/officeDocument/2006/relationships" xmlns:p="http://schemas.openxmlformats.org/presentationml/2006/main">
-  <p:cSld>
-    <p:spTree>
-      <p:nvGrpSpPr>
-        <p:cNvPr id="1" name=""/>
-        <p:cNvGrpSpPr/>
-        <p:nvPr/>
-      </p:nvGrpSpPr>
-      <p:grpSpPr>
-        <a:xfrm>
-          <a:off x="0" y="0"/>
-          <a:ext cx="0" cy="0"/>
-          <a:chOff x="0" y="0"/>
-          <a:chExt cx="0" cy="0"/>
-        </a:xfrm>
-      </p:grpSpPr>
-      <p:sp>
-        <p:nvSpPr>
-          <p:cNvPr id="4" name="Title 3"/>
-          <p:cNvSpPr>
-            <a:spLocks noGrp="1"/>
-          </p:cNvSpPr>
-          <p:nvPr>
-            <p:ph type="title"/>
-          </p:nvPr>
-        </p:nvSpPr>
-        <p:spPr/>
-        <p:txBody>
-          <a:bodyPr>
-            <a:normAutofit/>
-          </a:bodyPr>
-          <a:lstStyle/>
-          <a:p>
-            <a:r>
-              <a:rPr lang="en-US" sz="5400" dirty="0">
-                <a:solidFill>
-                  <a:srgbClr val="00B0F0"/>
-                </a:solidFill>
-              </a:rPr>
               <a:t>Project Demo Day!</a:t>
             </a:r>
           </a:p>
@@ -10128,7 +9755,7 @@
           <a:p>
             <a:r>
               <a:rPr lang="en-US" sz="3600" dirty="0"/>
-              <a:t>During final exam block. </a:t>
+              <a:t>During final exam block.  Friday Dec 13 8-10am Hinds.</a:t>
             </a:r>
           </a:p>
         </p:txBody>
@@ -10143,395 +9770,10 @@
   <p:clrMapOvr>
     <a:masterClrMapping/>
   </p:clrMapOvr>
-  <p:timing>
-    <p:tnLst>
-      <p:par>
-        <p:cTn id="1" dur="indefinite" restart="never" nodeType="tmRoot"/>
-      </p:par>
-    </p:tnLst>
-  </p:timing>
 </p:sld>
 </file>
 
-<file path=ppt/slides/slide23.xml><?xml version="1.0" encoding="utf-8"?>
-<p:sld xmlns:a="http://schemas.openxmlformats.org/drawingml/2006/main" xmlns:r="http://schemas.openxmlformats.org/officeDocument/2006/relationships" xmlns:p="http://schemas.openxmlformats.org/presentationml/2006/main">
-  <p:cSld>
-    <p:spTree>
-      <p:nvGrpSpPr>
-        <p:cNvPr id="1" name=""/>
-        <p:cNvGrpSpPr/>
-        <p:nvPr/>
-      </p:nvGrpSpPr>
-      <p:grpSpPr>
-        <a:xfrm>
-          <a:off x="0" y="0"/>
-          <a:ext cx="0" cy="0"/>
-          <a:chOff x="0" y="0"/>
-          <a:chExt cx="0" cy="0"/>
-        </a:xfrm>
-      </p:grpSpPr>
-      <p:sp>
-        <p:nvSpPr>
-          <p:cNvPr id="4" name="Title 3"/>
-          <p:cNvSpPr>
-            <a:spLocks noGrp="1"/>
-          </p:cNvSpPr>
-          <p:nvPr>
-            <p:ph type="title"/>
-          </p:nvPr>
-        </p:nvSpPr>
-        <p:spPr/>
-        <p:txBody>
-          <a:bodyPr>
-            <a:normAutofit/>
-          </a:bodyPr>
-          <a:lstStyle/>
-          <a:p>
-            <a:r>
-              <a:rPr lang="en-US" sz="5400" dirty="0">
-                <a:solidFill>
-                  <a:srgbClr val="00B0F0"/>
-                </a:solidFill>
-              </a:rPr>
-              <a:t>Diagnostic Quizzes (Q01 – Q13)</a:t>
-            </a:r>
-          </a:p>
-        </p:txBody>
-      </p:sp>
-      <p:sp>
-        <p:nvSpPr>
-          <p:cNvPr id="2" name="Content Placeholder 1"/>
-          <p:cNvSpPr>
-            <a:spLocks noGrp="1"/>
-          </p:cNvSpPr>
-          <p:nvPr>
-            <p:ph idx="1"/>
-          </p:nvPr>
-        </p:nvSpPr>
-        <p:spPr>
-          <a:xfrm>
-            <a:off x="661481" y="1595335"/>
-            <a:ext cx="10692319" cy="4581627"/>
-          </a:xfrm>
-        </p:spPr>
-        <p:txBody>
-          <a:bodyPr>
-            <a:noAutofit/>
-          </a:bodyPr>
-          <a:lstStyle/>
-          <a:p>
-            <a:r>
-              <a:rPr lang="en-US" sz="3200" dirty="0"/>
-              <a:t>Designed to ensure you are keeping pace with your studies.</a:t>
-            </a:r>
-          </a:p>
-          <a:p>
-            <a:r>
-              <a:rPr lang="en-US" sz="3200" dirty="0"/>
-              <a:t>Issued weekly online in Blackboard. Work alone.</a:t>
-            </a:r>
-          </a:p>
-          <a:p>
-            <a:r>
-              <a:rPr lang="en-US" sz="3200" dirty="0"/>
-              <a:t>You are issued a subset of questions from a pool of question in the lesson.</a:t>
-            </a:r>
-          </a:p>
-          <a:p>
-            <a:r>
-              <a:rPr lang="en-US" sz="3200" dirty="0"/>
-              <a:t>You must complete before Wednesday.</a:t>
-            </a:r>
-          </a:p>
-          <a:p>
-            <a:r>
-              <a:rPr lang="en-US" sz="3200" dirty="0"/>
-              <a:t>5 points each. 2 Attempts, best attempt counts.</a:t>
-            </a:r>
-          </a:p>
-          <a:p>
-            <a:r>
-              <a:rPr lang="en-US" sz="3200" dirty="0"/>
-              <a:t>Each attempt could have different questions.</a:t>
-            </a:r>
-          </a:p>
-          <a:p>
-            <a:r>
-              <a:rPr lang="en-US" sz="3200" dirty="0"/>
-              <a:t>You are given one “Free Pass” – Lowest score dropped.</a:t>
-            </a:r>
-          </a:p>
-        </p:txBody>
-      </p:sp>
-    </p:spTree>
-    <p:extLst>
-      <p:ext uri="{BB962C8B-B14F-4D97-AF65-F5344CB8AC3E}">
-        <p14:creationId xmlns:p14="http://schemas.microsoft.com/office/powerpoint/2010/main" val="3613325883"/>
-      </p:ext>
-    </p:extLst>
-  </p:cSld>
-  <p:clrMapOvr>
-    <a:masterClrMapping/>
-  </p:clrMapOvr>
-  <p:timing>
-    <p:tnLst>
-      <p:par>
-        <p:cTn id="1" dur="indefinite" restart="never" nodeType="tmRoot"/>
-      </p:par>
-    </p:tnLst>
-  </p:timing>
-</p:sld>
-</file>
-
-<file path=ppt/slides/slide24.xml><?xml version="1.0" encoding="utf-8"?>
-<p:sld xmlns:a="http://schemas.openxmlformats.org/drawingml/2006/main" xmlns:r="http://schemas.openxmlformats.org/officeDocument/2006/relationships" xmlns:p="http://schemas.openxmlformats.org/presentationml/2006/main">
-  <p:cSld>
-    <p:spTree>
-      <p:nvGrpSpPr>
-        <p:cNvPr id="1" name=""/>
-        <p:cNvGrpSpPr/>
-        <p:nvPr/>
-      </p:nvGrpSpPr>
-      <p:grpSpPr>
-        <a:xfrm>
-          <a:off x="0" y="0"/>
-          <a:ext cx="0" cy="0"/>
-          <a:chOff x="0" y="0"/>
-          <a:chExt cx="0" cy="0"/>
-        </a:xfrm>
-      </p:grpSpPr>
-      <p:sp>
-        <p:nvSpPr>
-          <p:cNvPr id="4" name="Title 3"/>
-          <p:cNvSpPr>
-            <a:spLocks noGrp="1"/>
-          </p:cNvSpPr>
-          <p:nvPr>
-            <p:ph type="title"/>
-          </p:nvPr>
-        </p:nvSpPr>
-        <p:spPr/>
-        <p:txBody>
-          <a:bodyPr>
-            <a:normAutofit/>
-          </a:bodyPr>
-          <a:lstStyle/>
-          <a:p>
-            <a:r>
-              <a:rPr lang="en-US" sz="5400" dirty="0">
-                <a:solidFill>
-                  <a:srgbClr val="00B0F0"/>
-                </a:solidFill>
-              </a:rPr>
-              <a:t>Class Coding Labs (L01 – L13)</a:t>
-            </a:r>
-          </a:p>
-        </p:txBody>
-      </p:sp>
-      <p:sp>
-        <p:nvSpPr>
-          <p:cNvPr id="2" name="Content Placeholder 1"/>
-          <p:cNvSpPr>
-            <a:spLocks noGrp="1"/>
-          </p:cNvSpPr>
-          <p:nvPr>
-            <p:ph idx="1"/>
-          </p:nvPr>
-        </p:nvSpPr>
-        <p:spPr>
-          <a:xfrm>
-            <a:off x="466928" y="1690688"/>
-            <a:ext cx="11147898" cy="4486275"/>
-          </a:xfrm>
-        </p:spPr>
-        <p:txBody>
-          <a:bodyPr>
-            <a:noAutofit/>
-          </a:bodyPr>
-          <a:lstStyle/>
-          <a:p>
-            <a:r>
-              <a:rPr lang="en-US" sz="3200" dirty="0"/>
-              <a:t>Labs are your first opportunity to apply the programming concepts we’ve learned. </a:t>
-            </a:r>
-          </a:p>
-          <a:p>
-            <a:r>
-              <a:rPr lang="en-US" sz="3200" dirty="0"/>
-              <a:t>Labs walk you through the process, step by step.</a:t>
-            </a:r>
-          </a:p>
-          <a:p>
-            <a:r>
-              <a:rPr lang="en-US" sz="3200" dirty="0"/>
-              <a:t>Complete between lecture and recitation, commit lab to Github BEFORE recitation.</a:t>
-            </a:r>
-          </a:p>
-          <a:p>
-            <a:r>
-              <a:rPr lang="en-US" sz="3200" dirty="0"/>
-              <a:t>Ask questions about the lab at the beginning of recitation</a:t>
-            </a:r>
-          </a:p>
-          <a:p>
-            <a:r>
-              <a:rPr lang="en-US" sz="3200" dirty="0"/>
-              <a:t>5 points for a completed lab.</a:t>
-            </a:r>
-          </a:p>
-          <a:p>
-            <a:r>
-              <a:rPr lang="en-US" sz="3200" dirty="0"/>
-              <a:t>You are given one “Free Pass”, meaning you have one incomplete lab without penalty. </a:t>
-            </a:r>
-          </a:p>
-          <a:p>
-            <a:endParaRPr lang="en-US" sz="3200" dirty="0"/>
-          </a:p>
-        </p:txBody>
-      </p:sp>
-    </p:spTree>
-    <p:extLst>
-      <p:ext uri="{BB962C8B-B14F-4D97-AF65-F5344CB8AC3E}">
-        <p14:creationId xmlns:p14="http://schemas.microsoft.com/office/powerpoint/2010/main" val="144994231"/>
-      </p:ext>
-    </p:extLst>
-  </p:cSld>
-  <p:clrMapOvr>
-    <a:masterClrMapping/>
-  </p:clrMapOvr>
-  <p:timing>
-    <p:tnLst>
-      <p:par>
-        <p:cTn id="1" dur="indefinite" restart="never" nodeType="tmRoot"/>
-      </p:par>
-    </p:tnLst>
-  </p:timing>
-</p:sld>
-</file>
-
-<file path=ppt/slides/slide25.xml><?xml version="1.0" encoding="utf-8"?>
-<p:sld xmlns:a="http://schemas.openxmlformats.org/drawingml/2006/main" xmlns:r="http://schemas.openxmlformats.org/officeDocument/2006/relationships" xmlns:p="http://schemas.openxmlformats.org/presentationml/2006/main">
-  <p:cSld>
-    <p:spTree>
-      <p:nvGrpSpPr>
-        <p:cNvPr id="1" name=""/>
-        <p:cNvGrpSpPr/>
-        <p:nvPr/>
-      </p:nvGrpSpPr>
-      <p:grpSpPr>
-        <a:xfrm>
-          <a:off x="0" y="0"/>
-          <a:ext cx="0" cy="0"/>
-          <a:chOff x="0" y="0"/>
-          <a:chExt cx="0" cy="0"/>
-        </a:xfrm>
-      </p:grpSpPr>
-      <p:sp>
-        <p:nvSpPr>
-          <p:cNvPr id="4" name="Title 3"/>
-          <p:cNvSpPr>
-            <a:spLocks noGrp="1"/>
-          </p:cNvSpPr>
-          <p:nvPr>
-            <p:ph type="title"/>
-          </p:nvPr>
-        </p:nvSpPr>
-        <p:spPr/>
-        <p:txBody>
-          <a:bodyPr>
-            <a:normAutofit/>
-          </a:bodyPr>
-          <a:lstStyle/>
-          <a:p>
-            <a:r>
-              <a:rPr lang="en-US" sz="5400" dirty="0">
-                <a:solidFill>
-                  <a:srgbClr val="00B0F0"/>
-                </a:solidFill>
-              </a:rPr>
-              <a:t>Homework (H01- H13)</a:t>
-            </a:r>
-          </a:p>
-        </p:txBody>
-      </p:sp>
-      <p:sp>
-        <p:nvSpPr>
-          <p:cNvPr id="2" name="Content Placeholder 1"/>
-          <p:cNvSpPr>
-            <a:spLocks noGrp="1"/>
-          </p:cNvSpPr>
-          <p:nvPr>
-            <p:ph idx="1"/>
-          </p:nvPr>
-        </p:nvSpPr>
-        <p:spPr>
-          <a:xfrm>
-            <a:off x="544749" y="1825625"/>
-            <a:ext cx="11206263" cy="4351338"/>
-          </a:xfrm>
-        </p:spPr>
-        <p:txBody>
-          <a:bodyPr>
-            <a:noAutofit/>
-          </a:bodyPr>
-          <a:lstStyle/>
-          <a:p>
-            <a:r>
-              <a:rPr lang="en-US" sz="3200" dirty="0"/>
-              <a:t>Weekly homework. Due at end of lesson week.</a:t>
-            </a:r>
-          </a:p>
-          <a:p>
-            <a:r>
-              <a:rPr lang="en-US" sz="3200" dirty="0"/>
-              <a:t>Must commit your code to GitHub before class on due date.</a:t>
-            </a:r>
-          </a:p>
-          <a:p>
-            <a:r>
-              <a:rPr lang="en-US" sz="3200" dirty="0"/>
-              <a:t>A evaluator will check ONE of your assigned homework at random in the beginning of class.</a:t>
-            </a:r>
-          </a:p>
-          <a:p>
-            <a:r>
-              <a:rPr lang="en-US" sz="3200" dirty="0"/>
-              <a:t>You will know your evaluation at the time your homework is checked, pending verification of what on GitHub. </a:t>
-            </a:r>
-          </a:p>
-          <a:p>
-            <a:r>
-              <a:rPr lang="en-US" sz="3200" dirty="0"/>
-              <a:t>You are given one “Free Pass”, meaning your lowest homework score is dropped. </a:t>
-            </a:r>
-          </a:p>
-          <a:p>
-            <a:endParaRPr lang="en-US" sz="3200" dirty="0"/>
-          </a:p>
-        </p:txBody>
-      </p:sp>
-    </p:spTree>
-    <p:extLst>
-      <p:ext uri="{BB962C8B-B14F-4D97-AF65-F5344CB8AC3E}">
-        <p14:creationId xmlns:p14="http://schemas.microsoft.com/office/powerpoint/2010/main" val="990988553"/>
-      </p:ext>
-    </p:extLst>
-  </p:cSld>
-  <p:clrMapOvr>
-    <a:masterClrMapping/>
-  </p:clrMapOvr>
-  <p:timing>
-    <p:tnLst>
-      <p:par>
-        <p:cTn id="1" dur="indefinite" restart="never" nodeType="tmRoot"/>
-      </p:par>
-    </p:tnLst>
-  </p:timing>
-</p:sld>
-</file>
-
-<file path=ppt/slides/slide26.xml><?xml version="1.0" encoding="utf-8"?>
+<file path=ppt/slides/slide21.xml><?xml version="1.0" encoding="utf-8"?>
 <p:sld xmlns:a="http://schemas.openxmlformats.org/drawingml/2006/main" xmlns:r="http://schemas.openxmlformats.org/officeDocument/2006/relationships" xmlns:p="http://schemas.openxmlformats.org/presentationml/2006/main">
   <p:cSld>
     <p:spTree>
@@ -10632,147 +9874,10 @@
   <p:clrMapOvr>
     <a:masterClrMapping/>
   </p:clrMapOvr>
-  <p:timing>
-    <p:tnLst>
-      <p:par>
-        <p:cTn id="1" dur="indefinite" restart="never" nodeType="tmRoot"/>
-      </p:par>
-    </p:tnLst>
-  </p:timing>
 </p:sld>
 </file>
 
-<file path=ppt/slides/slide27.xml><?xml version="1.0" encoding="utf-8"?>
-<p:sld xmlns:a="http://schemas.openxmlformats.org/drawingml/2006/main" xmlns:r="http://schemas.openxmlformats.org/officeDocument/2006/relationships" xmlns:p="http://schemas.openxmlformats.org/presentationml/2006/main">
-  <p:cSld>
-    <p:spTree>
-      <p:nvGrpSpPr>
-        <p:cNvPr id="1" name=""/>
-        <p:cNvGrpSpPr/>
-        <p:nvPr/>
-      </p:nvGrpSpPr>
-      <p:grpSpPr>
-        <a:xfrm>
-          <a:off x="0" y="0"/>
-          <a:ext cx="0" cy="0"/>
-          <a:chOff x="0" y="0"/>
-          <a:chExt cx="0" cy="0"/>
-        </a:xfrm>
-      </p:grpSpPr>
-      <p:sp>
-        <p:nvSpPr>
-          <p:cNvPr id="4" name="Title 3"/>
-          <p:cNvSpPr>
-            <a:spLocks noGrp="1"/>
-          </p:cNvSpPr>
-          <p:nvPr>
-            <p:ph type="title"/>
-          </p:nvPr>
-        </p:nvSpPr>
-        <p:spPr/>
-        <p:txBody>
-          <a:bodyPr>
-            <a:normAutofit/>
-          </a:bodyPr>
-          <a:lstStyle/>
-          <a:p>
-            <a:r>
-              <a:rPr lang="en-US" sz="5400" dirty="0">
-                <a:solidFill>
-                  <a:srgbClr val="00B0F0"/>
-                </a:solidFill>
-              </a:rPr>
-              <a:t>Class Participation</a:t>
-            </a:r>
-          </a:p>
-        </p:txBody>
-      </p:sp>
-      <p:sp>
-        <p:nvSpPr>
-          <p:cNvPr id="2" name="Content Placeholder 1"/>
-          <p:cNvSpPr>
-            <a:spLocks noGrp="1"/>
-          </p:cNvSpPr>
-          <p:nvPr>
-            <p:ph idx="1"/>
-          </p:nvPr>
-        </p:nvSpPr>
-        <p:spPr>
-          <a:xfrm>
-            <a:off x="535021" y="1548882"/>
-            <a:ext cx="10818779" cy="4949195"/>
-          </a:xfrm>
-        </p:spPr>
-        <p:txBody>
-          <a:bodyPr>
-            <a:noAutofit/>
-          </a:bodyPr>
-          <a:lstStyle/>
-          <a:p>
-            <a:r>
-              <a:rPr lang="en-US" sz="3200" dirty="0"/>
-              <a:t>You are expected to be engaged in every class</a:t>
-            </a:r>
-          </a:p>
-          <a:p>
-            <a:r>
-              <a:rPr lang="en-US" sz="3200" dirty="0"/>
-              <a:t>Large group: asking and answering questions.</a:t>
-            </a:r>
-          </a:p>
-          <a:p>
-            <a:r>
-              <a:rPr lang="en-US" sz="3200" dirty="0"/>
-              <a:t>Recitation: writing code, asking / answering questions, demonstrating code.</a:t>
-            </a:r>
-          </a:p>
-          <a:p>
-            <a:r>
-              <a:rPr lang="en-US" sz="3200" dirty="0"/>
-              <a:t>Attendance is part of participation. If you’re not there you cannot possibly participate.</a:t>
-            </a:r>
-          </a:p>
-          <a:p>
-            <a:r>
-              <a:rPr lang="en-US" sz="3200" dirty="0"/>
-              <a:t>At the discretion of your recitation instructor, your final grade may be moved up or down based on exemplary or poor participation throughout the semester. </a:t>
-            </a:r>
-          </a:p>
-          <a:p>
-            <a:r>
-              <a:rPr lang="en-US" sz="3200" dirty="0">
-                <a:hlinkClick r:id="rId2"/>
-              </a:rPr>
-              <a:t>http://ist256.syr.edu/syllabus/#final-grades</a:t>
-            </a:r>
-            <a:r>
-              <a:rPr lang="en-US" sz="3200" dirty="0"/>
-              <a:t> </a:t>
-            </a:r>
-          </a:p>
-        </p:txBody>
-      </p:sp>
-    </p:spTree>
-    <p:extLst>
-      <p:ext uri="{BB962C8B-B14F-4D97-AF65-F5344CB8AC3E}">
-        <p14:creationId xmlns:p14="http://schemas.microsoft.com/office/powerpoint/2010/main" val="3304550199"/>
-      </p:ext>
-    </p:extLst>
-  </p:cSld>
-  <p:clrMapOvr>
-    <a:masterClrMapping/>
-  </p:clrMapOvr>
-  <p:timing>
-    <p:tnLst>
-      <p:par>
-        <p:cTn id="1" dur="indefinite" restart="never" nodeType="tmRoot"/>
-      </p:par>
-    </p:tnLst>
-  </p:timing>
-</p:sld>
-</file>
-
-<file path=ppt/slides/slide28.xml><?xml version="1.0" encoding="utf-8"?>
+<file path=ppt/slides/slide22.xml><?xml version="1.0" encoding="utf-8"?>
 <p:sld xmlns:a="http://schemas.openxmlformats.org/drawingml/2006/main" xmlns:r="http://schemas.openxmlformats.org/officeDocument/2006/relationships" xmlns:p="http://schemas.openxmlformats.org/presentationml/2006/main">
   <p:cSld>
     <p:bg>
@@ -10805,7 +9910,7 @@
                 <a16:creationId xmlns:a16="http://schemas.microsoft.com/office/drawing/2014/main" id="{8D70B121-56F4-4848-B38B-182089D909FA}"/>
               </a:ext>
               <a:ext uri="{C183D7F6-B498-43B3-948B-1728B52AA6E4}">
-                <adec:decorative xmlns:adec="http://schemas.microsoft.com/office/drawing/2017/decorative" xmlns="" val="1"/>
+                <adec:decorative xmlns:adec="http://schemas.microsoft.com/office/drawing/2017/decorative" val="1"/>
               </a:ext>
             </a:extLst>
           </p:cNvPr>
@@ -10904,7 +10009,7 @@
                 <a16:creationId xmlns:a16="http://schemas.microsoft.com/office/drawing/2014/main" id="{2D72A2C9-F3CA-4216-8BAD-FA4C970C3C4E}"/>
               </a:ext>
               <a:ext uri="{C183D7F6-B498-43B3-948B-1728B52AA6E4}">
-                <adec:decorative xmlns:adec="http://schemas.microsoft.com/office/drawing/2017/decorative" xmlns="" val="1"/>
+                <adec:decorative xmlns:adec="http://schemas.microsoft.com/office/drawing/2017/decorative" val="1"/>
               </a:ext>
             </a:extLst>
           </p:cNvPr>
@@ -11034,7 +10139,7 @@
             </a:pPr>
             <a:r>
               <a:rPr lang="en-US" sz="3200" b="1" dirty="0"/>
-              <a:t>When in doubt. Ask us!</a:t>
+              <a:t>Sanction for AI Violation is F in the course. When in doubt. Ask us!</a:t>
             </a:r>
           </a:p>
           <a:p>
@@ -11055,17 +10160,10 @@
   <p:clrMapOvr>
     <a:masterClrMapping/>
   </p:clrMapOvr>
-  <p:timing>
-    <p:tnLst>
-      <p:par>
-        <p:cTn id="1" dur="indefinite" restart="never" nodeType="tmRoot"/>
-      </p:par>
-    </p:tnLst>
-  </p:timing>
 </p:sld>
 </file>
 
-<file path=ppt/slides/slide29.xml><?xml version="1.0" encoding="utf-8"?>
+<file path=ppt/slides/slide23.xml><?xml version="1.0" encoding="utf-8"?>
 <p:sld xmlns:a="http://schemas.openxmlformats.org/drawingml/2006/main" xmlns:r="http://schemas.openxmlformats.org/officeDocument/2006/relationships" xmlns:p="http://schemas.openxmlformats.org/presentationml/2006/main">
   <p:cSld>
     <p:bg>
@@ -11098,7 +10196,7 @@
                 <a16:creationId xmlns:a16="http://schemas.microsoft.com/office/drawing/2014/main" id="{559AE206-7EBA-4D33-8BC9-9D8158553F0E}"/>
               </a:ext>
               <a:ext uri="{C183D7F6-B498-43B3-948B-1728B52AA6E4}">
-                <adec:decorative xmlns:adec="http://schemas.microsoft.com/office/drawing/2017/decorative" xmlns="" val="1"/>
+                <adec:decorative xmlns:adec="http://schemas.microsoft.com/office/drawing/2017/decorative" val="1"/>
               </a:ext>
             </a:extLst>
           </p:cNvPr>
@@ -11257,7 +10355,7 @@
                 <a16:creationId xmlns:a16="http://schemas.microsoft.com/office/drawing/2014/main" id="{6437D937-A7F1-4011-92B4-328E5BE1B166}"/>
               </a:ext>
               <a:ext uri="{C183D7F6-B498-43B3-948B-1728B52AA6E4}">
-                <adec:decorative xmlns:adec="http://schemas.microsoft.com/office/drawing/2017/decorative" xmlns="" val="1"/>
+                <adec:decorative xmlns:adec="http://schemas.microsoft.com/office/drawing/2017/decorative" val="1"/>
               </a:ext>
             </a:extLst>
           </p:cNvPr>
@@ -11349,7 +10447,7 @@
                 <a16:creationId xmlns:a16="http://schemas.microsoft.com/office/drawing/2014/main" id="{B672F332-AF08-46C6-94F0-77684310D7B7}"/>
               </a:ext>
               <a:ext uri="{C183D7F6-B498-43B3-948B-1728B52AA6E4}">
-                <adec:decorative xmlns:adec="http://schemas.microsoft.com/office/drawing/2017/decorative" xmlns="" val="1"/>
+                <adec:decorative xmlns:adec="http://schemas.microsoft.com/office/drawing/2017/decorative" val="1"/>
               </a:ext>
             </a:extLst>
           </p:cNvPr>
@@ -11441,7 +10539,7 @@
                 <a16:creationId xmlns:a16="http://schemas.microsoft.com/office/drawing/2014/main" id="{34244EF8-D73A-40E1-BE73-D46E6B4B04ED}"/>
               </a:ext>
               <a:ext uri="{C183D7F6-B498-43B3-948B-1728B52AA6E4}">
-                <adec:decorative xmlns:adec="http://schemas.microsoft.com/office/drawing/2017/decorative" xmlns="" val="1"/>
+                <adec:decorative xmlns:adec="http://schemas.microsoft.com/office/drawing/2017/decorative" val="1"/>
               </a:ext>
             </a:extLst>
           </p:cNvPr>
@@ -11533,7 +10631,7 @@
                 <a16:creationId xmlns:a16="http://schemas.microsoft.com/office/drawing/2014/main" id="{AB84D7E8-4ECB-42D7-ADBF-01689B0F24AE}"/>
               </a:ext>
               <a:ext uri="{C183D7F6-B498-43B3-948B-1728B52AA6E4}">
-                <adec:decorative xmlns:adec="http://schemas.microsoft.com/office/drawing/2017/decorative" xmlns="" val="1"/>
+                <adec:decorative xmlns:adec="http://schemas.microsoft.com/office/drawing/2017/decorative" val="1"/>
               </a:ext>
             </a:extLst>
           </p:cNvPr>
@@ -11688,7 +10786,7 @@
                 <a16:creationId xmlns:a16="http://schemas.microsoft.com/office/drawing/2014/main" id="{9E8E38ED-369A-44C2-B635-0BED0E48A6E8}"/>
               </a:ext>
               <a:ext uri="{C183D7F6-B498-43B3-948B-1728B52AA6E4}">
-                <adec:decorative xmlns:adec="http://schemas.microsoft.com/office/drawing/2017/decorative" xmlns="" val="1"/>
+                <adec:decorative xmlns:adec="http://schemas.microsoft.com/office/drawing/2017/decorative" val="1"/>
               </a:ext>
             </a:extLst>
           </p:cNvPr>
@@ -11742,27 +10840,12 @@
   <p:clrMapOvr>
     <a:masterClrMapping/>
   </p:clrMapOvr>
-  <p:timing>
-    <p:tnLst>
-      <p:par>
-        <p:cTn id="1" dur="indefinite" restart="never" nodeType="tmRoot"/>
-      </p:par>
-    </p:tnLst>
-  </p:timing>
 </p:sld>
 </file>
 
-<file path=ppt/slides/slide3.xml><?xml version="1.0" encoding="utf-8"?>
+<file path=ppt/slides/slide24.xml><?xml version="1.0" encoding="utf-8"?>
 <p:sld xmlns:a="http://schemas.openxmlformats.org/drawingml/2006/main" xmlns:r="http://schemas.openxmlformats.org/officeDocument/2006/relationships" xmlns:p="http://schemas.openxmlformats.org/presentationml/2006/main">
   <p:cSld>
-    <p:bg>
-      <p:bgPr>
-        <a:solidFill>
-          <a:schemeClr val="bg1"/>
-        </a:solidFill>
-        <a:effectLst/>
-      </p:bgPr>
-    </p:bg>
     <p:spTree>
       <p:nvGrpSpPr>
         <p:cNvPr id="1" name=""/>
@@ -11777,95 +10860,6 @@
           <a:chExt cx="0" cy="0"/>
         </a:xfrm>
       </p:grpSpPr>
-      <p:sp useBgFill="1">
-        <p:nvSpPr>
-          <p:cNvPr id="10" name="Rectangle 9">
-            <a:extLst>
-              <a:ext uri="{FF2B5EF4-FFF2-40B4-BE49-F238E27FC236}">
-                <a16:creationId xmlns:a16="http://schemas.microsoft.com/office/drawing/2014/main" id="{559AE206-7EBA-4D33-8BC9-9D8158553F0E}"/>
-              </a:ext>
-              <a:ext uri="{C183D7F6-B498-43B3-948B-1728B52AA6E4}">
-                <adec:decorative xmlns:adec="http://schemas.microsoft.com/office/drawing/2017/decorative" xmlns="" val="1"/>
-              </a:ext>
-            </a:extLst>
-          </p:cNvPr>
-          <p:cNvSpPr>
-            <a:spLocks noGrp="1" noRot="1" noChangeAspect="1" noMove="1" noResize="1" noEditPoints="1" noAdjustHandles="1" noChangeArrowheads="1" noChangeShapeType="1" noTextEdit="1"/>
-          </p:cNvSpPr>
-          <p:nvPr>
-            <p:extLst>
-              <p:ext uri="{386F3935-93C4-4BCD-93E2-E3B085C9AB24}">
-                <p16:designElem xmlns:p16="http://schemas.microsoft.com/office/powerpoint/2015/main" val="1"/>
-              </p:ext>
-            </p:extLst>
-          </p:nvPr>
-        </p:nvSpPr>
-        <p:spPr>
-          <a:xfrm>
-            <a:off x="0" y="0"/>
-            <a:ext cx="12192000" cy="6858000"/>
-          </a:xfrm>
-          <a:prstGeom prst="rect">
-            <a:avLst/>
-          </a:prstGeom>
-          <a:ln>
-            <a:noFill/>
-          </a:ln>
-        </p:spPr>
-        <p:style>
-          <a:lnRef idx="2">
-            <a:schemeClr val="accent1">
-              <a:shade val="50000"/>
-            </a:schemeClr>
-          </a:lnRef>
-          <a:fillRef idx="1">
-            <a:schemeClr val="accent1"/>
-          </a:fillRef>
-          <a:effectRef idx="0">
-            <a:schemeClr val="accent1"/>
-          </a:effectRef>
-          <a:fontRef idx="minor">
-            <a:schemeClr val="lt1"/>
-          </a:fontRef>
-        </p:style>
-        <p:txBody>
-          <a:bodyPr rtlCol="0" anchor="ctr"/>
-          <a:lstStyle/>
-          <a:p>
-            <a:pPr marL="0" marR="0" lvl="0" indent="0" algn="ctr" defTabSz="914400" rtl="0" eaLnBrk="1" fontAlgn="auto" latinLnBrk="0" hangingPunct="1">
-              <a:lnSpc>
-                <a:spcPct val="100000"/>
-              </a:lnSpc>
-              <a:spcBef>
-                <a:spcPts val="0"/>
-              </a:spcBef>
-              <a:spcAft>
-                <a:spcPts val="0"/>
-              </a:spcAft>
-              <a:buClrTx/>
-              <a:buSzTx/>
-              <a:buFontTx/>
-              <a:buNone/>
-              <a:tabLst/>
-              <a:defRPr/>
-            </a:pPr>
-            <a:endParaRPr kumimoji="0" lang="en-US" sz="1800" b="0" i="0" u="none" strike="noStrike" kern="1200" cap="none" spc="0" normalizeH="0" baseline="0" noProof="0">
-              <a:ln>
-                <a:noFill/>
-              </a:ln>
-              <a:solidFill>
-                <a:prstClr val="white"/>
-              </a:solidFill>
-              <a:effectLst/>
-              <a:uLnTx/>
-              <a:uFillTx/>
-              <a:latin typeface="Calibri" panose="020F0502020204030204"/>
-              <a:ea typeface="+mn-ea"/>
-              <a:cs typeface="+mn-cs"/>
-            </a:endParaRPr>
-          </a:p>
-        </p:txBody>
-      </p:sp>
       <p:sp>
         <p:nvSpPr>
           <p:cNvPr id="4" name="Title 3"/>
@@ -11876,571 +10870,211 @@
             <p:ph type="title"/>
           </p:nvPr>
         </p:nvSpPr>
-        <p:spPr>
-          <a:xfrm>
-            <a:off x="838199" y="4525347"/>
-            <a:ext cx="6801321" cy="1737360"/>
-          </a:xfrm>
-        </p:spPr>
-        <p:txBody>
-          <a:bodyPr vert="horz" lIns="91440" tIns="45720" rIns="91440" bIns="45720" rtlCol="0" anchor="ctr">
+        <p:spPr/>
+        <p:txBody>
+          <a:bodyPr>
             <a:normAutofit/>
           </a:bodyPr>
           <a:lstStyle/>
           <a:p>
-            <a:pPr algn="r"/>
-            <a:r>
-              <a:rPr lang="en-US" dirty="0"/>
-              <a:t>How is this course organized?</a:t>
-            </a:r>
-            <a:endParaRPr lang="en-US" kern="1200" dirty="0">
-              <a:solidFill>
-                <a:schemeClr val="tx1"/>
-              </a:solidFill>
-              <a:latin typeface="+mj-lt"/>
-              <a:ea typeface="+mj-ea"/>
-              <a:cs typeface="+mj-cs"/>
-            </a:endParaRPr>
-          </a:p>
-        </p:txBody>
-      </p:sp>
-      <p:sp>
-        <p:nvSpPr>
-          <p:cNvPr id="5" name="Text Placeholder 4"/>
+            <a:r>
+              <a:rPr lang="en-US" sz="5400" dirty="0">
+                <a:solidFill>
+                  <a:schemeClr val="accent2"/>
+                </a:solidFill>
+              </a:rPr>
+              <a:t>Attendance!</a:t>
+            </a:r>
+          </a:p>
+        </p:txBody>
+      </p:sp>
+      <p:sp>
+        <p:nvSpPr>
+          <p:cNvPr id="5" name="Content Placeholder 4"/>
           <p:cNvSpPr>
             <a:spLocks noGrp="1"/>
           </p:cNvSpPr>
           <p:nvPr>
-            <p:ph type="body" idx="1"/>
+            <p:ph idx="1"/>
           </p:nvPr>
         </p:nvSpPr>
         <p:spPr>
           <a:xfrm>
-            <a:off x="7961258" y="4525347"/>
-            <a:ext cx="3258675" cy="1737360"/>
+            <a:off x="838200" y="1825625"/>
+            <a:ext cx="10515600" cy="4821360"/>
           </a:xfrm>
         </p:spPr>
         <p:txBody>
-          <a:bodyPr vert="horz" lIns="91440" tIns="45720" rIns="91440" bIns="45720" rtlCol="0" anchor="ctr">
+          <a:bodyPr>
             <a:normAutofit/>
           </a:bodyPr>
           <a:lstStyle/>
           <a:p>
-            <a:endParaRPr lang="en-US" sz="2400" kern="1200">
-              <a:solidFill>
-                <a:schemeClr val="tx1"/>
-              </a:solidFill>
-              <a:latin typeface="+mn-lt"/>
-              <a:ea typeface="+mn-ea"/>
-              <a:cs typeface="+mn-cs"/>
-            </a:endParaRPr>
-          </a:p>
-        </p:txBody>
-      </p:sp>
-      <p:sp>
-        <p:nvSpPr>
-          <p:cNvPr id="12" name="Oval 11">
-            <a:extLst>
-              <a:ext uri="{FF2B5EF4-FFF2-40B4-BE49-F238E27FC236}">
-                <a16:creationId xmlns:a16="http://schemas.microsoft.com/office/drawing/2014/main" id="{6437D937-A7F1-4011-92B4-328E5BE1B166}"/>
-              </a:ext>
-              <a:ext uri="{C183D7F6-B498-43B3-948B-1728B52AA6E4}">
-                <adec:decorative xmlns:adec="http://schemas.microsoft.com/office/drawing/2017/decorative" xmlns="" val="1"/>
-              </a:ext>
-            </a:extLst>
-          </p:cNvPr>
-          <p:cNvSpPr>
-            <a:spLocks noGrp="1" noRot="1" noChangeAspect="1" noMove="1" noResize="1" noEditPoints="1" noAdjustHandles="1" noChangeArrowheads="1" noChangeShapeType="1" noTextEdit="1"/>
-          </p:cNvSpPr>
-          <p:nvPr>
-            <p:extLst>
-              <p:ext uri="{386F3935-93C4-4BCD-93E2-E3B085C9AB24}">
-                <p16:designElem xmlns:p16="http://schemas.microsoft.com/office/powerpoint/2015/main" val="1"/>
-              </p:ext>
-            </p:extLst>
-          </p:nvPr>
-        </p:nvSpPr>
-        <p:spPr>
-          <a:xfrm>
-            <a:off x="588567" y="620480"/>
-            <a:ext cx="2243800" cy="2243796"/>
-          </a:xfrm>
-          <a:prstGeom prst="ellipse">
-            <a:avLst/>
-          </a:prstGeom>
-          <a:solidFill>
-            <a:schemeClr val="accent5"/>
-          </a:solidFill>
-          <a:ln>
-            <a:noFill/>
-          </a:ln>
-        </p:spPr>
-        <p:style>
-          <a:lnRef idx="2">
-            <a:schemeClr val="accent1">
-              <a:shade val="50000"/>
-            </a:schemeClr>
-          </a:lnRef>
-          <a:fillRef idx="1">
-            <a:schemeClr val="accent1"/>
-          </a:fillRef>
-          <a:effectRef idx="0">
-            <a:schemeClr val="accent1"/>
-          </a:effectRef>
-          <a:fontRef idx="minor">
-            <a:schemeClr val="lt1"/>
-          </a:fontRef>
-        </p:style>
-        <p:txBody>
-          <a:bodyPr rtlCol="0" anchor="ctr"/>
-          <a:lstStyle/>
-          <a:p>
-            <a:pPr marL="0" marR="0" lvl="0" indent="0" algn="ctr" defTabSz="914400" rtl="0" eaLnBrk="1" fontAlgn="auto" latinLnBrk="0" hangingPunct="1">
-              <a:lnSpc>
-                <a:spcPct val="100000"/>
-              </a:lnSpc>
-              <a:spcBef>
-                <a:spcPts val="0"/>
-              </a:spcBef>
-              <a:spcAft>
-                <a:spcPts val="0"/>
-              </a:spcAft>
-              <a:buClrTx/>
-              <a:buSzTx/>
-              <a:buFontTx/>
-              <a:buNone/>
-              <a:tabLst/>
-              <a:defRPr/>
-            </a:pPr>
-            <a:endParaRPr kumimoji="0" lang="en-US" sz="1800" b="0" i="0" u="none" strike="noStrike" kern="1200" cap="none" spc="0" normalizeH="0" baseline="0" noProof="0">
-              <a:ln>
-                <a:noFill/>
-              </a:ln>
-              <a:solidFill>
-                <a:prstClr val="white"/>
-              </a:solidFill>
-              <a:effectLst/>
-              <a:uLnTx/>
-              <a:uFillTx/>
-              <a:latin typeface="Calibri" panose="020F0502020204030204"/>
-              <a:ea typeface="+mn-ea"/>
-              <a:cs typeface="+mn-cs"/>
-            </a:endParaRPr>
-          </a:p>
-        </p:txBody>
-      </p:sp>
-      <p:sp>
-        <p:nvSpPr>
-          <p:cNvPr id="14" name="Oval 13">
-            <a:extLst>
-              <a:ext uri="{FF2B5EF4-FFF2-40B4-BE49-F238E27FC236}">
-                <a16:creationId xmlns:a16="http://schemas.microsoft.com/office/drawing/2014/main" id="{B672F332-AF08-46C6-94F0-77684310D7B7}"/>
-              </a:ext>
-              <a:ext uri="{C183D7F6-B498-43B3-948B-1728B52AA6E4}">
-                <adec:decorative xmlns:adec="http://schemas.microsoft.com/office/drawing/2017/decorative" xmlns="" val="1"/>
-              </a:ext>
-            </a:extLst>
-          </p:cNvPr>
-          <p:cNvSpPr>
-            <a:spLocks noGrp="1" noRot="1" noChangeAspect="1" noMove="1" noResize="1" noEditPoints="1" noAdjustHandles="1" noChangeArrowheads="1" noChangeShapeType="1" noTextEdit="1"/>
-          </p:cNvSpPr>
-          <p:nvPr>
-            <p:extLst>
-              <p:ext uri="{386F3935-93C4-4BCD-93E2-E3B085C9AB24}">
-                <p16:designElem xmlns:p16="http://schemas.microsoft.com/office/powerpoint/2015/main" val="1"/>
-              </p:ext>
-            </p:extLst>
-          </p:nvPr>
-        </p:nvSpPr>
-        <p:spPr>
-          <a:xfrm>
-            <a:off x="3395001" y="2466604"/>
-            <a:ext cx="962395" cy="962395"/>
-          </a:xfrm>
-          <a:prstGeom prst="ellipse">
-            <a:avLst/>
-          </a:prstGeom>
-          <a:solidFill>
-            <a:schemeClr val="accent4"/>
-          </a:solidFill>
-          <a:ln>
-            <a:noFill/>
-          </a:ln>
-        </p:spPr>
-        <p:style>
-          <a:lnRef idx="2">
-            <a:schemeClr val="accent1">
-              <a:shade val="50000"/>
-            </a:schemeClr>
-          </a:lnRef>
-          <a:fillRef idx="1">
-            <a:schemeClr val="accent1"/>
-          </a:fillRef>
-          <a:effectRef idx="0">
-            <a:schemeClr val="accent1"/>
-          </a:effectRef>
-          <a:fontRef idx="minor">
-            <a:schemeClr val="lt1"/>
-          </a:fontRef>
-        </p:style>
-        <p:txBody>
-          <a:bodyPr rtlCol="0" anchor="ctr"/>
-          <a:lstStyle/>
-          <a:p>
-            <a:pPr marL="0" marR="0" lvl="0" indent="0" algn="ctr" defTabSz="914400" rtl="0" eaLnBrk="1" fontAlgn="auto" latinLnBrk="0" hangingPunct="1">
-              <a:lnSpc>
-                <a:spcPct val="100000"/>
-              </a:lnSpc>
-              <a:spcBef>
-                <a:spcPts val="0"/>
-              </a:spcBef>
-              <a:spcAft>
-                <a:spcPts val="0"/>
-              </a:spcAft>
-              <a:buClrTx/>
-              <a:buSzTx/>
-              <a:buFontTx/>
-              <a:buNone/>
-              <a:tabLst/>
-              <a:defRPr/>
-            </a:pPr>
-            <a:endParaRPr kumimoji="0" lang="en-US" sz="1800" b="0" i="0" u="none" strike="noStrike" kern="1200" cap="none" spc="0" normalizeH="0" baseline="0" noProof="0">
-              <a:ln>
-                <a:noFill/>
-              </a:ln>
-              <a:solidFill>
-                <a:prstClr val="white"/>
-              </a:solidFill>
-              <a:effectLst/>
-              <a:uLnTx/>
-              <a:uFillTx/>
-              <a:latin typeface="Calibri" panose="020F0502020204030204"/>
-              <a:ea typeface="+mn-ea"/>
-              <a:cs typeface="+mn-cs"/>
-            </a:endParaRPr>
-          </a:p>
-        </p:txBody>
-      </p:sp>
-      <p:sp>
-        <p:nvSpPr>
-          <p:cNvPr id="16" name="Oval 15">
-            <a:extLst>
-              <a:ext uri="{FF2B5EF4-FFF2-40B4-BE49-F238E27FC236}">
-                <a16:creationId xmlns:a16="http://schemas.microsoft.com/office/drawing/2014/main" id="{34244EF8-D73A-40E1-BE73-D46E6B4B04ED}"/>
-              </a:ext>
-              <a:ext uri="{C183D7F6-B498-43B3-948B-1728B52AA6E4}">
-                <adec:decorative xmlns:adec="http://schemas.microsoft.com/office/drawing/2017/decorative" xmlns="" val="1"/>
-              </a:ext>
-            </a:extLst>
-          </p:cNvPr>
-          <p:cNvSpPr>
-            <a:spLocks noGrp="1" noRot="1" noChangeAspect="1" noMove="1" noResize="1" noEditPoints="1" noAdjustHandles="1" noChangeArrowheads="1" noChangeShapeType="1" noTextEdit="1"/>
-          </p:cNvSpPr>
-          <p:nvPr>
-            <p:extLst>
-              <p:ext uri="{386F3935-93C4-4BCD-93E2-E3B085C9AB24}">
-                <p16:designElem xmlns:p16="http://schemas.microsoft.com/office/powerpoint/2015/main" val="1"/>
-              </p:ext>
-            </p:extLst>
-          </p:nvPr>
-        </p:nvSpPr>
-        <p:spPr>
-          <a:xfrm>
-            <a:off x="5125829" y="2327988"/>
-            <a:ext cx="293695" cy="293695"/>
-          </a:xfrm>
-          <a:prstGeom prst="ellipse">
-            <a:avLst/>
-          </a:prstGeom>
-          <a:solidFill>
-            <a:schemeClr val="accent3"/>
-          </a:solidFill>
-          <a:ln>
-            <a:noFill/>
-          </a:ln>
-        </p:spPr>
-        <p:style>
-          <a:lnRef idx="2">
-            <a:schemeClr val="accent1">
-              <a:shade val="50000"/>
-            </a:schemeClr>
-          </a:lnRef>
-          <a:fillRef idx="1">
-            <a:schemeClr val="accent1"/>
-          </a:fillRef>
-          <a:effectRef idx="0">
-            <a:schemeClr val="accent1"/>
-          </a:effectRef>
-          <a:fontRef idx="minor">
-            <a:schemeClr val="lt1"/>
-          </a:fontRef>
-        </p:style>
-        <p:txBody>
-          <a:bodyPr rtlCol="0" anchor="ctr"/>
-          <a:lstStyle/>
-          <a:p>
-            <a:pPr marL="0" marR="0" lvl="0" indent="0" algn="ctr" defTabSz="914400" rtl="0" eaLnBrk="1" fontAlgn="auto" latinLnBrk="0" hangingPunct="1">
-              <a:lnSpc>
-                <a:spcPct val="100000"/>
-              </a:lnSpc>
-              <a:spcBef>
-                <a:spcPts val="0"/>
-              </a:spcBef>
-              <a:spcAft>
-                <a:spcPts val="0"/>
-              </a:spcAft>
-              <a:buClrTx/>
-              <a:buSzTx/>
-              <a:buFontTx/>
-              <a:buNone/>
-              <a:tabLst/>
-              <a:defRPr/>
-            </a:pPr>
-            <a:endParaRPr kumimoji="0" lang="en-US" sz="1800" b="0" i="0" u="none" strike="noStrike" kern="1200" cap="none" spc="0" normalizeH="0" baseline="0" noProof="0">
-              <a:ln>
-                <a:noFill/>
-              </a:ln>
-              <a:solidFill>
-                <a:prstClr val="white"/>
-              </a:solidFill>
-              <a:effectLst/>
-              <a:uLnTx/>
-              <a:uFillTx/>
-              <a:latin typeface="Calibri" panose="020F0502020204030204"/>
-              <a:ea typeface="+mn-ea"/>
-              <a:cs typeface="+mn-cs"/>
-            </a:endParaRPr>
-          </a:p>
-        </p:txBody>
-      </p:sp>
-      <p:sp>
-        <p:nvSpPr>
-          <p:cNvPr id="18" name="Freeform: Shape 17">
-            <a:extLst>
-              <a:ext uri="{FF2B5EF4-FFF2-40B4-BE49-F238E27FC236}">
-                <a16:creationId xmlns:a16="http://schemas.microsoft.com/office/drawing/2014/main" id="{AB84D7E8-4ECB-42D7-ADBF-01689B0F24AE}"/>
-              </a:ext>
-              <a:ext uri="{C183D7F6-B498-43B3-948B-1728B52AA6E4}">
-                <adec:decorative xmlns:adec="http://schemas.microsoft.com/office/drawing/2017/decorative" xmlns="" val="1"/>
-              </a:ext>
-            </a:extLst>
-          </p:cNvPr>
-          <p:cNvSpPr>
-            <a:spLocks noGrp="1" noRot="1" noChangeAspect="1" noMove="1" noResize="1" noEditPoints="1" noAdjustHandles="1" noChangeArrowheads="1" noChangeShapeType="1" noTextEdit="1"/>
-          </p:cNvSpPr>
-          <p:nvPr>
-            <p:extLst>
-              <p:ext uri="{386F3935-93C4-4BCD-93E2-E3B085C9AB24}">
-                <p16:designElem xmlns:p16="http://schemas.microsoft.com/office/powerpoint/2015/main" val="1"/>
-              </p:ext>
-            </p:extLst>
-          </p:nvPr>
-        </p:nvSpPr>
-        <p:spPr>
-          <a:xfrm>
-            <a:off x="6492113" y="0"/>
-            <a:ext cx="5699887" cy="4059244"/>
-          </a:xfrm>
-          <a:custGeom>
-            <a:avLst/>
-            <a:gdLst>
-              <a:gd name="connsiteX0" fmla="*/ 0 w 5699887"/>
-              <a:gd name="connsiteY0" fmla="*/ 0 h 4059244"/>
-              <a:gd name="connsiteX1" fmla="*/ 5699887 w 5699887"/>
-              <a:gd name="connsiteY1" fmla="*/ 0 h 4059244"/>
-              <a:gd name="connsiteX2" fmla="*/ 5699887 w 5699887"/>
-              <a:gd name="connsiteY2" fmla="*/ 3944096 h 4059244"/>
-              <a:gd name="connsiteX3" fmla="*/ 5525775 w 5699887"/>
-              <a:gd name="connsiteY3" fmla="*/ 3980429 h 4059244"/>
-              <a:gd name="connsiteX4" fmla="*/ 4663256 w 5699887"/>
-              <a:gd name="connsiteY4" fmla="*/ 4059244 h 4059244"/>
-              <a:gd name="connsiteX5" fmla="*/ 8566 w 5699887"/>
-              <a:gd name="connsiteY5" fmla="*/ 67422 h 4059244"/>
-            </a:gdLst>
-            <a:ahLst/>
-            <a:cxnLst>
-              <a:cxn ang="0">
-                <a:pos x="connsiteX0" y="connsiteY0"/>
-              </a:cxn>
-              <a:cxn ang="0">
-                <a:pos x="connsiteX1" y="connsiteY1"/>
-              </a:cxn>
-              <a:cxn ang="0">
-                <a:pos x="connsiteX2" y="connsiteY2"/>
-              </a:cxn>
-              <a:cxn ang="0">
-                <a:pos x="connsiteX3" y="connsiteY3"/>
-              </a:cxn>
-              <a:cxn ang="0">
-                <a:pos x="connsiteX4" y="connsiteY4"/>
-              </a:cxn>
-              <a:cxn ang="0">
-                <a:pos x="connsiteX5" y="connsiteY5"/>
-              </a:cxn>
-            </a:cxnLst>
-            <a:rect l="l" t="t" r="r" b="b"/>
-            <a:pathLst>
-              <a:path w="5699887" h="4059244">
-                <a:moveTo>
-                  <a:pt x="0" y="0"/>
-                </a:moveTo>
-                <a:lnTo>
-                  <a:pt x="5699887" y="0"/>
-                </a:lnTo>
-                <a:lnTo>
-                  <a:pt x="5699887" y="3944096"/>
-                </a:lnTo>
-                <a:lnTo>
-                  <a:pt x="5525775" y="3980429"/>
-                </a:lnTo>
-                <a:cubicBezTo>
-                  <a:pt x="5246154" y="4032190"/>
-                  <a:pt x="4957865" y="4059244"/>
-                  <a:pt x="4663256" y="4059244"/>
-                </a:cubicBezTo>
-                <a:cubicBezTo>
-                  <a:pt x="2306390" y="4059244"/>
-                  <a:pt x="353936" y="2327747"/>
-                  <a:pt x="8566" y="67422"/>
-                </a:cubicBezTo>
-                <a:close/>
-              </a:path>
-            </a:pathLst>
-          </a:custGeom>
-          <a:solidFill>
-            <a:srgbClr val="595959"/>
-          </a:solidFill>
-          <a:ln>
-            <a:noFill/>
-          </a:ln>
-        </p:spPr>
-        <p:style>
-          <a:lnRef idx="2">
-            <a:schemeClr val="accent1">
-              <a:shade val="50000"/>
-            </a:schemeClr>
-          </a:lnRef>
-          <a:fillRef idx="1">
-            <a:schemeClr val="accent1"/>
-          </a:fillRef>
-          <a:effectRef idx="0">
-            <a:schemeClr val="accent1"/>
-          </a:effectRef>
-          <a:fontRef idx="minor">
-            <a:schemeClr val="lt1"/>
-          </a:fontRef>
-        </p:style>
-        <p:txBody>
-          <a:bodyPr rtlCol="0" anchor="ctr"/>
-          <a:lstStyle/>
-          <a:p>
-            <a:pPr marL="0" marR="0" lvl="0" indent="0" algn="ctr" defTabSz="914400" rtl="0" eaLnBrk="1" fontAlgn="auto" latinLnBrk="0" hangingPunct="1">
-              <a:lnSpc>
-                <a:spcPct val="100000"/>
-              </a:lnSpc>
-              <a:spcBef>
-                <a:spcPts val="0"/>
-              </a:spcBef>
-              <a:spcAft>
-                <a:spcPts val="0"/>
-              </a:spcAft>
-              <a:buClrTx/>
-              <a:buSzTx/>
-              <a:buFontTx/>
-              <a:buNone/>
-              <a:tabLst/>
-              <a:defRPr/>
-            </a:pPr>
-            <a:endParaRPr kumimoji="0" lang="en-US" sz="1800" b="0" i="0" u="none" strike="noStrike" kern="1200" cap="none" spc="0" normalizeH="0" baseline="0" noProof="0">
-              <a:ln>
-                <a:noFill/>
-              </a:ln>
-              <a:solidFill>
-                <a:prstClr val="white"/>
-              </a:solidFill>
-              <a:effectLst/>
-              <a:uLnTx/>
-              <a:uFillTx/>
-              <a:latin typeface="Calibri" panose="020F0502020204030204"/>
-              <a:ea typeface="+mn-ea"/>
-              <a:cs typeface="+mn-cs"/>
-            </a:endParaRPr>
-          </a:p>
-        </p:txBody>
-      </p:sp>
-      <p:cxnSp>
-        <p:nvCxnSpPr>
-          <p:cNvPr id="20" name="Straight Connector 19">
-            <a:extLst>
-              <a:ext uri="{FF2B5EF4-FFF2-40B4-BE49-F238E27FC236}">
-                <a16:creationId xmlns:a16="http://schemas.microsoft.com/office/drawing/2014/main" id="{9E8E38ED-369A-44C2-B635-0BED0E48A6E8}"/>
-              </a:ext>
-              <a:ext uri="{C183D7F6-B498-43B3-948B-1728B52AA6E4}">
-                <adec:decorative xmlns:adec="http://schemas.microsoft.com/office/drawing/2017/decorative" xmlns="" val="1"/>
-              </a:ext>
-            </a:extLst>
-          </p:cNvPr>
-          <p:cNvCxnSpPr>
-            <a:cxnSpLocks noGrp="1" noRot="1" noChangeAspect="1" noMove="1" noResize="1" noEditPoints="1" noAdjustHandles="1" noChangeArrowheads="1" noChangeShapeType="1"/>
-          </p:cNvCxnSpPr>
-          <p:nvPr>
-            <p:extLst>
-              <p:ext uri="{386F3935-93C4-4BCD-93E2-E3B085C9AB24}">
-                <p16:designElem xmlns:p16="http://schemas.microsoft.com/office/powerpoint/2015/main" val="1"/>
-              </p:ext>
-            </p:extLst>
-          </p:nvPr>
-        </p:nvCxnSpPr>
-        <p:spPr>
-          <a:xfrm>
-            <a:off x="7800392" y="4525347"/>
-            <a:ext cx="0" cy="1737360"/>
-          </a:xfrm>
-          <a:prstGeom prst="line">
-            <a:avLst/>
-          </a:prstGeom>
-          <a:ln w="19050" cap="sq">
-            <a:solidFill>
-              <a:schemeClr val="tx1"/>
-            </a:solidFill>
-          </a:ln>
-        </p:spPr>
-        <p:style>
-          <a:lnRef idx="1">
-            <a:schemeClr val="accent1"/>
-          </a:lnRef>
-          <a:fillRef idx="0">
-            <a:schemeClr val="accent1"/>
-          </a:fillRef>
-          <a:effectRef idx="0">
-            <a:schemeClr val="accent1"/>
-          </a:effectRef>
-          <a:fontRef idx="minor">
-            <a:schemeClr val="tx1"/>
-          </a:fontRef>
-        </p:style>
-      </p:cxnSp>
+            <a:r>
+              <a:rPr lang="en-US" sz="3600" dirty="0">
+                <a:hlinkClick r:id="rId2"/>
+              </a:rPr>
+              <a:t>https://here.ist256.syr.edu</a:t>
+            </a:r>
+            <a:endParaRPr lang="en-US" sz="3600" dirty="0"/>
+          </a:p>
+          <a:p>
+            <a:r>
+              <a:rPr lang="en-US" sz="3600" dirty="0"/>
+              <a:t>A Pin Code appears on title slide</a:t>
+            </a:r>
+          </a:p>
+          <a:p>
+            <a:r>
+              <a:rPr lang="en-US" sz="3600" dirty="0"/>
+              <a:t>Try to get to class a few minutes early!</a:t>
+            </a:r>
+          </a:p>
+          <a:p>
+            <a:r>
+              <a:rPr lang="en-US" sz="3600" dirty="0"/>
+              <a:t>After 5 minutes you are late. </a:t>
+            </a:r>
+            <a:br>
+              <a:rPr lang="en-US" sz="3600" dirty="0"/>
+            </a:br>
+            <a:r>
+              <a:rPr lang="en-US" sz="3600" dirty="0"/>
+              <a:t>After 15 minutes you are absent.</a:t>
+            </a:r>
+          </a:p>
+        </p:txBody>
+      </p:sp>
     </p:spTree>
     <p:extLst>
       <p:ext uri="{BB962C8B-B14F-4D97-AF65-F5344CB8AC3E}">
-        <p14:creationId xmlns:p14="http://schemas.microsoft.com/office/powerpoint/2010/main" val="1794911317"/>
+        <p14:creationId xmlns:p14="http://schemas.microsoft.com/office/powerpoint/2010/main" val="2495906642"/>
       </p:ext>
     </p:extLst>
   </p:cSld>
   <p:clrMapOvr>
     <a:masterClrMapping/>
   </p:clrMapOvr>
-  <p:timing>
-    <p:tnLst>
-      <p:par>
-        <p:cTn id="1" dur="indefinite" restart="never" nodeType="tmRoot"/>
-      </p:par>
-    </p:tnLst>
-  </p:timing>
 </p:sld>
 </file>
 
-<file path=ppt/slides/slide30.xml><?xml version="1.0" encoding="utf-8"?>
+<file path=ppt/slides/slide25.xml><?xml version="1.0" encoding="utf-8"?>
+<p:sld xmlns:a="http://schemas.openxmlformats.org/drawingml/2006/main" xmlns:r="http://schemas.openxmlformats.org/officeDocument/2006/relationships" xmlns:p="http://schemas.openxmlformats.org/presentationml/2006/main">
+  <p:cSld>
+    <p:spTree>
+      <p:nvGrpSpPr>
+        <p:cNvPr id="1" name=""/>
+        <p:cNvGrpSpPr/>
+        <p:nvPr/>
+      </p:nvGrpSpPr>
+      <p:grpSpPr>
+        <a:xfrm>
+          <a:off x="0" y="0"/>
+          <a:ext cx="0" cy="0"/>
+          <a:chOff x="0" y="0"/>
+          <a:chExt cx="0" cy="0"/>
+        </a:xfrm>
+      </p:grpSpPr>
+      <p:sp>
+        <p:nvSpPr>
+          <p:cNvPr id="2" name="Title 1"/>
+          <p:cNvSpPr>
+            <a:spLocks noGrp="1"/>
+          </p:cNvSpPr>
+          <p:nvPr>
+            <p:ph type="title"/>
+          </p:nvPr>
+        </p:nvSpPr>
+        <p:spPr/>
+        <p:txBody>
+          <a:bodyPr/>
+          <a:lstStyle/>
+          <a:p>
+            <a:r>
+              <a:rPr lang="en-US" sz="5400" dirty="0">
+                <a:solidFill>
+                  <a:schemeClr val="accent2"/>
+                </a:solidFill>
+              </a:rPr>
+              <a:t>Example: Attendance</a:t>
+            </a:r>
+            <a:endParaRPr lang="en-US" dirty="0">
+              <a:solidFill>
+                <a:schemeClr val="accent2"/>
+              </a:solidFill>
+            </a:endParaRPr>
+          </a:p>
+        </p:txBody>
+      </p:sp>
+      <p:sp>
+        <p:nvSpPr>
+          <p:cNvPr id="3" name="Content Placeholder 2"/>
+          <p:cNvSpPr>
+            <a:spLocks noGrp="1"/>
+          </p:cNvSpPr>
+          <p:nvPr>
+            <p:ph idx="1"/>
+          </p:nvPr>
+        </p:nvSpPr>
+        <p:spPr>
+          <a:xfrm>
+            <a:off x="838200" y="1825625"/>
+            <a:ext cx="10515600" cy="3770842"/>
+          </a:xfrm>
+        </p:spPr>
+        <p:txBody>
+          <a:bodyPr>
+            <a:normAutofit/>
+          </a:bodyPr>
+          <a:lstStyle/>
+          <a:p>
+            <a:r>
+              <a:rPr lang="en-US" sz="4000" dirty="0">
+                <a:latin typeface="Consolas" panose="020B0609020204030204" pitchFamily="49" charset="0"/>
+              </a:rPr>
+              <a:t>https://here.ist256.syr.edu </a:t>
+            </a:r>
+          </a:p>
+          <a:p>
+            <a:r>
+              <a:rPr lang="en-US" sz="4000" dirty="0">
+                <a:latin typeface="Consolas" panose="020B0609020204030204" pitchFamily="49" charset="0"/>
+              </a:rPr>
+              <a:t>Code: 201908</a:t>
+            </a:r>
+          </a:p>
+          <a:p>
+            <a:endParaRPr lang="en-US" sz="4000" dirty="0">
+              <a:latin typeface="Consolas" panose="020B0609020204030204" pitchFamily="49" charset="0"/>
+            </a:endParaRPr>
+          </a:p>
+          <a:p>
+            <a:endParaRPr lang="en-US" sz="4000" dirty="0">
+              <a:latin typeface="Consolas" panose="020B0609020204030204" pitchFamily="49" charset="0"/>
+            </a:endParaRPr>
+          </a:p>
+          <a:p>
+            <a:r>
+              <a:rPr lang="en-US" sz="4000" dirty="0"/>
+              <a:t>NOTE: Code changes every week!</a:t>
+            </a:r>
+          </a:p>
+        </p:txBody>
+      </p:sp>
+    </p:spTree>
+    <p:extLst>
+      <p:ext uri="{BB962C8B-B14F-4D97-AF65-F5344CB8AC3E}">
+        <p14:creationId xmlns:p14="http://schemas.microsoft.com/office/powerpoint/2010/main" val="1991760996"/>
+      </p:ext>
+    </p:extLst>
+  </p:cSld>
+  <p:clrMapOvr>
+    <a:masterClrMapping/>
+  </p:clrMapOvr>
+</p:sld>
+</file>
+
+<file path=ppt/slides/slide26.xml><?xml version="1.0" encoding="utf-8"?>
 <p:sld xmlns:a="http://schemas.openxmlformats.org/drawingml/2006/main" xmlns:r="http://schemas.openxmlformats.org/officeDocument/2006/relationships" xmlns:p="http://schemas.openxmlformats.org/presentationml/2006/main">
   <p:cSld>
     <p:spTree>
@@ -12581,17 +11215,10 @@
   <p:clrMapOvr>
     <a:masterClrMapping/>
   </p:clrMapOvr>
-  <p:timing>
-    <p:tnLst>
-      <p:par>
-        <p:cTn id="1" dur="indefinite" restart="never" nodeType="tmRoot"/>
-      </p:par>
-    </p:tnLst>
-  </p:timing>
 </p:sld>
 </file>
 
-<file path=ppt/slides/slide31.xml><?xml version="1.0" encoding="utf-8"?>
+<file path=ppt/slides/slide27.xml><?xml version="1.0" encoding="utf-8"?>
 <p:sld xmlns:a="http://schemas.openxmlformats.org/drawingml/2006/main" xmlns:r="http://schemas.openxmlformats.org/officeDocument/2006/relationships" xmlns:p="http://schemas.openxmlformats.org/presentationml/2006/main">
   <p:cSld>
     <p:spTree>
@@ -12629,7 +11256,7 @@
                   <a:schemeClr val="accent2"/>
                 </a:solidFill>
               </a:rPr>
-              <a:t>Example </a:t>
+              <a:t>Example: </a:t>
             </a:r>
             <a:r>
               <a:rPr lang="en-US" sz="5400" dirty="0" err="1">
@@ -12751,7 +11378,7 @@
           <a:lstStyle/>
           <a:p>
             <a:r>
-              <a:rPr lang="en-US" sz="1400" smtClean="0">
+              <a:rPr lang="en-US" sz="1400">
                 <a:solidFill>
                   <a:srgbClr val="FFFFFF"/>
                 </a:solidFill>
@@ -12759,12 +11386,6 @@
               </a:rPr>
               <a:t>0</a:t>
             </a:r>
-            <a:endParaRPr lang="en-US" sz="1400">
-              <a:solidFill>
-                <a:srgbClr val="FFFFFF"/>
-              </a:solidFill>
-              <a:latin typeface="Segoe UI" panose="020B0502040204020203" pitchFamily="34" charset="0"/>
-            </a:endParaRPr>
           </a:p>
         </p:txBody>
       </p:sp>
@@ -12822,7 +11443,7 @@
           <a:p>
             <a:pPr algn="r"/>
             <a:r>
-              <a:rPr lang="en-US" sz="900" smtClean="0">
+              <a:rPr lang="en-US" sz="900">
                 <a:solidFill>
                   <a:srgbClr val="FF0000"/>
                 </a:solidFill>
@@ -12830,12 +11451,6 @@
               </a:rPr>
               <a:t>vote at ist256.participoll.com</a:t>
             </a:r>
-            <a:endParaRPr lang="en-US" sz="900">
-              <a:solidFill>
-                <a:srgbClr val="FF0000"/>
-              </a:solidFill>
-              <a:latin typeface="Segoe UI" panose="020B0502040204020203" pitchFamily="34" charset="0"/>
-            </a:endParaRPr>
           </a:p>
         </p:txBody>
       </p:sp>
@@ -13216,7 +11831,7 @@
     </p:spTree>
     <p:extLst>
       <p:ext uri="{BB962C8B-B14F-4D97-AF65-F5344CB8AC3E}">
-        <p14:creationId xmlns:p14="http://schemas.microsoft.com/office/powerpoint/2010/main" val="1991760996"/>
+        <p14:creationId xmlns:p14="http://schemas.microsoft.com/office/powerpoint/2010/main" val="4174226471"/>
       </p:ext>
     </p:extLst>
   </p:cSld>
@@ -13312,7 +11927,7 @@
 </p:sld>
 </file>
 
-<file path=ppt/slides/slide32.xml><?xml version="1.0" encoding="utf-8"?>
+<file path=ppt/slides/slide28.xml><?xml version="1.0" encoding="utf-8"?>
 <p:sld xmlns:a="http://schemas.openxmlformats.org/drawingml/2006/main" xmlns:r="http://schemas.openxmlformats.org/officeDocument/2006/relationships" xmlns:p="http://schemas.openxmlformats.org/presentationml/2006/main">
   <p:cSld>
     <p:spTree>
@@ -13375,32 +11990,57 @@
         </p:spPr>
         <p:txBody>
           <a:bodyPr>
-            <a:normAutofit/>
+            <a:normAutofit lnSpcReduction="10000"/>
           </a:bodyPr>
           <a:lstStyle/>
           <a:p>
             <a:r>
               <a:rPr lang="en-US" sz="3600" dirty="0"/>
-              <a:t>Ask Questions in Class, a Moderator brings them up during lecture</a:t>
-            </a:r>
-          </a:p>
-          <a:p>
+              <a:t>Microsoft Teams </a:t>
+            </a:r>
+            <a:r>
+              <a:rPr lang="en-US" sz="3600" dirty="0">
+                <a:hlinkClick r:id="rId2"/>
+              </a:rPr>
+              <a:t>https://teams.microsoft.com</a:t>
+            </a:r>
             <a:r>
               <a:rPr lang="en-US" sz="3600" dirty="0"/>
-              <a:t> Ask questions, and discuss outside of class, too. </a:t>
+              <a:t> </a:t>
             </a:r>
           </a:p>
           <a:p>
             <a:r>
               <a:rPr lang="en-US" sz="3600" dirty="0"/>
-              <a:t>Supports Web,</a:t>
-            </a:r>
-            <a:br>
+              <a:t>Ask Questions in the </a:t>
+            </a:r>
+            <a:r>
+              <a:rPr lang="en-US" sz="3600" b="1" dirty="0"/>
+              <a:t>Large Group Chat </a:t>
+            </a:r>
+            <a:r>
               <a:rPr lang="en-US" sz="3600" dirty="0"/>
-            </a:br>
+              <a:t>channel. A Moderator brings them up during lecture.</a:t>
+            </a:r>
+          </a:p>
+          <a:p>
             <a:r>
               <a:rPr lang="en-US" sz="3600" dirty="0"/>
-              <a:t>iPhone &amp; Android</a:t>
+              <a:t>Ask questions in the </a:t>
+            </a:r>
+            <a:r>
+              <a:rPr lang="en-US" sz="3600" b="1" dirty="0"/>
+              <a:t>General</a:t>
+            </a:r>
+            <a:r>
+              <a:rPr lang="en-US" sz="3600" dirty="0"/>
+              <a:t>, and discuss outside of class, too. Answer each other’s questions!</a:t>
+            </a:r>
+          </a:p>
+          <a:p>
+            <a:r>
+              <a:rPr lang="en-US" sz="3600" dirty="0"/>
+              <a:t>Supports Web, iPhone &amp; Android</a:t>
             </a:r>
           </a:p>
           <a:p>
@@ -13410,52 +12050,47 @@
       </p:sp>
       <p:pic>
         <p:nvPicPr>
-          <p:cNvPr id="10" name="Content Placeholder 9"/>
+          <p:cNvPr id="1026" name="Picture 2" descr="Image result for microsoft teams icon">
+            <a:extLst>
+              <a:ext uri="{FF2B5EF4-FFF2-40B4-BE49-F238E27FC236}">
+                <a16:creationId xmlns:a16="http://schemas.microsoft.com/office/drawing/2014/main" id="{A8AA5DB2-98E8-4796-A7A8-891F0F61264D}"/>
+              </a:ext>
+            </a:extLst>
+          </p:cNvPr>
           <p:cNvPicPr>
-            <a:picLocks noGrp="1" noChangeAspect="1"/>
+            <a:picLocks noChangeAspect="1" noChangeArrowheads="1"/>
           </p:cNvPicPr>
-          <p:nvPr>
-            <p:ph sz="half" idx="2"/>
-          </p:nvPr>
+          <p:nvPr/>
         </p:nvPicPr>
-        <p:blipFill>
-          <a:blip r:embed="rId2"/>
-          <a:stretch>
-            <a:fillRect/>
-          </a:stretch>
+        <p:blipFill rotWithShape="1">
+          <a:blip r:embed="rId3">
+            <a:extLst>
+              <a:ext uri="{28A0092B-C50C-407E-A947-70E740481C1C}">
+                <a14:useLocalDpi xmlns:a14="http://schemas.microsoft.com/office/drawing/2010/main" val="0"/>
+              </a:ext>
+            </a:extLst>
+          </a:blip>
+          <a:srcRect l="21625" r="19227"/>
+          <a:stretch/>
         </p:blipFill>
-        <p:spPr>
+        <p:spPr bwMode="auto">
           <a:xfrm>
-            <a:off x="6620608" y="3835125"/>
-            <a:ext cx="5181600" cy="2038045"/>
+            <a:off x="9898744" y="365125"/>
+            <a:ext cx="1836615" cy="1476375"/>
           </a:xfrm>
           <a:prstGeom prst="rect">
             <a:avLst/>
           </a:prstGeom>
-        </p:spPr>
-      </p:pic>
-      <p:pic>
-        <p:nvPicPr>
-          <p:cNvPr id="11" name="Picture 10"/>
-          <p:cNvPicPr>
-            <a:picLocks noChangeAspect="1"/>
-          </p:cNvPicPr>
-          <p:nvPr/>
-        </p:nvPicPr>
-        <p:blipFill>
-          <a:blip r:embed="rId3"/>
-          <a:stretch>
-            <a:fillRect/>
-          </a:stretch>
-        </p:blipFill>
-        <p:spPr>
-          <a:xfrm>
-            <a:off x="9831896" y="550160"/>
-            <a:ext cx="2229478" cy="955491"/>
-          </a:xfrm>
-          <a:prstGeom prst="rect">
-            <a:avLst/>
-          </a:prstGeom>
+          <a:noFill/>
+          <a:extLst>
+            <a:ext uri="{909E8E84-426E-40DD-AFC4-6F175D3DCCD1}">
+              <a14:hiddenFill xmlns:a14="http://schemas.microsoft.com/office/drawing/2010/main">
+                <a:solidFill>
+                  <a:srgbClr val="FFFFFF"/>
+                </a:solidFill>
+              </a14:hiddenFill>
+            </a:ext>
+          </a:extLst>
         </p:spPr>
       </p:pic>
     </p:spTree>
@@ -13468,17 +12103,10 @@
   <p:clrMapOvr>
     <a:masterClrMapping/>
   </p:clrMapOvr>
-  <p:timing>
-    <p:tnLst>
-      <p:par>
-        <p:cTn id="1" dur="indefinite" restart="never" nodeType="tmRoot"/>
-      </p:par>
-    </p:tnLst>
-  </p:timing>
 </p:sld>
 </file>
 
-<file path=ppt/slides/slide33.xml><?xml version="1.0" encoding="utf-8"?>
+<file path=ppt/slides/slide29.xml><?xml version="1.0" encoding="utf-8"?>
 <p:sld xmlns:a="http://schemas.openxmlformats.org/drawingml/2006/main" xmlns:r="http://schemas.openxmlformats.org/officeDocument/2006/relationships" xmlns:p="http://schemas.openxmlformats.org/presentationml/2006/main">
   <p:cSld>
     <p:spTree>
@@ -13497,7 +12125,7 @@
       </p:grpSpPr>
       <p:sp>
         <p:nvSpPr>
-          <p:cNvPr id="4" name="Title 3"/>
+          <p:cNvPr id="2" name="Title 1"/>
           <p:cNvSpPr>
             <a:spLocks noGrp="1"/>
           </p:cNvSpPr>
@@ -13507,9 +12135,7 @@
         </p:nvSpPr>
         <p:spPr/>
         <p:txBody>
-          <a:bodyPr>
-            <a:normAutofit/>
-          </a:bodyPr>
+          <a:bodyPr/>
           <a:lstStyle/>
           <a:p>
             <a:r>
@@ -13518,14 +12144,19 @@
                   <a:schemeClr val="accent2"/>
                 </a:solidFill>
               </a:rPr>
-              <a:t>Attendance!</a:t>
-            </a:r>
-          </a:p>
-        </p:txBody>
-      </p:sp>
-      <p:sp>
-        <p:nvSpPr>
-          <p:cNvPr id="5" name="Content Placeholder 4"/>
+              <a:t>Example: Microsoft Teams Chat</a:t>
+            </a:r>
+            <a:endParaRPr lang="en-US" dirty="0">
+              <a:solidFill>
+                <a:schemeClr val="accent2"/>
+              </a:solidFill>
+            </a:endParaRPr>
+          </a:p>
+        </p:txBody>
+      </p:sp>
+      <p:sp>
+        <p:nvSpPr>
+          <p:cNvPr id="3" name="Content Placeholder 2"/>
           <p:cNvSpPr>
             <a:spLocks noGrp="1"/>
           </p:cNvSpPr>
@@ -13536,7 +12167,7 @@
         <p:spPr>
           <a:xfrm>
             <a:off x="838200" y="1825625"/>
-            <a:ext cx="10515600" cy="4821360"/>
+            <a:ext cx="10515600" cy="3770842"/>
           </a:xfrm>
         </p:spPr>
         <p:txBody>
@@ -13546,109 +12177,1319 @@
           <a:lstStyle/>
           <a:p>
             <a:r>
-              <a:rPr lang="en-US" sz="3200" dirty="0"/>
-              <a:t>Each Lecture you will be required to sign-in with your SU Google Account.</a:t>
-            </a:r>
-          </a:p>
-          <a:p>
-            <a:r>
-              <a:rPr lang="en-US" sz="3200" dirty="0"/>
-              <a:t>Create your SU Google account here: </a:t>
-            </a:r>
-            <a:r>
-              <a:rPr lang="en-US" sz="3200" dirty="0">
+              <a:rPr lang="en-US" sz="4000" dirty="0">
+                <a:latin typeface="Consolas" panose="020B0609020204030204" pitchFamily="49" charset="0"/>
                 <a:hlinkClick r:id="rId2"/>
               </a:rPr>
-              <a:t>https://g.syr.edu</a:t>
-            </a:r>
-            <a:r>
-              <a:rPr lang="en-US" sz="3200" dirty="0"/>
+              <a:t>https://teams.Microsoft.com</a:t>
+            </a:r>
+            <a:r>
+              <a:rPr lang="en-US" sz="4000" dirty="0">
+                <a:latin typeface="Consolas" panose="020B0609020204030204" pitchFamily="49" charset="0"/>
+              </a:rPr>
               <a:t> </a:t>
             </a:r>
           </a:p>
           <a:p>
             <a:r>
-              <a:rPr lang="en-US" sz="3200" dirty="0"/>
-              <a:t>A Pin Code appears on title slide</a:t>
-            </a:r>
-          </a:p>
-          <a:p>
-            <a:r>
-              <a:rPr lang="en-US" sz="3200" dirty="0"/>
-              <a:t>The link to form where you enter the pin code appears in gitter.im</a:t>
-            </a:r>
-          </a:p>
-          <a:p>
-            <a:r>
-              <a:rPr lang="en-US" sz="3200" dirty="0"/>
-              <a:t>This way you’re ready to start class!</a:t>
-            </a:r>
-          </a:p>
-          <a:p>
-            <a:r>
-              <a:rPr lang="en-US" sz="3200" dirty="0"/>
-              <a:t>Try to get to class a few minutes early!</a:t>
-            </a:r>
-          </a:p>
-          <a:p>
-            <a:r>
-              <a:rPr lang="en-US" sz="3200" dirty="0"/>
-              <a:t>After 5 minutes you are late. After 15 minutes you are absent.</a:t>
-            </a:r>
-          </a:p>
-        </p:txBody>
-      </p:sp>
-      <p:pic>
-        <p:nvPicPr>
-          <p:cNvPr id="2" name="Picture 1">
+              <a:rPr lang="en-US" sz="4000" dirty="0"/>
+              <a:t>Sign-in with your SU Email address and </a:t>
+            </a:r>
+            <a:r>
+              <a:rPr lang="en-US" sz="4000" dirty="0" err="1"/>
+              <a:t>NetId</a:t>
+            </a:r>
+            <a:r>
+              <a:rPr lang="en-US" sz="4000" dirty="0"/>
+              <a:t> Password</a:t>
+            </a:r>
+          </a:p>
+          <a:p>
+            <a:r>
+              <a:rPr lang="en-US" sz="4000" dirty="0"/>
+              <a:t>Click </a:t>
+            </a:r>
+            <a:r>
+              <a:rPr lang="en-US" sz="4000" b="1" dirty="0"/>
+              <a:t>Create And Join Team </a:t>
+            </a:r>
+            <a:r>
+              <a:rPr lang="en-US" sz="4000" b="1" dirty="0">
+                <a:sym typeface="Wingdings" panose="05000000000000000000" pitchFamily="2" charset="2"/>
+              </a:rPr>
+              <a:t> With a Code</a:t>
+            </a:r>
+          </a:p>
+          <a:p>
+            <a:r>
+              <a:rPr lang="en-US" sz="4000" dirty="0">
+                <a:latin typeface="Consolas" panose="020B0609020204030204" pitchFamily="49" charset="0"/>
+                <a:sym typeface="Wingdings" panose="05000000000000000000" pitchFamily="2" charset="2"/>
+              </a:rPr>
+              <a:t>Code: </a:t>
+            </a:r>
+            <a:r>
+              <a:rPr lang="en-US" sz="4000" b="1" dirty="0" err="1">
+                <a:latin typeface="Consolas" panose="020B0609020204030204" pitchFamily="49" charset="0"/>
+                <a:sym typeface="Wingdings" panose="05000000000000000000" pitchFamily="2" charset="2"/>
+              </a:rPr>
+              <a:t>uwmpyld</a:t>
+            </a:r>
+            <a:endParaRPr lang="en-US" sz="4000" b="1" dirty="0">
+              <a:latin typeface="Consolas" panose="020B0609020204030204" pitchFamily="49" charset="0"/>
+              <a:sym typeface="Wingdings" panose="05000000000000000000" pitchFamily="2" charset="2"/>
+            </a:endParaRPr>
+          </a:p>
+          <a:p>
+            <a:r>
+              <a:rPr lang="en-US" sz="4000" dirty="0">
+                <a:sym typeface="Wingdings" panose="05000000000000000000" pitchFamily="2" charset="2"/>
+              </a:rPr>
+              <a:t>Post to</a:t>
+            </a:r>
+            <a:r>
+              <a:rPr lang="en-US" sz="4000" b="1" dirty="0">
+                <a:sym typeface="Wingdings" panose="05000000000000000000" pitchFamily="2" charset="2"/>
+              </a:rPr>
+              <a:t> Large Group Chat</a:t>
+            </a:r>
+            <a:endParaRPr lang="en-US" sz="4000" dirty="0"/>
+          </a:p>
+        </p:txBody>
+      </p:sp>
+      <p:sp>
+        <p:nvSpPr>
+          <p:cNvPr id="4" name="Rectangle 1">
             <a:extLst>
               <a:ext uri="{FF2B5EF4-FFF2-40B4-BE49-F238E27FC236}">
-                <a16:creationId xmlns:a16="http://schemas.microsoft.com/office/drawing/2014/main" id="{6DE1313A-C7B0-4C63-8AFA-35F34D4339F4}"/>
+                <a16:creationId xmlns:a16="http://schemas.microsoft.com/office/drawing/2014/main" id="{FB6F6B9D-55AF-4674-BA1D-607D7E3FAB76}"/>
               </a:ext>
             </a:extLst>
           </p:cNvPr>
-          <p:cNvPicPr>
-            <a:picLocks noChangeAspect="1"/>
-          </p:cNvPicPr>
+          <p:cNvSpPr>
+            <a:spLocks noChangeArrowheads="1"/>
+          </p:cNvSpPr>
           <p:nvPr/>
-        </p:nvPicPr>
-        <p:blipFill>
-          <a:blip r:embed="rId3"/>
-          <a:stretch>
-            <a:fillRect/>
-          </a:stretch>
-        </p:blipFill>
-        <p:spPr>
+        </p:nvSpPr>
+        <p:spPr bwMode="auto">
           <a:xfrm>
-            <a:off x="9029375" y="629719"/>
-            <a:ext cx="2816293" cy="657905"/>
+            <a:off x="0" y="0"/>
+            <a:ext cx="12192000" cy="0"/>
           </a:xfrm>
           <a:prstGeom prst="rect">
             <a:avLst/>
           </a:prstGeom>
+          <a:solidFill>
+            <a:srgbClr val="FFFFFF"/>
+          </a:solidFill>
+          <a:ln>
+            <a:noFill/>
+          </a:ln>
+          <a:effectLst/>
+          <a:extLst>
+            <a:ext uri="{91240B29-F687-4F45-9708-019B960494DF}">
+              <a14:hiddenLine xmlns:a14="http://schemas.microsoft.com/office/drawing/2010/main" w="9525">
+                <a:solidFill>
+                  <a:schemeClr val="tx1"/>
+                </a:solidFill>
+                <a:miter lim="800000"/>
+                <a:headEnd/>
+                <a:tailEnd/>
+              </a14:hiddenLine>
+            </a:ext>
+            <a:ext uri="{AF507438-7753-43E0-B8FC-AC1667EBCBE1}">
+              <a14:hiddenEffects xmlns:a14="http://schemas.microsoft.com/office/drawing/2010/main">
+                <a:effectLst>
+                  <a:outerShdw dist="35921" dir="2700000" algn="ctr" rotWithShape="0">
+                    <a:schemeClr val="bg2"/>
+                  </a:outerShdw>
+                </a:effectLst>
+              </a14:hiddenEffects>
+            </a:ext>
+          </a:extLst>
         </p:spPr>
-      </p:pic>
+        <p:txBody>
+          <a:bodyPr vert="horz" wrap="none" lIns="91440" tIns="45720" rIns="91440" bIns="45720" numCol="1" anchor="ctr" anchorCtr="0" compatLnSpc="1">
+            <a:prstTxWarp prst="textNoShape">
+              <a:avLst/>
+            </a:prstTxWarp>
+            <a:spAutoFit/>
+          </a:bodyPr>
+          <a:lstStyle>
+            <a:lvl1pPr eaLnBrk="0" fontAlgn="base" hangingPunct="0">
+              <a:spcBef>
+                <a:spcPct val="0"/>
+              </a:spcBef>
+              <a:spcAft>
+                <a:spcPct val="0"/>
+              </a:spcAft>
+              <a:defRPr>
+                <a:solidFill>
+                  <a:schemeClr val="tx1"/>
+                </a:solidFill>
+                <a:latin typeface="Arial" panose="020B0604020202020204" pitchFamily="34" charset="0"/>
+              </a:defRPr>
+            </a:lvl1pPr>
+            <a:lvl2pPr eaLnBrk="0" fontAlgn="base" hangingPunct="0">
+              <a:spcBef>
+                <a:spcPct val="0"/>
+              </a:spcBef>
+              <a:spcAft>
+                <a:spcPct val="0"/>
+              </a:spcAft>
+              <a:defRPr>
+                <a:solidFill>
+                  <a:schemeClr val="tx1"/>
+                </a:solidFill>
+                <a:latin typeface="Arial" panose="020B0604020202020204" pitchFamily="34" charset="0"/>
+              </a:defRPr>
+            </a:lvl2pPr>
+            <a:lvl3pPr eaLnBrk="0" fontAlgn="base" hangingPunct="0">
+              <a:spcBef>
+                <a:spcPct val="0"/>
+              </a:spcBef>
+              <a:spcAft>
+                <a:spcPct val="0"/>
+              </a:spcAft>
+              <a:defRPr>
+                <a:solidFill>
+                  <a:schemeClr val="tx1"/>
+                </a:solidFill>
+                <a:latin typeface="Arial" panose="020B0604020202020204" pitchFamily="34" charset="0"/>
+              </a:defRPr>
+            </a:lvl3pPr>
+            <a:lvl4pPr eaLnBrk="0" fontAlgn="base" hangingPunct="0">
+              <a:spcBef>
+                <a:spcPct val="0"/>
+              </a:spcBef>
+              <a:spcAft>
+                <a:spcPct val="0"/>
+              </a:spcAft>
+              <a:defRPr>
+                <a:solidFill>
+                  <a:schemeClr val="tx1"/>
+                </a:solidFill>
+                <a:latin typeface="Arial" panose="020B0604020202020204" pitchFamily="34" charset="0"/>
+              </a:defRPr>
+            </a:lvl4pPr>
+            <a:lvl5pPr eaLnBrk="0" fontAlgn="base" hangingPunct="0">
+              <a:spcBef>
+                <a:spcPct val="0"/>
+              </a:spcBef>
+              <a:spcAft>
+                <a:spcPct val="0"/>
+              </a:spcAft>
+              <a:defRPr>
+                <a:solidFill>
+                  <a:schemeClr val="tx1"/>
+                </a:solidFill>
+                <a:latin typeface="Arial" panose="020B0604020202020204" pitchFamily="34" charset="0"/>
+              </a:defRPr>
+            </a:lvl5pPr>
+            <a:lvl6pPr eaLnBrk="0" fontAlgn="base" hangingPunct="0">
+              <a:spcBef>
+                <a:spcPct val="0"/>
+              </a:spcBef>
+              <a:spcAft>
+                <a:spcPct val="0"/>
+              </a:spcAft>
+              <a:defRPr>
+                <a:solidFill>
+                  <a:schemeClr val="tx1"/>
+                </a:solidFill>
+                <a:latin typeface="Arial" panose="020B0604020202020204" pitchFamily="34" charset="0"/>
+              </a:defRPr>
+            </a:lvl6pPr>
+            <a:lvl7pPr eaLnBrk="0" fontAlgn="base" hangingPunct="0">
+              <a:spcBef>
+                <a:spcPct val="0"/>
+              </a:spcBef>
+              <a:spcAft>
+                <a:spcPct val="0"/>
+              </a:spcAft>
+              <a:defRPr>
+                <a:solidFill>
+                  <a:schemeClr val="tx1"/>
+                </a:solidFill>
+                <a:latin typeface="Arial" panose="020B0604020202020204" pitchFamily="34" charset="0"/>
+              </a:defRPr>
+            </a:lvl7pPr>
+            <a:lvl8pPr eaLnBrk="0" fontAlgn="base" hangingPunct="0">
+              <a:spcBef>
+                <a:spcPct val="0"/>
+              </a:spcBef>
+              <a:spcAft>
+                <a:spcPct val="0"/>
+              </a:spcAft>
+              <a:defRPr>
+                <a:solidFill>
+                  <a:schemeClr val="tx1"/>
+                </a:solidFill>
+                <a:latin typeface="Arial" panose="020B0604020202020204" pitchFamily="34" charset="0"/>
+              </a:defRPr>
+            </a:lvl8pPr>
+            <a:lvl9pPr eaLnBrk="0" fontAlgn="base" hangingPunct="0">
+              <a:spcBef>
+                <a:spcPct val="0"/>
+              </a:spcBef>
+              <a:spcAft>
+                <a:spcPct val="0"/>
+              </a:spcAft>
+              <a:defRPr>
+                <a:solidFill>
+                  <a:schemeClr val="tx1"/>
+                </a:solidFill>
+                <a:latin typeface="Arial" panose="020B0604020202020204" pitchFamily="34" charset="0"/>
+              </a:defRPr>
+            </a:lvl9pPr>
+          </a:lstStyle>
+          <a:p>
+            <a:pPr marL="0" marR="0" lvl="0" indent="0" algn="l" defTabSz="914400" rtl="0" eaLnBrk="0" fontAlgn="ctr" latinLnBrk="0" hangingPunct="0">
+              <a:lnSpc>
+                <a:spcPct val="100000"/>
+              </a:lnSpc>
+              <a:spcBef>
+                <a:spcPct val="0"/>
+              </a:spcBef>
+              <a:spcAft>
+                <a:spcPct val="0"/>
+              </a:spcAft>
+              <a:buClrTx/>
+              <a:buSzTx/>
+              <a:buFontTx/>
+              <a:buNone/>
+              <a:tabLst/>
+            </a:pPr>
+            <a:r>
+              <a:rPr kumimoji="0" lang="en-US" altLang="en-US" sz="1000" b="1" i="0" u="none" strike="noStrike" cap="none" normalizeH="0" baseline="0">
+                <a:ln>
+                  <a:noFill/>
+                </a:ln>
+                <a:solidFill>
+                  <a:srgbClr val="252423"/>
+                </a:solidFill>
+                <a:effectLst/>
+                <a:latin typeface="Segoe UI" panose="020B0502040204020203" pitchFamily="34" charset="0"/>
+                <a:cs typeface="Segoe UI" panose="020B0502040204020203" pitchFamily="34" charset="0"/>
+              </a:rPr>
+              <a:t>uwmpyld</a:t>
+            </a:r>
+            <a:endParaRPr kumimoji="0" lang="en-US" altLang="en-US" sz="800" b="0" i="0" u="none" strike="noStrike" cap="none" normalizeH="0" baseline="0">
+              <a:ln>
+                <a:noFill/>
+              </a:ln>
+              <a:solidFill>
+                <a:schemeClr val="tx1"/>
+              </a:solidFill>
+              <a:effectLst/>
+            </a:endParaRPr>
+          </a:p>
+          <a:p>
+            <a:pPr marL="0" marR="0" lvl="0" indent="0" algn="l" defTabSz="914400" rtl="0" eaLnBrk="0" fontAlgn="base" latinLnBrk="0" hangingPunct="0">
+              <a:lnSpc>
+                <a:spcPct val="100000"/>
+              </a:lnSpc>
+              <a:spcBef>
+                <a:spcPct val="0"/>
+              </a:spcBef>
+              <a:spcAft>
+                <a:spcPct val="0"/>
+              </a:spcAft>
+              <a:buClrTx/>
+              <a:buSzTx/>
+              <a:buFontTx/>
+              <a:buNone/>
+              <a:tabLst/>
+            </a:pPr>
+            <a:br>
+              <a:rPr kumimoji="0" lang="en-US" altLang="en-US" sz="1800" b="0" i="0" u="none" strike="noStrike" cap="none" normalizeH="0" baseline="0">
+                <a:ln>
+                  <a:noFill/>
+                </a:ln>
+                <a:solidFill>
+                  <a:schemeClr val="tx1"/>
+                </a:solidFill>
+                <a:effectLst/>
+                <a:latin typeface="Arial" panose="020B0604020202020204" pitchFamily="34" charset="0"/>
+              </a:rPr>
+            </a:br>
+            <a:endParaRPr kumimoji="0" lang="en-US" altLang="en-US" sz="1800" b="0" i="0" u="none" strike="noStrike" cap="none" normalizeH="0" baseline="0">
+              <a:ln>
+                <a:noFill/>
+              </a:ln>
+              <a:solidFill>
+                <a:schemeClr val="tx1"/>
+              </a:solidFill>
+              <a:effectLst/>
+              <a:latin typeface="Arial" panose="020B0604020202020204" pitchFamily="34" charset="0"/>
+            </a:endParaRPr>
+          </a:p>
+        </p:txBody>
+      </p:sp>
+      <p:sp>
+        <p:nvSpPr>
+          <p:cNvPr id="6" name="Rectangle 3">
+            <a:extLst>
+              <a:ext uri="{FF2B5EF4-FFF2-40B4-BE49-F238E27FC236}">
+                <a16:creationId xmlns:a16="http://schemas.microsoft.com/office/drawing/2014/main" id="{511C462F-EBD5-431C-AB05-49FFBE08BED5}"/>
+              </a:ext>
+            </a:extLst>
+          </p:cNvPr>
+          <p:cNvSpPr>
+            <a:spLocks noChangeArrowheads="1"/>
+          </p:cNvSpPr>
+          <p:nvPr/>
+        </p:nvSpPr>
+        <p:spPr bwMode="auto">
+          <a:xfrm>
+            <a:off x="152400" y="152400"/>
+            <a:ext cx="12192000" cy="0"/>
+          </a:xfrm>
+          <a:prstGeom prst="rect">
+            <a:avLst/>
+          </a:prstGeom>
+          <a:solidFill>
+            <a:srgbClr val="FFFFFF"/>
+          </a:solidFill>
+          <a:ln>
+            <a:noFill/>
+          </a:ln>
+          <a:effectLst/>
+          <a:extLst>
+            <a:ext uri="{91240B29-F687-4F45-9708-019B960494DF}">
+              <a14:hiddenLine xmlns:a14="http://schemas.microsoft.com/office/drawing/2010/main" w="9525">
+                <a:solidFill>
+                  <a:schemeClr val="tx1"/>
+                </a:solidFill>
+                <a:miter lim="800000"/>
+                <a:headEnd/>
+                <a:tailEnd/>
+              </a14:hiddenLine>
+            </a:ext>
+            <a:ext uri="{AF507438-7753-43E0-B8FC-AC1667EBCBE1}">
+              <a14:hiddenEffects xmlns:a14="http://schemas.microsoft.com/office/drawing/2010/main">
+                <a:effectLst>
+                  <a:outerShdw dist="35921" dir="2700000" algn="ctr" rotWithShape="0">
+                    <a:schemeClr val="bg2"/>
+                  </a:outerShdw>
+                </a:effectLst>
+              </a14:hiddenEffects>
+            </a:ext>
+          </a:extLst>
+        </p:spPr>
+        <p:txBody>
+          <a:bodyPr vert="horz" wrap="none" lIns="91440" tIns="45720" rIns="91440" bIns="45720" numCol="1" anchor="ctr" anchorCtr="0" compatLnSpc="1">
+            <a:prstTxWarp prst="textNoShape">
+              <a:avLst/>
+            </a:prstTxWarp>
+            <a:spAutoFit/>
+          </a:bodyPr>
+          <a:lstStyle>
+            <a:lvl1pPr eaLnBrk="0" fontAlgn="base" hangingPunct="0">
+              <a:spcBef>
+                <a:spcPct val="0"/>
+              </a:spcBef>
+              <a:spcAft>
+                <a:spcPct val="0"/>
+              </a:spcAft>
+              <a:defRPr>
+                <a:solidFill>
+                  <a:schemeClr val="tx1"/>
+                </a:solidFill>
+                <a:latin typeface="Arial" panose="020B0604020202020204" pitchFamily="34" charset="0"/>
+              </a:defRPr>
+            </a:lvl1pPr>
+            <a:lvl2pPr eaLnBrk="0" fontAlgn="base" hangingPunct="0">
+              <a:spcBef>
+                <a:spcPct val="0"/>
+              </a:spcBef>
+              <a:spcAft>
+                <a:spcPct val="0"/>
+              </a:spcAft>
+              <a:defRPr>
+                <a:solidFill>
+                  <a:schemeClr val="tx1"/>
+                </a:solidFill>
+                <a:latin typeface="Arial" panose="020B0604020202020204" pitchFamily="34" charset="0"/>
+              </a:defRPr>
+            </a:lvl2pPr>
+            <a:lvl3pPr eaLnBrk="0" fontAlgn="base" hangingPunct="0">
+              <a:spcBef>
+                <a:spcPct val="0"/>
+              </a:spcBef>
+              <a:spcAft>
+                <a:spcPct val="0"/>
+              </a:spcAft>
+              <a:defRPr>
+                <a:solidFill>
+                  <a:schemeClr val="tx1"/>
+                </a:solidFill>
+                <a:latin typeface="Arial" panose="020B0604020202020204" pitchFamily="34" charset="0"/>
+              </a:defRPr>
+            </a:lvl3pPr>
+            <a:lvl4pPr eaLnBrk="0" fontAlgn="base" hangingPunct="0">
+              <a:spcBef>
+                <a:spcPct val="0"/>
+              </a:spcBef>
+              <a:spcAft>
+                <a:spcPct val="0"/>
+              </a:spcAft>
+              <a:defRPr>
+                <a:solidFill>
+                  <a:schemeClr val="tx1"/>
+                </a:solidFill>
+                <a:latin typeface="Arial" panose="020B0604020202020204" pitchFamily="34" charset="0"/>
+              </a:defRPr>
+            </a:lvl4pPr>
+            <a:lvl5pPr eaLnBrk="0" fontAlgn="base" hangingPunct="0">
+              <a:spcBef>
+                <a:spcPct val="0"/>
+              </a:spcBef>
+              <a:spcAft>
+                <a:spcPct val="0"/>
+              </a:spcAft>
+              <a:defRPr>
+                <a:solidFill>
+                  <a:schemeClr val="tx1"/>
+                </a:solidFill>
+                <a:latin typeface="Arial" panose="020B0604020202020204" pitchFamily="34" charset="0"/>
+              </a:defRPr>
+            </a:lvl5pPr>
+            <a:lvl6pPr eaLnBrk="0" fontAlgn="base" hangingPunct="0">
+              <a:spcBef>
+                <a:spcPct val="0"/>
+              </a:spcBef>
+              <a:spcAft>
+                <a:spcPct val="0"/>
+              </a:spcAft>
+              <a:defRPr>
+                <a:solidFill>
+                  <a:schemeClr val="tx1"/>
+                </a:solidFill>
+                <a:latin typeface="Arial" panose="020B0604020202020204" pitchFamily="34" charset="0"/>
+              </a:defRPr>
+            </a:lvl6pPr>
+            <a:lvl7pPr eaLnBrk="0" fontAlgn="base" hangingPunct="0">
+              <a:spcBef>
+                <a:spcPct val="0"/>
+              </a:spcBef>
+              <a:spcAft>
+                <a:spcPct val="0"/>
+              </a:spcAft>
+              <a:defRPr>
+                <a:solidFill>
+                  <a:schemeClr val="tx1"/>
+                </a:solidFill>
+                <a:latin typeface="Arial" panose="020B0604020202020204" pitchFamily="34" charset="0"/>
+              </a:defRPr>
+            </a:lvl7pPr>
+            <a:lvl8pPr eaLnBrk="0" fontAlgn="base" hangingPunct="0">
+              <a:spcBef>
+                <a:spcPct val="0"/>
+              </a:spcBef>
+              <a:spcAft>
+                <a:spcPct val="0"/>
+              </a:spcAft>
+              <a:defRPr>
+                <a:solidFill>
+                  <a:schemeClr val="tx1"/>
+                </a:solidFill>
+                <a:latin typeface="Arial" panose="020B0604020202020204" pitchFamily="34" charset="0"/>
+              </a:defRPr>
+            </a:lvl8pPr>
+            <a:lvl9pPr eaLnBrk="0" fontAlgn="base" hangingPunct="0">
+              <a:spcBef>
+                <a:spcPct val="0"/>
+              </a:spcBef>
+              <a:spcAft>
+                <a:spcPct val="0"/>
+              </a:spcAft>
+              <a:defRPr>
+                <a:solidFill>
+                  <a:schemeClr val="tx1"/>
+                </a:solidFill>
+                <a:latin typeface="Arial" panose="020B0604020202020204" pitchFamily="34" charset="0"/>
+              </a:defRPr>
+            </a:lvl9pPr>
+          </a:lstStyle>
+          <a:p>
+            <a:pPr marL="0" marR="0" lvl="0" indent="0" algn="l" defTabSz="914400" rtl="0" eaLnBrk="0" fontAlgn="ctr" latinLnBrk="0" hangingPunct="0">
+              <a:lnSpc>
+                <a:spcPct val="100000"/>
+              </a:lnSpc>
+              <a:spcBef>
+                <a:spcPct val="0"/>
+              </a:spcBef>
+              <a:spcAft>
+                <a:spcPct val="0"/>
+              </a:spcAft>
+              <a:buClrTx/>
+              <a:buSzTx/>
+              <a:buFontTx/>
+              <a:buNone/>
+              <a:tabLst/>
+            </a:pPr>
+            <a:r>
+              <a:rPr kumimoji="0" lang="en-US" altLang="en-US" sz="1000" b="1" i="0" u="none" strike="noStrike" cap="none" normalizeH="0" baseline="0">
+                <a:ln>
+                  <a:noFill/>
+                </a:ln>
+                <a:solidFill>
+                  <a:srgbClr val="252423"/>
+                </a:solidFill>
+                <a:effectLst/>
+                <a:latin typeface="Segoe UI" panose="020B0502040204020203" pitchFamily="34" charset="0"/>
+                <a:cs typeface="Segoe UI" panose="020B0502040204020203" pitchFamily="34" charset="0"/>
+              </a:rPr>
+              <a:t>uwmpyld</a:t>
+            </a:r>
+            <a:endParaRPr kumimoji="0" lang="en-US" altLang="en-US" sz="800" b="0" i="0" u="none" strike="noStrike" cap="none" normalizeH="0" baseline="0">
+              <a:ln>
+                <a:noFill/>
+              </a:ln>
+              <a:solidFill>
+                <a:schemeClr val="tx1"/>
+              </a:solidFill>
+              <a:effectLst/>
+            </a:endParaRPr>
+          </a:p>
+          <a:p>
+            <a:pPr marL="0" marR="0" lvl="0" indent="0" algn="l" defTabSz="914400" rtl="0" eaLnBrk="0" fontAlgn="base" latinLnBrk="0" hangingPunct="0">
+              <a:lnSpc>
+                <a:spcPct val="100000"/>
+              </a:lnSpc>
+              <a:spcBef>
+                <a:spcPct val="0"/>
+              </a:spcBef>
+              <a:spcAft>
+                <a:spcPct val="0"/>
+              </a:spcAft>
+              <a:buClrTx/>
+              <a:buSzTx/>
+              <a:buFontTx/>
+              <a:buNone/>
+              <a:tabLst/>
+            </a:pPr>
+            <a:br>
+              <a:rPr kumimoji="0" lang="en-US" altLang="en-US" sz="1800" b="0" i="0" u="none" strike="noStrike" cap="none" normalizeH="0" baseline="0">
+                <a:ln>
+                  <a:noFill/>
+                </a:ln>
+                <a:solidFill>
+                  <a:schemeClr val="tx1"/>
+                </a:solidFill>
+                <a:effectLst/>
+                <a:latin typeface="Arial" panose="020B0604020202020204" pitchFamily="34" charset="0"/>
+              </a:rPr>
+            </a:br>
+            <a:endParaRPr kumimoji="0" lang="en-US" altLang="en-US" sz="1800" b="0" i="0" u="none" strike="noStrike" cap="none" normalizeH="0" baseline="0">
+              <a:ln>
+                <a:noFill/>
+              </a:ln>
+              <a:solidFill>
+                <a:schemeClr val="tx1"/>
+              </a:solidFill>
+              <a:effectLst/>
+              <a:latin typeface="Arial" panose="020B0604020202020204" pitchFamily="34" charset="0"/>
+            </a:endParaRPr>
+          </a:p>
+        </p:txBody>
+      </p:sp>
     </p:spTree>
     <p:extLst>
       <p:ext uri="{BB962C8B-B14F-4D97-AF65-F5344CB8AC3E}">
-        <p14:creationId xmlns:p14="http://schemas.microsoft.com/office/powerpoint/2010/main" val="2495906642"/>
+        <p14:creationId xmlns:p14="http://schemas.microsoft.com/office/powerpoint/2010/main" val="587428140"/>
       </p:ext>
     </p:extLst>
   </p:cSld>
   <p:clrMapOvr>
     <a:masterClrMapping/>
   </p:clrMapOvr>
-  <p:timing>
-    <p:tnLst>
-      <p:par>
-        <p:cTn id="1" dur="indefinite" restart="never" nodeType="tmRoot"/>
-      </p:par>
-    </p:tnLst>
-  </p:timing>
 </p:sld>
 </file>
 
-<file path=ppt/slides/slide34.xml><?xml version="1.0" encoding="utf-8"?>
+<file path=ppt/slides/slide3.xml><?xml version="1.0" encoding="utf-8"?>
+<p:sld xmlns:a="http://schemas.openxmlformats.org/drawingml/2006/main" xmlns:r="http://schemas.openxmlformats.org/officeDocument/2006/relationships" xmlns:p="http://schemas.openxmlformats.org/presentationml/2006/main">
+  <p:cSld>
+    <p:bg>
+      <p:bgPr>
+        <a:solidFill>
+          <a:schemeClr val="bg1"/>
+        </a:solidFill>
+        <a:effectLst/>
+      </p:bgPr>
+    </p:bg>
+    <p:spTree>
+      <p:nvGrpSpPr>
+        <p:cNvPr id="1" name=""/>
+        <p:cNvGrpSpPr/>
+        <p:nvPr/>
+      </p:nvGrpSpPr>
+      <p:grpSpPr>
+        <a:xfrm>
+          <a:off x="0" y="0"/>
+          <a:ext cx="0" cy="0"/>
+          <a:chOff x="0" y="0"/>
+          <a:chExt cx="0" cy="0"/>
+        </a:xfrm>
+      </p:grpSpPr>
+      <p:sp useBgFill="1">
+        <p:nvSpPr>
+          <p:cNvPr id="10" name="Rectangle 9">
+            <a:extLst>
+              <a:ext uri="{FF2B5EF4-FFF2-40B4-BE49-F238E27FC236}">
+                <a16:creationId xmlns:a16="http://schemas.microsoft.com/office/drawing/2014/main" id="{559AE206-7EBA-4D33-8BC9-9D8158553F0E}"/>
+              </a:ext>
+              <a:ext uri="{C183D7F6-B498-43B3-948B-1728B52AA6E4}">
+                <adec:decorative xmlns:adec="http://schemas.microsoft.com/office/drawing/2017/decorative" val="1"/>
+              </a:ext>
+            </a:extLst>
+          </p:cNvPr>
+          <p:cNvSpPr>
+            <a:spLocks noGrp="1" noRot="1" noChangeAspect="1" noMove="1" noResize="1" noEditPoints="1" noAdjustHandles="1" noChangeArrowheads="1" noChangeShapeType="1" noTextEdit="1"/>
+          </p:cNvSpPr>
+          <p:nvPr>
+            <p:extLst>
+              <p:ext uri="{386F3935-93C4-4BCD-93E2-E3B085C9AB24}">
+                <p16:designElem xmlns:p16="http://schemas.microsoft.com/office/powerpoint/2015/main" val="1"/>
+              </p:ext>
+            </p:extLst>
+          </p:nvPr>
+        </p:nvSpPr>
+        <p:spPr>
+          <a:xfrm>
+            <a:off x="0" y="0"/>
+            <a:ext cx="12192000" cy="6858000"/>
+          </a:xfrm>
+          <a:prstGeom prst="rect">
+            <a:avLst/>
+          </a:prstGeom>
+          <a:ln>
+            <a:noFill/>
+          </a:ln>
+        </p:spPr>
+        <p:style>
+          <a:lnRef idx="2">
+            <a:schemeClr val="accent1">
+              <a:shade val="50000"/>
+            </a:schemeClr>
+          </a:lnRef>
+          <a:fillRef idx="1">
+            <a:schemeClr val="accent1"/>
+          </a:fillRef>
+          <a:effectRef idx="0">
+            <a:schemeClr val="accent1"/>
+          </a:effectRef>
+          <a:fontRef idx="minor">
+            <a:schemeClr val="lt1"/>
+          </a:fontRef>
+        </p:style>
+        <p:txBody>
+          <a:bodyPr rtlCol="0" anchor="ctr"/>
+          <a:lstStyle/>
+          <a:p>
+            <a:pPr marL="0" marR="0" lvl="0" indent="0" algn="ctr" defTabSz="914400" rtl="0" eaLnBrk="1" fontAlgn="auto" latinLnBrk="0" hangingPunct="1">
+              <a:lnSpc>
+                <a:spcPct val="100000"/>
+              </a:lnSpc>
+              <a:spcBef>
+                <a:spcPts val="0"/>
+              </a:spcBef>
+              <a:spcAft>
+                <a:spcPts val="0"/>
+              </a:spcAft>
+              <a:buClrTx/>
+              <a:buSzTx/>
+              <a:buFontTx/>
+              <a:buNone/>
+              <a:tabLst/>
+              <a:defRPr/>
+            </a:pPr>
+            <a:endParaRPr kumimoji="0" lang="en-US" sz="1800" b="0" i="0" u="none" strike="noStrike" kern="1200" cap="none" spc="0" normalizeH="0" baseline="0" noProof="0">
+              <a:ln>
+                <a:noFill/>
+              </a:ln>
+              <a:solidFill>
+                <a:prstClr val="white"/>
+              </a:solidFill>
+              <a:effectLst/>
+              <a:uLnTx/>
+              <a:uFillTx/>
+              <a:latin typeface="Calibri" panose="020F0502020204030204"/>
+              <a:ea typeface="+mn-ea"/>
+              <a:cs typeface="+mn-cs"/>
+            </a:endParaRPr>
+          </a:p>
+        </p:txBody>
+      </p:sp>
+      <p:sp>
+        <p:nvSpPr>
+          <p:cNvPr id="4" name="Title 3"/>
+          <p:cNvSpPr>
+            <a:spLocks noGrp="1"/>
+          </p:cNvSpPr>
+          <p:nvPr>
+            <p:ph type="title"/>
+          </p:nvPr>
+        </p:nvSpPr>
+        <p:spPr>
+          <a:xfrm>
+            <a:off x="838199" y="4525347"/>
+            <a:ext cx="6801321" cy="1737360"/>
+          </a:xfrm>
+        </p:spPr>
+        <p:txBody>
+          <a:bodyPr vert="horz" lIns="91440" tIns="45720" rIns="91440" bIns="45720" rtlCol="0" anchor="ctr">
+            <a:normAutofit/>
+          </a:bodyPr>
+          <a:lstStyle/>
+          <a:p>
+            <a:pPr algn="r"/>
+            <a:r>
+              <a:rPr lang="en-US" dirty="0"/>
+              <a:t>How is this course organized?</a:t>
+            </a:r>
+            <a:endParaRPr lang="en-US" kern="1200" dirty="0">
+              <a:solidFill>
+                <a:schemeClr val="tx1"/>
+              </a:solidFill>
+              <a:latin typeface="+mj-lt"/>
+              <a:ea typeface="+mj-ea"/>
+              <a:cs typeface="+mj-cs"/>
+            </a:endParaRPr>
+          </a:p>
+        </p:txBody>
+      </p:sp>
+      <p:sp>
+        <p:nvSpPr>
+          <p:cNvPr id="5" name="Text Placeholder 4"/>
+          <p:cNvSpPr>
+            <a:spLocks noGrp="1"/>
+          </p:cNvSpPr>
+          <p:nvPr>
+            <p:ph type="body" idx="1"/>
+          </p:nvPr>
+        </p:nvSpPr>
+        <p:spPr>
+          <a:xfrm>
+            <a:off x="7961258" y="4525347"/>
+            <a:ext cx="3258675" cy="1737360"/>
+          </a:xfrm>
+        </p:spPr>
+        <p:txBody>
+          <a:bodyPr vert="horz" lIns="91440" tIns="45720" rIns="91440" bIns="45720" rtlCol="0" anchor="ctr">
+            <a:normAutofit/>
+          </a:bodyPr>
+          <a:lstStyle/>
+          <a:p>
+            <a:endParaRPr lang="en-US" sz="2400" kern="1200">
+              <a:solidFill>
+                <a:schemeClr val="tx1"/>
+              </a:solidFill>
+              <a:latin typeface="+mn-lt"/>
+              <a:ea typeface="+mn-ea"/>
+              <a:cs typeface="+mn-cs"/>
+            </a:endParaRPr>
+          </a:p>
+        </p:txBody>
+      </p:sp>
+      <p:sp>
+        <p:nvSpPr>
+          <p:cNvPr id="12" name="Oval 11">
+            <a:extLst>
+              <a:ext uri="{FF2B5EF4-FFF2-40B4-BE49-F238E27FC236}">
+                <a16:creationId xmlns:a16="http://schemas.microsoft.com/office/drawing/2014/main" id="{6437D937-A7F1-4011-92B4-328E5BE1B166}"/>
+              </a:ext>
+              <a:ext uri="{C183D7F6-B498-43B3-948B-1728B52AA6E4}">
+                <adec:decorative xmlns:adec="http://schemas.microsoft.com/office/drawing/2017/decorative" val="1"/>
+              </a:ext>
+            </a:extLst>
+          </p:cNvPr>
+          <p:cNvSpPr>
+            <a:spLocks noGrp="1" noRot="1" noChangeAspect="1" noMove="1" noResize="1" noEditPoints="1" noAdjustHandles="1" noChangeArrowheads="1" noChangeShapeType="1" noTextEdit="1"/>
+          </p:cNvSpPr>
+          <p:nvPr>
+            <p:extLst>
+              <p:ext uri="{386F3935-93C4-4BCD-93E2-E3B085C9AB24}">
+                <p16:designElem xmlns:p16="http://schemas.microsoft.com/office/powerpoint/2015/main" val="1"/>
+              </p:ext>
+            </p:extLst>
+          </p:nvPr>
+        </p:nvSpPr>
+        <p:spPr>
+          <a:xfrm>
+            <a:off x="588567" y="620480"/>
+            <a:ext cx="2243800" cy="2243796"/>
+          </a:xfrm>
+          <a:prstGeom prst="ellipse">
+            <a:avLst/>
+          </a:prstGeom>
+          <a:solidFill>
+            <a:schemeClr val="accent5"/>
+          </a:solidFill>
+          <a:ln>
+            <a:noFill/>
+          </a:ln>
+        </p:spPr>
+        <p:style>
+          <a:lnRef idx="2">
+            <a:schemeClr val="accent1">
+              <a:shade val="50000"/>
+            </a:schemeClr>
+          </a:lnRef>
+          <a:fillRef idx="1">
+            <a:schemeClr val="accent1"/>
+          </a:fillRef>
+          <a:effectRef idx="0">
+            <a:schemeClr val="accent1"/>
+          </a:effectRef>
+          <a:fontRef idx="minor">
+            <a:schemeClr val="lt1"/>
+          </a:fontRef>
+        </p:style>
+        <p:txBody>
+          <a:bodyPr rtlCol="0" anchor="ctr"/>
+          <a:lstStyle/>
+          <a:p>
+            <a:pPr marL="0" marR="0" lvl="0" indent="0" algn="ctr" defTabSz="914400" rtl="0" eaLnBrk="1" fontAlgn="auto" latinLnBrk="0" hangingPunct="1">
+              <a:lnSpc>
+                <a:spcPct val="100000"/>
+              </a:lnSpc>
+              <a:spcBef>
+                <a:spcPts val="0"/>
+              </a:spcBef>
+              <a:spcAft>
+                <a:spcPts val="0"/>
+              </a:spcAft>
+              <a:buClrTx/>
+              <a:buSzTx/>
+              <a:buFontTx/>
+              <a:buNone/>
+              <a:tabLst/>
+              <a:defRPr/>
+            </a:pPr>
+            <a:endParaRPr kumimoji="0" lang="en-US" sz="1800" b="0" i="0" u="none" strike="noStrike" kern="1200" cap="none" spc="0" normalizeH="0" baseline="0" noProof="0">
+              <a:ln>
+                <a:noFill/>
+              </a:ln>
+              <a:solidFill>
+                <a:prstClr val="white"/>
+              </a:solidFill>
+              <a:effectLst/>
+              <a:uLnTx/>
+              <a:uFillTx/>
+              <a:latin typeface="Calibri" panose="020F0502020204030204"/>
+              <a:ea typeface="+mn-ea"/>
+              <a:cs typeface="+mn-cs"/>
+            </a:endParaRPr>
+          </a:p>
+        </p:txBody>
+      </p:sp>
+      <p:sp>
+        <p:nvSpPr>
+          <p:cNvPr id="14" name="Oval 13">
+            <a:extLst>
+              <a:ext uri="{FF2B5EF4-FFF2-40B4-BE49-F238E27FC236}">
+                <a16:creationId xmlns:a16="http://schemas.microsoft.com/office/drawing/2014/main" id="{B672F332-AF08-46C6-94F0-77684310D7B7}"/>
+              </a:ext>
+              <a:ext uri="{C183D7F6-B498-43B3-948B-1728B52AA6E4}">
+                <adec:decorative xmlns:adec="http://schemas.microsoft.com/office/drawing/2017/decorative" val="1"/>
+              </a:ext>
+            </a:extLst>
+          </p:cNvPr>
+          <p:cNvSpPr>
+            <a:spLocks noGrp="1" noRot="1" noChangeAspect="1" noMove="1" noResize="1" noEditPoints="1" noAdjustHandles="1" noChangeArrowheads="1" noChangeShapeType="1" noTextEdit="1"/>
+          </p:cNvSpPr>
+          <p:nvPr>
+            <p:extLst>
+              <p:ext uri="{386F3935-93C4-4BCD-93E2-E3B085C9AB24}">
+                <p16:designElem xmlns:p16="http://schemas.microsoft.com/office/powerpoint/2015/main" val="1"/>
+              </p:ext>
+            </p:extLst>
+          </p:nvPr>
+        </p:nvSpPr>
+        <p:spPr>
+          <a:xfrm>
+            <a:off x="3395001" y="2466604"/>
+            <a:ext cx="962395" cy="962395"/>
+          </a:xfrm>
+          <a:prstGeom prst="ellipse">
+            <a:avLst/>
+          </a:prstGeom>
+          <a:solidFill>
+            <a:schemeClr val="accent4"/>
+          </a:solidFill>
+          <a:ln>
+            <a:noFill/>
+          </a:ln>
+        </p:spPr>
+        <p:style>
+          <a:lnRef idx="2">
+            <a:schemeClr val="accent1">
+              <a:shade val="50000"/>
+            </a:schemeClr>
+          </a:lnRef>
+          <a:fillRef idx="1">
+            <a:schemeClr val="accent1"/>
+          </a:fillRef>
+          <a:effectRef idx="0">
+            <a:schemeClr val="accent1"/>
+          </a:effectRef>
+          <a:fontRef idx="minor">
+            <a:schemeClr val="lt1"/>
+          </a:fontRef>
+        </p:style>
+        <p:txBody>
+          <a:bodyPr rtlCol="0" anchor="ctr"/>
+          <a:lstStyle/>
+          <a:p>
+            <a:pPr marL="0" marR="0" lvl="0" indent="0" algn="ctr" defTabSz="914400" rtl="0" eaLnBrk="1" fontAlgn="auto" latinLnBrk="0" hangingPunct="1">
+              <a:lnSpc>
+                <a:spcPct val="100000"/>
+              </a:lnSpc>
+              <a:spcBef>
+                <a:spcPts val="0"/>
+              </a:spcBef>
+              <a:spcAft>
+                <a:spcPts val="0"/>
+              </a:spcAft>
+              <a:buClrTx/>
+              <a:buSzTx/>
+              <a:buFontTx/>
+              <a:buNone/>
+              <a:tabLst/>
+              <a:defRPr/>
+            </a:pPr>
+            <a:endParaRPr kumimoji="0" lang="en-US" sz="1800" b="0" i="0" u="none" strike="noStrike" kern="1200" cap="none" spc="0" normalizeH="0" baseline="0" noProof="0">
+              <a:ln>
+                <a:noFill/>
+              </a:ln>
+              <a:solidFill>
+                <a:prstClr val="white"/>
+              </a:solidFill>
+              <a:effectLst/>
+              <a:uLnTx/>
+              <a:uFillTx/>
+              <a:latin typeface="Calibri" panose="020F0502020204030204"/>
+              <a:ea typeface="+mn-ea"/>
+              <a:cs typeface="+mn-cs"/>
+            </a:endParaRPr>
+          </a:p>
+        </p:txBody>
+      </p:sp>
+      <p:sp>
+        <p:nvSpPr>
+          <p:cNvPr id="16" name="Oval 15">
+            <a:extLst>
+              <a:ext uri="{FF2B5EF4-FFF2-40B4-BE49-F238E27FC236}">
+                <a16:creationId xmlns:a16="http://schemas.microsoft.com/office/drawing/2014/main" id="{34244EF8-D73A-40E1-BE73-D46E6B4B04ED}"/>
+              </a:ext>
+              <a:ext uri="{C183D7F6-B498-43B3-948B-1728B52AA6E4}">
+                <adec:decorative xmlns:adec="http://schemas.microsoft.com/office/drawing/2017/decorative" val="1"/>
+              </a:ext>
+            </a:extLst>
+          </p:cNvPr>
+          <p:cNvSpPr>
+            <a:spLocks noGrp="1" noRot="1" noChangeAspect="1" noMove="1" noResize="1" noEditPoints="1" noAdjustHandles="1" noChangeArrowheads="1" noChangeShapeType="1" noTextEdit="1"/>
+          </p:cNvSpPr>
+          <p:nvPr>
+            <p:extLst>
+              <p:ext uri="{386F3935-93C4-4BCD-93E2-E3B085C9AB24}">
+                <p16:designElem xmlns:p16="http://schemas.microsoft.com/office/powerpoint/2015/main" val="1"/>
+              </p:ext>
+            </p:extLst>
+          </p:nvPr>
+        </p:nvSpPr>
+        <p:spPr>
+          <a:xfrm>
+            <a:off x="5125829" y="2327988"/>
+            <a:ext cx="293695" cy="293695"/>
+          </a:xfrm>
+          <a:prstGeom prst="ellipse">
+            <a:avLst/>
+          </a:prstGeom>
+          <a:solidFill>
+            <a:schemeClr val="accent3"/>
+          </a:solidFill>
+          <a:ln>
+            <a:noFill/>
+          </a:ln>
+        </p:spPr>
+        <p:style>
+          <a:lnRef idx="2">
+            <a:schemeClr val="accent1">
+              <a:shade val="50000"/>
+            </a:schemeClr>
+          </a:lnRef>
+          <a:fillRef idx="1">
+            <a:schemeClr val="accent1"/>
+          </a:fillRef>
+          <a:effectRef idx="0">
+            <a:schemeClr val="accent1"/>
+          </a:effectRef>
+          <a:fontRef idx="minor">
+            <a:schemeClr val="lt1"/>
+          </a:fontRef>
+        </p:style>
+        <p:txBody>
+          <a:bodyPr rtlCol="0" anchor="ctr"/>
+          <a:lstStyle/>
+          <a:p>
+            <a:pPr marL="0" marR="0" lvl="0" indent="0" algn="ctr" defTabSz="914400" rtl="0" eaLnBrk="1" fontAlgn="auto" latinLnBrk="0" hangingPunct="1">
+              <a:lnSpc>
+                <a:spcPct val="100000"/>
+              </a:lnSpc>
+              <a:spcBef>
+                <a:spcPts val="0"/>
+              </a:spcBef>
+              <a:spcAft>
+                <a:spcPts val="0"/>
+              </a:spcAft>
+              <a:buClrTx/>
+              <a:buSzTx/>
+              <a:buFontTx/>
+              <a:buNone/>
+              <a:tabLst/>
+              <a:defRPr/>
+            </a:pPr>
+            <a:endParaRPr kumimoji="0" lang="en-US" sz="1800" b="0" i="0" u="none" strike="noStrike" kern="1200" cap="none" spc="0" normalizeH="0" baseline="0" noProof="0">
+              <a:ln>
+                <a:noFill/>
+              </a:ln>
+              <a:solidFill>
+                <a:prstClr val="white"/>
+              </a:solidFill>
+              <a:effectLst/>
+              <a:uLnTx/>
+              <a:uFillTx/>
+              <a:latin typeface="Calibri" panose="020F0502020204030204"/>
+              <a:ea typeface="+mn-ea"/>
+              <a:cs typeface="+mn-cs"/>
+            </a:endParaRPr>
+          </a:p>
+        </p:txBody>
+      </p:sp>
+      <p:sp>
+        <p:nvSpPr>
+          <p:cNvPr id="18" name="Freeform: Shape 17">
+            <a:extLst>
+              <a:ext uri="{FF2B5EF4-FFF2-40B4-BE49-F238E27FC236}">
+                <a16:creationId xmlns:a16="http://schemas.microsoft.com/office/drawing/2014/main" id="{AB84D7E8-4ECB-42D7-ADBF-01689B0F24AE}"/>
+              </a:ext>
+              <a:ext uri="{C183D7F6-B498-43B3-948B-1728B52AA6E4}">
+                <adec:decorative xmlns:adec="http://schemas.microsoft.com/office/drawing/2017/decorative" val="1"/>
+              </a:ext>
+            </a:extLst>
+          </p:cNvPr>
+          <p:cNvSpPr>
+            <a:spLocks noGrp="1" noRot="1" noChangeAspect="1" noMove="1" noResize="1" noEditPoints="1" noAdjustHandles="1" noChangeArrowheads="1" noChangeShapeType="1" noTextEdit="1"/>
+          </p:cNvSpPr>
+          <p:nvPr>
+            <p:extLst>
+              <p:ext uri="{386F3935-93C4-4BCD-93E2-E3B085C9AB24}">
+                <p16:designElem xmlns:p16="http://schemas.microsoft.com/office/powerpoint/2015/main" val="1"/>
+              </p:ext>
+            </p:extLst>
+          </p:nvPr>
+        </p:nvSpPr>
+        <p:spPr>
+          <a:xfrm>
+            <a:off x="6492113" y="0"/>
+            <a:ext cx="5699887" cy="4059244"/>
+          </a:xfrm>
+          <a:custGeom>
+            <a:avLst/>
+            <a:gdLst>
+              <a:gd name="connsiteX0" fmla="*/ 0 w 5699887"/>
+              <a:gd name="connsiteY0" fmla="*/ 0 h 4059244"/>
+              <a:gd name="connsiteX1" fmla="*/ 5699887 w 5699887"/>
+              <a:gd name="connsiteY1" fmla="*/ 0 h 4059244"/>
+              <a:gd name="connsiteX2" fmla="*/ 5699887 w 5699887"/>
+              <a:gd name="connsiteY2" fmla="*/ 3944096 h 4059244"/>
+              <a:gd name="connsiteX3" fmla="*/ 5525775 w 5699887"/>
+              <a:gd name="connsiteY3" fmla="*/ 3980429 h 4059244"/>
+              <a:gd name="connsiteX4" fmla="*/ 4663256 w 5699887"/>
+              <a:gd name="connsiteY4" fmla="*/ 4059244 h 4059244"/>
+              <a:gd name="connsiteX5" fmla="*/ 8566 w 5699887"/>
+              <a:gd name="connsiteY5" fmla="*/ 67422 h 4059244"/>
+            </a:gdLst>
+            <a:ahLst/>
+            <a:cxnLst>
+              <a:cxn ang="0">
+                <a:pos x="connsiteX0" y="connsiteY0"/>
+              </a:cxn>
+              <a:cxn ang="0">
+                <a:pos x="connsiteX1" y="connsiteY1"/>
+              </a:cxn>
+              <a:cxn ang="0">
+                <a:pos x="connsiteX2" y="connsiteY2"/>
+              </a:cxn>
+              <a:cxn ang="0">
+                <a:pos x="connsiteX3" y="connsiteY3"/>
+              </a:cxn>
+              <a:cxn ang="0">
+                <a:pos x="connsiteX4" y="connsiteY4"/>
+              </a:cxn>
+              <a:cxn ang="0">
+                <a:pos x="connsiteX5" y="connsiteY5"/>
+              </a:cxn>
+            </a:cxnLst>
+            <a:rect l="l" t="t" r="r" b="b"/>
+            <a:pathLst>
+              <a:path w="5699887" h="4059244">
+                <a:moveTo>
+                  <a:pt x="0" y="0"/>
+                </a:moveTo>
+                <a:lnTo>
+                  <a:pt x="5699887" y="0"/>
+                </a:lnTo>
+                <a:lnTo>
+                  <a:pt x="5699887" y="3944096"/>
+                </a:lnTo>
+                <a:lnTo>
+                  <a:pt x="5525775" y="3980429"/>
+                </a:lnTo>
+                <a:cubicBezTo>
+                  <a:pt x="5246154" y="4032190"/>
+                  <a:pt x="4957865" y="4059244"/>
+                  <a:pt x="4663256" y="4059244"/>
+                </a:cubicBezTo>
+                <a:cubicBezTo>
+                  <a:pt x="2306390" y="4059244"/>
+                  <a:pt x="353936" y="2327747"/>
+                  <a:pt x="8566" y="67422"/>
+                </a:cubicBezTo>
+                <a:close/>
+              </a:path>
+            </a:pathLst>
+          </a:custGeom>
+          <a:solidFill>
+            <a:srgbClr val="595959"/>
+          </a:solidFill>
+          <a:ln>
+            <a:noFill/>
+          </a:ln>
+        </p:spPr>
+        <p:style>
+          <a:lnRef idx="2">
+            <a:schemeClr val="accent1">
+              <a:shade val="50000"/>
+            </a:schemeClr>
+          </a:lnRef>
+          <a:fillRef idx="1">
+            <a:schemeClr val="accent1"/>
+          </a:fillRef>
+          <a:effectRef idx="0">
+            <a:schemeClr val="accent1"/>
+          </a:effectRef>
+          <a:fontRef idx="minor">
+            <a:schemeClr val="lt1"/>
+          </a:fontRef>
+        </p:style>
+        <p:txBody>
+          <a:bodyPr rtlCol="0" anchor="ctr"/>
+          <a:lstStyle/>
+          <a:p>
+            <a:pPr marL="0" marR="0" lvl="0" indent="0" algn="ctr" defTabSz="914400" rtl="0" eaLnBrk="1" fontAlgn="auto" latinLnBrk="0" hangingPunct="1">
+              <a:lnSpc>
+                <a:spcPct val="100000"/>
+              </a:lnSpc>
+              <a:spcBef>
+                <a:spcPts val="0"/>
+              </a:spcBef>
+              <a:spcAft>
+                <a:spcPts val="0"/>
+              </a:spcAft>
+              <a:buClrTx/>
+              <a:buSzTx/>
+              <a:buFontTx/>
+              <a:buNone/>
+              <a:tabLst/>
+              <a:defRPr/>
+            </a:pPr>
+            <a:endParaRPr kumimoji="0" lang="en-US" sz="1800" b="0" i="0" u="none" strike="noStrike" kern="1200" cap="none" spc="0" normalizeH="0" baseline="0" noProof="0">
+              <a:ln>
+                <a:noFill/>
+              </a:ln>
+              <a:solidFill>
+                <a:prstClr val="white"/>
+              </a:solidFill>
+              <a:effectLst/>
+              <a:uLnTx/>
+              <a:uFillTx/>
+              <a:latin typeface="Calibri" panose="020F0502020204030204"/>
+              <a:ea typeface="+mn-ea"/>
+              <a:cs typeface="+mn-cs"/>
+            </a:endParaRPr>
+          </a:p>
+        </p:txBody>
+      </p:sp>
+      <p:cxnSp>
+        <p:nvCxnSpPr>
+          <p:cNvPr id="20" name="Straight Connector 19">
+            <a:extLst>
+              <a:ext uri="{FF2B5EF4-FFF2-40B4-BE49-F238E27FC236}">
+                <a16:creationId xmlns:a16="http://schemas.microsoft.com/office/drawing/2014/main" id="{9E8E38ED-369A-44C2-B635-0BED0E48A6E8}"/>
+              </a:ext>
+              <a:ext uri="{C183D7F6-B498-43B3-948B-1728B52AA6E4}">
+                <adec:decorative xmlns:adec="http://schemas.microsoft.com/office/drawing/2017/decorative" val="1"/>
+              </a:ext>
+            </a:extLst>
+          </p:cNvPr>
+          <p:cNvCxnSpPr>
+            <a:cxnSpLocks noGrp="1" noRot="1" noChangeAspect="1" noMove="1" noResize="1" noEditPoints="1" noAdjustHandles="1" noChangeArrowheads="1" noChangeShapeType="1"/>
+          </p:cNvCxnSpPr>
+          <p:nvPr>
+            <p:extLst>
+              <p:ext uri="{386F3935-93C4-4BCD-93E2-E3B085C9AB24}">
+                <p16:designElem xmlns:p16="http://schemas.microsoft.com/office/powerpoint/2015/main" val="1"/>
+              </p:ext>
+            </p:extLst>
+          </p:nvPr>
+        </p:nvCxnSpPr>
+        <p:spPr>
+          <a:xfrm>
+            <a:off x="7800392" y="4525347"/>
+            <a:ext cx="0" cy="1737360"/>
+          </a:xfrm>
+          <a:prstGeom prst="line">
+            <a:avLst/>
+          </a:prstGeom>
+          <a:ln w="19050" cap="sq">
+            <a:solidFill>
+              <a:schemeClr val="tx1"/>
+            </a:solidFill>
+          </a:ln>
+        </p:spPr>
+        <p:style>
+          <a:lnRef idx="1">
+            <a:schemeClr val="accent1"/>
+          </a:lnRef>
+          <a:fillRef idx="0">
+            <a:schemeClr val="accent1"/>
+          </a:fillRef>
+          <a:effectRef idx="0">
+            <a:schemeClr val="accent1"/>
+          </a:effectRef>
+          <a:fontRef idx="minor">
+            <a:schemeClr val="tx1"/>
+          </a:fontRef>
+        </p:style>
+      </p:cxnSp>
+    </p:spTree>
+    <p:extLst>
+      <p:ext uri="{BB962C8B-B14F-4D97-AF65-F5344CB8AC3E}">
+        <p14:creationId xmlns:p14="http://schemas.microsoft.com/office/powerpoint/2010/main" val="1794911317"/>
+      </p:ext>
+    </p:extLst>
+  </p:cSld>
+  <p:clrMapOvr>
+    <a:masterClrMapping/>
+  </p:clrMapOvr>
+</p:sld>
+</file>
+
+<file path=ppt/slides/slide30.xml><?xml version="1.0" encoding="utf-8"?>
 <p:sld xmlns:a="http://schemas.openxmlformats.org/drawingml/2006/main" xmlns:r="http://schemas.openxmlformats.org/officeDocument/2006/relationships" xmlns:p="http://schemas.openxmlformats.org/presentationml/2006/main">
   <p:cSld>
     <p:spTree>
@@ -13726,7 +13567,7 @@
         <p:spPr>
           <a:xfrm>
             <a:off x="321276" y="2409642"/>
-            <a:ext cx="9195257" cy="3999395"/>
+            <a:ext cx="10346724" cy="3999395"/>
           </a:xfrm>
         </p:spPr>
         <p:txBody>
@@ -13747,20 +13588,10 @@
           <a:p>
             <a:pPr lvl="1"/>
             <a:r>
-              <a:rPr lang="en-US" sz="3600" dirty="0">
+              <a:rPr lang="en-US" sz="2800" dirty="0">
                 <a:latin typeface="Consolas" panose="020B0609020204030204" pitchFamily="49" charset="0"/>
               </a:rPr>
-              <a:t>Link: </a:t>
-            </a:r>
-            <a:r>
-              <a:rPr lang="en-US" sz="3600" dirty="0"/>
-              <a:t>In Gitter.im </a:t>
-            </a:r>
-            <a:r>
-              <a:rPr lang="en-US" sz="3600" dirty="0">
-                <a:latin typeface="Consolas" panose="020B0609020204030204" pitchFamily="49" charset="0"/>
-              </a:rPr>
-              <a:t>| Code: ????</a:t>
+              <a:t>https://here.ist256.syr.edu | Code: 201908</a:t>
             </a:r>
           </a:p>
           <a:p>
@@ -13776,10 +13607,21 @@
           <a:p>
             <a:pPr lvl="1"/>
             <a:r>
-              <a:rPr lang="en-US" sz="3600" dirty="0">
+              <a:rPr lang="en-US" sz="2800" dirty="0">
                 <a:latin typeface="Consolas" panose="020B0609020204030204" pitchFamily="49" charset="0"/>
               </a:rPr>
-              <a:t>https://gitter.im/IST256/Fudge </a:t>
+              <a:t>https://teams.microsoft.com</a:t>
+            </a:r>
+            <a:br>
+              <a:rPr lang="en-US" sz="2800" dirty="0">
+                <a:latin typeface="Consolas" panose="020B0609020204030204" pitchFamily="49" charset="0"/>
+              </a:rPr>
+            </a:br>
+            <a:r>
+              <a:rPr lang="en-US" sz="2800" dirty="0">
+                <a:latin typeface="Consolas" panose="020B0609020204030204" pitchFamily="49" charset="0"/>
+              </a:rPr>
+              <a:t>Channel: Large Group Chat</a:t>
             </a:r>
           </a:p>
           <a:p>
@@ -13795,7 +13637,7 @@
           <a:p>
             <a:pPr lvl="1"/>
             <a:r>
-              <a:rPr lang="en-US" sz="3600" dirty="0">
+              <a:rPr lang="en-US" sz="2800" dirty="0">
                 <a:latin typeface="Consolas" panose="020B0609020204030204" pitchFamily="49" charset="0"/>
               </a:rPr>
               <a:t>http://ist256.participoll.com/</a:t>
@@ -13849,17 +13691,10 @@
   <p:clrMapOvr>
     <a:masterClrMapping/>
   </p:clrMapOvr>
-  <p:timing>
-    <p:tnLst>
-      <p:par>
-        <p:cTn id="1" dur="indefinite" restart="never" nodeType="tmRoot"/>
-      </p:par>
-    </p:tnLst>
-  </p:timing>
 </p:sld>
 </file>
 
-<file path=ppt/slides/slide35.xml><?xml version="1.0" encoding="utf-8"?>
+<file path=ppt/slides/slide31.xml><?xml version="1.0" encoding="utf-8"?>
 <p:sld xmlns:a="http://schemas.openxmlformats.org/drawingml/2006/main" xmlns:r="http://schemas.openxmlformats.org/officeDocument/2006/relationships" xmlns:p="http://schemas.openxmlformats.org/presentationml/2006/main">
   <p:cSld>
     <p:bg>
@@ -13892,7 +13727,7 @@
                 <a16:creationId xmlns:a16="http://schemas.microsoft.com/office/drawing/2014/main" id="{2A8AA5BC-4F7A-4226-8F99-6D824B226A97}"/>
               </a:ext>
               <a:ext uri="{C183D7F6-B498-43B3-948B-1728B52AA6E4}">
-                <adec:decorative xmlns:adec="http://schemas.microsoft.com/office/drawing/2017/decorative" xmlns="" val="1"/>
+                <adec:decorative xmlns:adec="http://schemas.microsoft.com/office/drawing/2017/decorative" val="1"/>
               </a:ext>
             </a:extLst>
           </p:cNvPr>
@@ -13955,7 +13790,7 @@
                 <a16:creationId xmlns:a16="http://schemas.microsoft.com/office/drawing/2014/main" id="{3E5445C6-DD42-4979-86FF-03730E8C6DB0}"/>
               </a:ext>
               <a:ext uri="{C183D7F6-B498-43B3-948B-1728B52AA6E4}">
-                <adec:decorative xmlns:adec="http://schemas.microsoft.com/office/drawing/2017/decorative" xmlns="" val="1"/>
+                <adec:decorative xmlns:adec="http://schemas.microsoft.com/office/drawing/2017/decorative" val="1"/>
               </a:ext>
             </a:extLst>
           </p:cNvPr>
@@ -14122,7 +13957,7 @@
                 <a16:creationId xmlns:a16="http://schemas.microsoft.com/office/drawing/2014/main" id="{45000665-DFC7-417E-8FD7-516A0F15C975}"/>
               </a:ext>
               <a:ext uri="{C183D7F6-B498-43B3-948B-1728B52AA6E4}">
-                <adec:decorative xmlns:adec="http://schemas.microsoft.com/office/drawing/2017/decorative" xmlns="" val="1"/>
+                <adec:decorative xmlns:adec="http://schemas.microsoft.com/office/drawing/2017/decorative" val="1"/>
               </a:ext>
             </a:extLst>
           </p:cNvPr>
@@ -14178,17 +14013,10 @@
   <p:clrMapOvr>
     <a:masterClrMapping/>
   </p:clrMapOvr>
-  <p:timing>
-    <p:tnLst>
-      <p:par>
-        <p:cTn id="1" dur="indefinite" restart="never" nodeType="tmRoot"/>
-      </p:par>
-    </p:tnLst>
-  </p:timing>
 </p:sld>
 </file>
 
-<file path=ppt/slides/slide36.xml><?xml version="1.0" encoding="utf-8"?>
+<file path=ppt/slides/slide32.xml><?xml version="1.0" encoding="utf-8"?>
 <p:sld xmlns:a="http://schemas.openxmlformats.org/drawingml/2006/main" xmlns:r="http://schemas.openxmlformats.org/officeDocument/2006/relationships" xmlns:p="http://schemas.openxmlformats.org/presentationml/2006/main">
   <p:cSld>
     <p:spTree>
@@ -14223,12 +14051,14 @@
         </p:nvSpPr>
         <p:spPr/>
         <p:txBody>
-          <a:bodyPr/>
+          <a:bodyPr>
+            <a:normAutofit/>
+          </a:bodyPr>
           <a:lstStyle/>
           <a:p>
             <a:r>
-              <a:rPr lang="en-US" dirty="0"/>
-              <a:t>To-Do List</a:t>
+              <a:rPr lang="en-US" sz="4800" dirty="0"/>
+              <a:t>To-Do List – Complete by Recitation.</a:t>
             </a:r>
           </a:p>
         </p:txBody>
@@ -14254,29 +14084,41 @@
           <a:bodyPr/>
           <a:lstStyle/>
           <a:p>
-            <a:r>
-              <a:rPr lang="en-US" dirty="0"/>
+            <a:pPr>
+              <a:buFont typeface="Wingdings" panose="05000000000000000000" pitchFamily="2" charset="2"/>
+              <a:buChar char="ü"/>
+            </a:pPr>
+            <a:r>
+              <a:rPr lang="en-US" sz="3200" dirty="0"/>
               <a:t>Read through the syllabus</a:t>
             </a:r>
           </a:p>
           <a:p>
-            <a:r>
-              <a:rPr lang="en-US" dirty="0"/>
+            <a:pPr>
+              <a:buFont typeface="Wingdings" panose="05000000000000000000" pitchFamily="2" charset="2"/>
+              <a:buChar char="ü"/>
+            </a:pPr>
+            <a:r>
+              <a:rPr lang="en-US" sz="3200" dirty="0"/>
               <a:t>Purchase your </a:t>
             </a:r>
             <a:r>
-              <a:rPr lang="en-US" dirty="0" err="1"/>
+              <a:rPr lang="en-US" sz="3200" dirty="0" err="1"/>
               <a:t>Zybook</a:t>
             </a:r>
             <a:r>
-              <a:rPr lang="en-US" dirty="0"/>
+              <a:rPr lang="en-US" sz="3200" dirty="0"/>
               <a:t> online or through the bookstore</a:t>
             </a:r>
           </a:p>
           <a:p>
-            <a:r>
-              <a:rPr lang="en-US" dirty="0"/>
-              <a:t>Complete the course setup checklist</a:t>
+            <a:pPr>
+              <a:buFont typeface="Wingdings" panose="05000000000000000000" pitchFamily="2" charset="2"/>
+              <a:buChar char="ü"/>
+            </a:pPr>
+            <a:r>
+              <a:rPr lang="en-US" sz="3200" dirty="0"/>
+              <a:t>Complete the course setup checklist. </a:t>
             </a:r>
           </a:p>
           <a:p>
@@ -14297,17 +14139,10 @@
   <p:clrMapOvr>
     <a:masterClrMapping/>
   </p:clrMapOvr>
-  <p:timing>
-    <p:tnLst>
-      <p:par>
-        <p:cTn id="1" dur="indefinite" restart="never" nodeType="tmRoot"/>
-      </p:par>
-    </p:tnLst>
-  </p:timing>
 </p:sld>
 </file>
 
-<file path=ppt/slides/slide37.xml><?xml version="1.0" encoding="utf-8"?>
+<file path=ppt/slides/slide33.xml><?xml version="1.0" encoding="utf-8"?>
 <p:sld xmlns:a="http://schemas.openxmlformats.org/drawingml/2006/main" xmlns:r="http://schemas.openxmlformats.org/officeDocument/2006/relationships" xmlns:p="http://schemas.openxmlformats.org/presentationml/2006/main">
   <p:cSld>
     <p:bg>
@@ -14373,8 +14208,8 @@
         </p:nvSpPr>
         <p:spPr>
           <a:xfrm>
-            <a:off x="800527" y="1839634"/>
-            <a:ext cx="7904934" cy="4467860"/>
+            <a:off x="800526" y="3571630"/>
+            <a:ext cx="8499781" cy="2735863"/>
           </a:xfrm>
         </p:spPr>
         <p:txBody>
@@ -14390,7 +14225,7 @@
               <a:rPr lang="en-US" sz="3200" dirty="0">
                 <a:hlinkClick r:id="rId2"/>
               </a:rPr>
-              <a:t>http://ist256.syr.edu/content/setup/overview/</a:t>
+              <a:t>http://ist256.github.io/content/setup/overview/</a:t>
             </a:r>
             <a:r>
               <a:rPr lang="en-US" sz="3200" dirty="0"/>
@@ -14402,36 +14237,6 @@
               <a:buNone/>
             </a:pPr>
             <a:endParaRPr lang="en-US" sz="3200" dirty="0"/>
-          </a:p>
-          <a:p>
-            <a:pPr marL="514350" indent="-514350">
-              <a:buFont typeface="+mj-lt"/>
-              <a:buAutoNum type="arabicPeriod"/>
-            </a:pPr>
-            <a:r>
-              <a:rPr lang="en-US" sz="3200" dirty="0"/>
-              <a:t>Install required software on your laptop</a:t>
-            </a:r>
-          </a:p>
-          <a:p>
-            <a:pPr marL="514350" indent="-514350">
-              <a:buFont typeface="+mj-lt"/>
-              <a:buAutoNum type="arabicPeriod"/>
-            </a:pPr>
-            <a:r>
-              <a:rPr lang="en-US" sz="3200" dirty="0"/>
-              <a:t>Sign up for the required accounts</a:t>
-            </a:r>
-          </a:p>
-          <a:p>
-            <a:pPr marL="514350" indent="-514350">
-              <a:buFont typeface="+mj-lt"/>
-              <a:buAutoNum type="arabicPeriod"/>
-            </a:pPr>
-            <a:r>
-              <a:rPr lang="en-US" sz="3200" dirty="0"/>
-              <a:t>Setup github classroom on your laptop</a:t>
-            </a:r>
           </a:p>
         </p:txBody>
       </p:sp>
@@ -14443,7 +14248,7 @@
                 <a16:creationId xmlns:a16="http://schemas.microsoft.com/office/drawing/2014/main" id="{59A309A7-1751-4ABE-A3C1-EEC40366AD89}"/>
               </a:ext>
               <a:ext uri="{C183D7F6-B498-43B3-948B-1728B52AA6E4}">
-                <adec:decorative xmlns:adec="http://schemas.microsoft.com/office/drawing/2017/decorative" xmlns="" val="1"/>
+                <adec:decorative xmlns:adec="http://schemas.microsoft.com/office/drawing/2017/decorative" val="1"/>
               </a:ext>
             </a:extLst>
           </p:cNvPr>
@@ -14506,7 +14311,7 @@
                 <a16:creationId xmlns:a16="http://schemas.microsoft.com/office/drawing/2014/main" id="{967D8EB6-EAE1-4F9C-B398-83321E287204}"/>
               </a:ext>
               <a:ext uri="{C183D7F6-B498-43B3-948B-1728B52AA6E4}">
-                <adec:decorative xmlns:adec="http://schemas.microsoft.com/office/drawing/2017/decorative" xmlns="" val="1"/>
+                <adec:decorative xmlns:adec="http://schemas.microsoft.com/office/drawing/2017/decorative" val="1"/>
               </a:ext>
             </a:extLst>
           </p:cNvPr>
@@ -14584,7 +14389,7 @@
                 <a14:useLocalDpi xmlns:a14="http://schemas.microsoft.com/office/drawing/2010/main" val="0"/>
               </a:ext>
               <a:ext uri="{96DAC541-7B7A-43D3-8B79-37D633B846F1}">
-                <asvg:svgBlip xmlns:asvg="http://schemas.microsoft.com/office/drawing/2016/SVG/main" xmlns="" r:embed="rId4"/>
+                <asvg:svgBlip xmlns:asvg="http://schemas.microsoft.com/office/drawing/2016/SVG/main" r:embed="rId4"/>
               </a:ext>
             </a:extLst>
           </a:blip>
@@ -14612,17 +14417,10 @@
   <p:clrMapOvr>
     <a:masterClrMapping/>
   </p:clrMapOvr>
-  <p:timing>
-    <p:tnLst>
-      <p:par>
-        <p:cTn id="1" dur="indefinite" restart="never" nodeType="tmRoot"/>
-      </p:par>
-    </p:tnLst>
-  </p:timing>
 </p:sld>
 </file>
 
-<file path=ppt/slides/slide38.xml><?xml version="1.0" encoding="utf-8"?>
+<file path=ppt/slides/slide34.xml><?xml version="1.0" encoding="utf-8"?>
 <p:sld xmlns:a="http://schemas.openxmlformats.org/drawingml/2006/main" xmlns:r="http://schemas.openxmlformats.org/officeDocument/2006/relationships" xmlns:p="http://schemas.openxmlformats.org/presentationml/2006/main">
   <p:cSld>
     <p:bg>
@@ -14655,7 +14453,7 @@
                 <a16:creationId xmlns:a16="http://schemas.microsoft.com/office/drawing/2014/main" id="{2A8AA5BC-4F7A-4226-8F99-6D824B226A97}"/>
               </a:ext>
               <a:ext uri="{C183D7F6-B498-43B3-948B-1728B52AA6E4}">
-                <adec:decorative xmlns:adec="http://schemas.microsoft.com/office/drawing/2017/decorative" xmlns="" val="1"/>
+                <adec:decorative xmlns:adec="http://schemas.microsoft.com/office/drawing/2017/decorative" val="1"/>
               </a:ext>
             </a:extLst>
           </p:cNvPr>
@@ -14718,7 +14516,7 @@
                 <a16:creationId xmlns:a16="http://schemas.microsoft.com/office/drawing/2014/main" id="{3E5445C6-DD42-4979-86FF-03730E8C6DB0}"/>
               </a:ext>
               <a:ext uri="{C183D7F6-B498-43B3-948B-1728B52AA6E4}">
-                <adec:decorative xmlns:adec="http://schemas.microsoft.com/office/drawing/2017/decorative" xmlns="" val="1"/>
+                <adec:decorative xmlns:adec="http://schemas.microsoft.com/office/drawing/2017/decorative" val="1"/>
               </a:ext>
             </a:extLst>
           </p:cNvPr>
@@ -14860,7 +14658,7 @@
                 <a16:creationId xmlns:a16="http://schemas.microsoft.com/office/drawing/2014/main" id="{45000665-DFC7-417E-8FD7-516A0F15C975}"/>
               </a:ext>
               <a:ext uri="{C183D7F6-B498-43B3-948B-1728B52AA6E4}">
-                <adec:decorative xmlns:adec="http://schemas.microsoft.com/office/drawing/2017/decorative" xmlns="" val="1"/>
+                <adec:decorative xmlns:adec="http://schemas.microsoft.com/office/drawing/2017/decorative" val="1"/>
               </a:ext>
             </a:extLst>
           </p:cNvPr>
@@ -14919,7 +14717,7 @@
 </p:sld>
 </file>
 
-<file path=ppt/slides/slide39.xml><?xml version="1.0" encoding="utf-8"?>
+<file path=ppt/slides/slide35.xml><?xml version="1.0" encoding="utf-8"?>
 <p:sld xmlns:a="http://schemas.openxmlformats.org/drawingml/2006/main" xmlns:r="http://schemas.openxmlformats.org/officeDocument/2006/relationships" xmlns:p="http://schemas.openxmlformats.org/presentationml/2006/main">
   <p:cSld>
     <p:bg>
@@ -15029,7 +14827,7 @@
               <a:rPr lang="en-US" sz="3200" dirty="0">
                 <a:hlinkClick r:id="rId2"/>
               </a:rPr>
-              <a:t>http://ist256.syr.edu/content/toc/#lesson-01-introduction-to-programming</a:t>
+              <a:t>http://ist256.github.io/content/toc/#lesson-01-introduction-to-programming</a:t>
             </a:r>
             <a:r>
               <a:rPr lang="en-US" sz="3200" dirty="0"/>
@@ -15046,7 +14844,7 @@
                 <a16:creationId xmlns:a16="http://schemas.microsoft.com/office/drawing/2014/main" id="{59A309A7-1751-4ABE-A3C1-EEC40366AD89}"/>
               </a:ext>
               <a:ext uri="{C183D7F6-B498-43B3-948B-1728B52AA6E4}">
-                <adec:decorative xmlns:adec="http://schemas.microsoft.com/office/drawing/2017/decorative" xmlns="" val="1"/>
+                <adec:decorative xmlns:adec="http://schemas.microsoft.com/office/drawing/2017/decorative" val="1"/>
               </a:ext>
             </a:extLst>
           </p:cNvPr>
@@ -15109,7 +14907,7 @@
                 <a16:creationId xmlns:a16="http://schemas.microsoft.com/office/drawing/2014/main" id="{967D8EB6-EAE1-4F9C-B398-83321E287204}"/>
               </a:ext>
               <a:ext uri="{C183D7F6-B498-43B3-948B-1728B52AA6E4}">
-                <adec:decorative xmlns:adec="http://schemas.microsoft.com/office/drawing/2017/decorative" xmlns="" val="1"/>
+                <adec:decorative xmlns:adec="http://schemas.microsoft.com/office/drawing/2017/decorative" val="1"/>
               </a:ext>
             </a:extLst>
           </p:cNvPr>
@@ -15187,7 +14985,7 @@
                 <a14:useLocalDpi xmlns:a14="http://schemas.microsoft.com/office/drawing/2010/main" val="0"/>
               </a:ext>
               <a:ext uri="{96DAC541-7B7A-43D3-8B79-37D633B846F1}">
-                <asvg:svgBlip xmlns:asvg="http://schemas.microsoft.com/office/drawing/2016/SVG/main" xmlns="" r:embed="rId4"/>
+                <asvg:svgBlip xmlns:asvg="http://schemas.microsoft.com/office/drawing/2016/SVG/main" r:embed="rId4"/>
               </a:ext>
             </a:extLst>
           </a:blip>
@@ -15218,6 +15016,85 @@
 </p:sld>
 </file>
 
+<file path=ppt/slides/slide36.xml><?xml version="1.0" encoding="utf-8"?>
+<p:sld xmlns:a="http://schemas.openxmlformats.org/drawingml/2006/main" xmlns:r="http://schemas.openxmlformats.org/officeDocument/2006/relationships" xmlns:p="http://schemas.openxmlformats.org/presentationml/2006/main">
+  <p:cSld>
+    <p:spTree>
+      <p:nvGrpSpPr>
+        <p:cNvPr id="1" name=""/>
+        <p:cNvGrpSpPr/>
+        <p:nvPr/>
+      </p:nvGrpSpPr>
+      <p:grpSpPr>
+        <a:xfrm>
+          <a:off x="0" y="0"/>
+          <a:ext cx="0" cy="0"/>
+          <a:chOff x="0" y="0"/>
+          <a:chExt cx="0" cy="0"/>
+        </a:xfrm>
+      </p:grpSpPr>
+      <p:sp>
+        <p:nvSpPr>
+          <p:cNvPr id="4" name="Title 3"/>
+          <p:cNvSpPr>
+            <a:spLocks noGrp="1"/>
+          </p:cNvSpPr>
+          <p:nvPr>
+            <p:ph type="ctrTitle"/>
+          </p:nvPr>
+        </p:nvSpPr>
+        <p:spPr/>
+        <p:txBody>
+          <a:bodyPr>
+            <a:normAutofit/>
+          </a:bodyPr>
+          <a:lstStyle/>
+          <a:p>
+            <a:r>
+              <a:rPr lang="en-US" sz="8000" dirty="0">
+                <a:solidFill>
+                  <a:srgbClr val="FFC000"/>
+                </a:solidFill>
+              </a:rPr>
+              <a:t>Thank You!</a:t>
+            </a:r>
+          </a:p>
+        </p:txBody>
+      </p:sp>
+      <p:sp>
+        <p:nvSpPr>
+          <p:cNvPr id="5" name="Subtitle 4"/>
+          <p:cNvSpPr>
+            <a:spLocks noGrp="1"/>
+          </p:cNvSpPr>
+          <p:nvPr>
+            <p:ph type="subTitle" idx="1"/>
+          </p:nvPr>
+        </p:nvSpPr>
+        <p:spPr/>
+        <p:txBody>
+          <a:bodyPr>
+            <a:normAutofit/>
+          </a:bodyPr>
+          <a:lstStyle/>
+          <a:p>
+            <a:endParaRPr lang="en-US" sz="3600" dirty="0"/>
+          </a:p>
+        </p:txBody>
+      </p:sp>
+    </p:spTree>
+    <p:extLst>
+      <p:ext uri="{BB962C8B-B14F-4D97-AF65-F5344CB8AC3E}">
+        <p14:creationId xmlns:p14="http://schemas.microsoft.com/office/powerpoint/2010/main" val="3922903444"/>
+      </p:ext>
+    </p:extLst>
+  </p:cSld>
+  <p:clrMapOvr>
+    <a:masterClrMapping/>
+  </p:clrMapOvr>
+</p:sld>
+</file>
+
 <file path=ppt/slides/slide4.xml><?xml version="1.0" encoding="utf-8"?>
 <p:sld xmlns:a="http://schemas.openxmlformats.org/drawingml/2006/main" xmlns:r="http://schemas.openxmlformats.org/officeDocument/2006/relationships" xmlns:p="http://schemas.openxmlformats.org/presentationml/2006/main">
   <p:cSld>
@@ -15415,7 +15292,7 @@
             </a:r>
             <a:r>
               <a:rPr lang="en-US" dirty="0"/>
-              <a:t>, or Stringer.</a:t>
+              <a:t>, Lyga or Stringer.</a:t>
             </a:r>
           </a:p>
           <a:p>
@@ -15451,92 +15328,6 @@
     <p:extLst>
       <p:ext uri="{BB962C8B-B14F-4D97-AF65-F5344CB8AC3E}">
         <p14:creationId xmlns:p14="http://schemas.microsoft.com/office/powerpoint/2010/main" val="2039552315"/>
-      </p:ext>
-    </p:extLst>
-  </p:cSld>
-  <p:clrMapOvr>
-    <a:masterClrMapping/>
-  </p:clrMapOvr>
-  <p:timing>
-    <p:tnLst>
-      <p:par>
-        <p:cTn id="1" dur="indefinite" restart="never" nodeType="tmRoot"/>
-      </p:par>
-    </p:tnLst>
-  </p:timing>
-</p:sld>
-</file>
-
-<file path=ppt/slides/slide40.xml><?xml version="1.0" encoding="utf-8"?>
-<p:sld xmlns:a="http://schemas.openxmlformats.org/drawingml/2006/main" xmlns:r="http://schemas.openxmlformats.org/officeDocument/2006/relationships" xmlns:p="http://schemas.openxmlformats.org/presentationml/2006/main">
-  <p:cSld>
-    <p:spTree>
-      <p:nvGrpSpPr>
-        <p:cNvPr id="1" name=""/>
-        <p:cNvGrpSpPr/>
-        <p:nvPr/>
-      </p:nvGrpSpPr>
-      <p:grpSpPr>
-        <a:xfrm>
-          <a:off x="0" y="0"/>
-          <a:ext cx="0" cy="0"/>
-          <a:chOff x="0" y="0"/>
-          <a:chExt cx="0" cy="0"/>
-        </a:xfrm>
-      </p:grpSpPr>
-      <p:sp>
-        <p:nvSpPr>
-          <p:cNvPr id="4" name="Title 3"/>
-          <p:cNvSpPr>
-            <a:spLocks noGrp="1"/>
-          </p:cNvSpPr>
-          <p:nvPr>
-            <p:ph type="ctrTitle"/>
-          </p:nvPr>
-        </p:nvSpPr>
-        <p:spPr/>
-        <p:txBody>
-          <a:bodyPr>
-            <a:normAutofit/>
-          </a:bodyPr>
-          <a:lstStyle/>
-          <a:p>
-            <a:r>
-              <a:rPr lang="en-US" sz="8000" dirty="0">
-                <a:solidFill>
-                  <a:srgbClr val="FFC000"/>
-                </a:solidFill>
-              </a:rPr>
-              <a:t>Thank You!</a:t>
-            </a:r>
-          </a:p>
-        </p:txBody>
-      </p:sp>
-      <p:sp>
-        <p:nvSpPr>
-          <p:cNvPr id="5" name="Subtitle 4"/>
-          <p:cNvSpPr>
-            <a:spLocks noGrp="1"/>
-          </p:cNvSpPr>
-          <p:nvPr>
-            <p:ph type="subTitle" idx="1"/>
-          </p:nvPr>
-        </p:nvSpPr>
-        <p:spPr/>
-        <p:txBody>
-          <a:bodyPr>
-            <a:normAutofit/>
-          </a:bodyPr>
-          <a:lstStyle/>
-          <a:p>
-            <a:endParaRPr lang="en-US" sz="3600" dirty="0"/>
-          </a:p>
-        </p:txBody>
-      </p:sp>
-    </p:spTree>
-    <p:extLst>
-      <p:ext uri="{BB962C8B-B14F-4D97-AF65-F5344CB8AC3E}">
-        <p14:creationId xmlns:p14="http://schemas.microsoft.com/office/powerpoint/2010/main" val="3922903444"/>
       </p:ext>
     </p:extLst>
   </p:cSld>
@@ -15662,7 +15453,7 @@
                 <a16:creationId xmlns:a16="http://schemas.microsoft.com/office/drawing/2014/main" id="{59A309A7-1751-4ABE-A3C1-EEC40366AD89}"/>
               </a:ext>
               <a:ext uri="{C183D7F6-B498-43B3-948B-1728B52AA6E4}">
-                <adec:decorative xmlns:adec="http://schemas.microsoft.com/office/drawing/2017/decorative" xmlns="" val="1"/>
+                <adec:decorative xmlns:adec="http://schemas.microsoft.com/office/drawing/2017/decorative" val="1"/>
               </a:ext>
             </a:extLst>
           </p:cNvPr>
@@ -15725,7 +15516,7 @@
                 <a16:creationId xmlns:a16="http://schemas.microsoft.com/office/drawing/2014/main" id="{967D8EB6-EAE1-4F9C-B398-83321E287204}"/>
               </a:ext>
               <a:ext uri="{C183D7F6-B498-43B3-948B-1728B52AA6E4}">
-                <adec:decorative xmlns:adec="http://schemas.microsoft.com/office/drawing/2017/decorative" xmlns="" val="1"/>
+                <adec:decorative xmlns:adec="http://schemas.microsoft.com/office/drawing/2017/decorative" val="1"/>
               </a:ext>
             </a:extLst>
           </p:cNvPr>
@@ -15803,7 +15594,7 @@
                 <a14:useLocalDpi xmlns:a14="http://schemas.microsoft.com/office/drawing/2010/main" val="0"/>
               </a:ext>
               <a:ext uri="{96DAC541-7B7A-43D3-8B79-37D633B846F1}">
-                <asvg:svgBlip xmlns:asvg="http://schemas.microsoft.com/office/drawing/2016/SVG/main" xmlns="" r:embed="rId3"/>
+                <asvg:svgBlip xmlns:asvg="http://schemas.microsoft.com/office/drawing/2016/SVG/main" r:embed="rId3"/>
               </a:ext>
             </a:extLst>
           </a:blip>
@@ -15831,13 +15622,6 @@
   <p:clrMapOvr>
     <a:masterClrMapping/>
   </p:clrMapOvr>
-  <p:timing>
-    <p:tnLst>
-      <p:par>
-        <p:cTn id="1" dur="indefinite" restart="never" nodeType="tmRoot"/>
-      </p:par>
-    </p:tnLst>
-  </p:timing>
 </p:sld>
 </file>
 
@@ -15920,25 +15704,15 @@
               <a:rPr lang="en-US" sz="3200" dirty="0">
                 <a:hlinkClick r:id="rId2"/>
               </a:rPr>
-              <a:t>http://ist256.syr.edu</a:t>
-            </a:r>
-            <a:r>
-              <a:rPr lang="en-US" sz="3200" dirty="0"/>
-              <a:t> </a:t>
-            </a:r>
+              <a:t>http://ist256.github.io</a:t>
+            </a:r>
+            <a:endParaRPr lang="en-US" sz="3200" dirty="0"/>
           </a:p>
           <a:p>
             <a:pPr lvl="1"/>
             <a:r>
               <a:rPr lang="en-US" dirty="0"/>
-              <a:t>All Content is on the website. PowerPoints, Syllabus, What’s due, Setup instructions.</a:t>
-            </a:r>
-          </a:p>
-          <a:p>
-            <a:pPr lvl="1"/>
-            <a:r>
-              <a:rPr lang="en-US" dirty="0"/>
-              <a:t>Content is searchable.</a:t>
+              <a:t>All Content is on the website. PowerPoints, Syllabus, What’s due, Setup instructions.  Searchable.</a:t>
             </a:r>
           </a:p>
           <a:p>
@@ -15981,6 +15755,30 @@
               <a:rPr lang="en-US" dirty="0"/>
               <a:t>For taking the diagnostic quizzes; grades posted here.</a:t>
             </a:r>
+          </a:p>
+          <a:p>
+            <a:pPr marL="514350" indent="-514350">
+              <a:buFont typeface="+mj-lt"/>
+              <a:buAutoNum type="arabicPeriod"/>
+            </a:pPr>
+            <a:r>
+              <a:rPr lang="en-US" dirty="0"/>
+              <a:t>Microsoft Teams</a:t>
+            </a:r>
+          </a:p>
+          <a:p>
+            <a:pPr lvl="1"/>
+            <a:r>
+              <a:rPr lang="en-US" dirty="0"/>
+              <a:t>For taking asking and answering questions in and out of class.</a:t>
+            </a:r>
+          </a:p>
+          <a:p>
+            <a:pPr lvl="1"/>
+            <a:endParaRPr lang="en-US" dirty="0"/>
+          </a:p>
+          <a:p>
+            <a:endParaRPr lang="en-US" dirty="0"/>
           </a:p>
         </p:txBody>
       </p:sp>
@@ -15994,13 +15792,6 @@
   <p:clrMapOvr>
     <a:masterClrMapping/>
   </p:clrMapOvr>
-  <p:timing>
-    <p:tnLst>
-      <p:par>
-        <p:cTn id="1" dur="indefinite" restart="never" nodeType="tmRoot"/>
-      </p:par>
-    </p:tnLst>
-  </p:timing>
 </p:sld>
 </file>
 
@@ -16037,7 +15828,7 @@
                 <a16:creationId xmlns:a16="http://schemas.microsoft.com/office/drawing/2014/main" id="{0482A7D0-DB09-4EBA-8D52-E6A5934B668D}"/>
               </a:ext>
               <a:ext uri="{C183D7F6-B498-43B3-948B-1728B52AA6E4}">
-                <adec:decorative xmlns:adec="http://schemas.microsoft.com/office/drawing/2017/decorative" xmlns="" val="1"/>
+                <adec:decorative xmlns:adec="http://schemas.microsoft.com/office/drawing/2017/decorative" val="1"/>
               </a:ext>
             </a:extLst>
           </p:cNvPr>
@@ -16126,7 +15917,7 @@
                 <a16:creationId xmlns:a16="http://schemas.microsoft.com/office/drawing/2014/main" id="{1A3688C8-DFCE-4CCD-BCF0-5FB239E5072D}"/>
               </a:ext>
               <a:ext uri="{C183D7F6-B498-43B3-948B-1728B52AA6E4}">
-                <adec:decorative xmlns:adec="http://schemas.microsoft.com/office/drawing/2017/decorative" xmlns="" val="1"/>
+                <adec:decorative xmlns:adec="http://schemas.microsoft.com/office/drawing/2017/decorative" val="1"/>
               </a:ext>
             </a:extLst>
           </p:cNvPr>
@@ -16366,7 +16157,7 @@
                 <a16:creationId xmlns:a16="http://schemas.microsoft.com/office/drawing/2014/main" id="{D598FBE3-48D2-40A2-B7E6-F485834C8213}"/>
               </a:ext>
               <a:ext uri="{C183D7F6-B498-43B3-948B-1728B52AA6E4}">
-                <adec:decorative xmlns:adec="http://schemas.microsoft.com/office/drawing/2017/decorative" xmlns="" val="1"/>
+                <adec:decorative xmlns:adec="http://schemas.microsoft.com/office/drawing/2017/decorative" val="1"/>
               </a:ext>
             </a:extLst>
           </p:cNvPr>
@@ -16421,7 +16212,7 @@
                 <a16:creationId xmlns:a16="http://schemas.microsoft.com/office/drawing/2014/main" id="{8482FDCF-45F3-40F1-8751-19B7AFB3CFCE}"/>
               </a:ext>
               <a:ext uri="{C183D7F6-B498-43B3-948B-1728B52AA6E4}">
-                <adec:decorative xmlns:adec="http://schemas.microsoft.com/office/drawing/2017/decorative" xmlns="" val="1"/>
+                <adec:decorative xmlns:adec="http://schemas.microsoft.com/office/drawing/2017/decorative" val="1"/>
               </a:ext>
             </a:extLst>
           </p:cNvPr>
@@ -16517,13 +16308,6 @@
   <p:clrMapOvr>
     <a:masterClrMapping/>
   </p:clrMapOvr>
-  <p:timing>
-    <p:tnLst>
-      <p:par>
-        <p:cTn id="1" dur="indefinite" restart="never" nodeType="tmRoot"/>
-      </p:par>
-    </p:tnLst>
-  </p:timing>
 </p:sld>
 </file>
 
@@ -16616,13 +16400,6 @@
   <p:clrMapOvr>
     <a:masterClrMapping/>
   </p:clrMapOvr>
-  <p:timing>
-    <p:tnLst>
-      <p:par>
-        <p:cTn id="1" dur="indefinite" restart="never" nodeType="tmRoot"/>
-      </p:par>
-    </p:tnLst>
-  </p:timing>
 </p:sld>
 </file>
 
@@ -16724,13 +16501,6 @@
   <p:clrMapOvr>
     <a:masterClrMapping/>
   </p:clrMapOvr>
-  <p:timing>
-    <p:tnLst>
-      <p:par>
-        <p:cTn id="1" dur="indefinite" restart="never" nodeType="tmRoot"/>
-      </p:par>
-    </p:tnLst>
-  </p:timing>
 </p:sld>
 </file>
 
